--- a/trunk/DOCS/Apresentação/ApresentaçãoRP2.pptx
+++ b/trunk/DOCS/Apresentação/ApresentaçãoRP2.pptx
@@ -5,7 +5,7 @@
     <p:sldMasterId id="2147484104" r:id="rId1"/>
   </p:sldMasterIdLst>
   <p:notesMasterIdLst>
-    <p:notesMasterId r:id="rId9"/>
+    <p:notesMasterId r:id="rId10"/>
   </p:notesMasterIdLst>
   <p:sldIdLst>
     <p:sldId id="260" r:id="rId2"/>
@@ -14,7 +14,8 @@
     <p:sldId id="257" r:id="rId5"/>
     <p:sldId id="258" r:id="rId6"/>
     <p:sldId id="265" r:id="rId7"/>
-    <p:sldId id="263" r:id="rId8"/>
+    <p:sldId id="266" r:id="rId8"/>
+    <p:sldId id="263" r:id="rId9"/>
   </p:sldIdLst>
   <p:sldSz cx="9144000" cy="6858000" type="screen4x3"/>
   <p:notesSz cx="6858000" cy="9144000"/>
@@ -1727,6 +1728,13 @@
     <a:masterClrMapping/>
   </p:clrMapOvr>
   <p:transition/>
+  <p:timing>
+    <p:tnLst>
+      <p:par>
+        <p:cTn id="1" dur="indefinite" restart="never" nodeType="tmRoot"/>
+      </p:par>
+    </p:tnLst>
+  </p:timing>
 </p:sldLayout>
 </file>
 
@@ -3266,6 +3274,13 @@
               <a:t>Tomadas são divididas por transições</a:t>
             </a:r>
           </a:p>
+          <a:p>
+            <a:r>
+              <a:rPr lang="pt-BR" dirty="0" smtClean="0"/>
+              <a:t>Necessária que seja feita a detecção automática das transições</a:t>
+            </a:r>
+            <a:endParaRPr lang="pt-BR" dirty="0" smtClean="0"/>
+          </a:p>
         </p:txBody>
       </p:sp>
     </p:spTree>
@@ -3341,7 +3356,7 @@
               <a:buChar char=""/>
             </a:pPr>
             <a:r>
-              <a:rPr lang="pt-BR" sz="2000" u="none">
+              <a:rPr lang="pt-BR" sz="2000" u="none" dirty="0">
                 <a:latin typeface="Corbel" pitchFamily="34" charset="0"/>
               </a:rPr>
               <a:t>Cortes</a:t>
@@ -3359,7 +3374,7 @@
               <a:buFont typeface="Wingdings" pitchFamily="2" charset="2"/>
               <a:buChar char=""/>
             </a:pPr>
-            <a:endParaRPr lang="pt-BR" sz="2000" u="none">
+            <a:endParaRPr lang="pt-BR" sz="2000" u="none" dirty="0">
               <a:latin typeface="Corbel" pitchFamily="34" charset="0"/>
             </a:endParaRPr>
           </a:p>
@@ -3375,7 +3390,7 @@
               <a:buFont typeface="Wingdings" pitchFamily="2" charset="2"/>
               <a:buChar char=""/>
             </a:pPr>
-            <a:endParaRPr lang="pt-BR" sz="2000" u="none">
+            <a:endParaRPr lang="pt-BR" sz="2000" u="none" dirty="0">
               <a:latin typeface="Corbel" pitchFamily="34" charset="0"/>
             </a:endParaRPr>
           </a:p>
@@ -3391,7 +3406,7 @@
               <a:buFont typeface="Wingdings" pitchFamily="2" charset="2"/>
               <a:buChar char=""/>
             </a:pPr>
-            <a:endParaRPr lang="pt-BR" sz="2000" u="none">
+            <a:endParaRPr lang="pt-BR" sz="2000" u="none" dirty="0">
               <a:latin typeface="Corbel" pitchFamily="34" charset="0"/>
             </a:endParaRPr>
           </a:p>
@@ -3408,10 +3423,34 @@
               <a:buChar char=""/>
             </a:pPr>
             <a:r>
-              <a:rPr lang="pt-BR" sz="2000" u="none">
+              <a:rPr lang="pt-BR" sz="2000" u="none" dirty="0">
                 <a:latin typeface="Corbel" pitchFamily="34" charset="0"/>
               </a:rPr>
-              <a:t>Fades (Fade-In e Fade-Out)</a:t>
+              <a:t>Fades (</a:t>
+            </a:r>
+            <a:r>
+              <a:rPr lang="pt-BR" sz="2000" u="none" dirty="0" err="1">
+                <a:latin typeface="Corbel" pitchFamily="34" charset="0"/>
+              </a:rPr>
+              <a:t>Fade-In</a:t>
+            </a:r>
+            <a:r>
+              <a:rPr lang="pt-BR" sz="2000" u="none" dirty="0">
+                <a:latin typeface="Corbel" pitchFamily="34" charset="0"/>
+              </a:rPr>
+              <a:t> e </a:t>
+            </a:r>
+            <a:r>
+              <a:rPr lang="pt-BR" sz="2000" u="none" dirty="0" err="1">
+                <a:latin typeface="Corbel" pitchFamily="34" charset="0"/>
+              </a:rPr>
+              <a:t>Fade-Out</a:t>
+            </a:r>
+            <a:r>
+              <a:rPr lang="pt-BR" sz="2000" u="none" dirty="0">
+                <a:latin typeface="Corbel" pitchFamily="34" charset="0"/>
+              </a:rPr>
+              <a:t>)</a:t>
             </a:r>
           </a:p>
           <a:p>
@@ -3426,7 +3465,7 @@
               <a:buFont typeface="Wingdings" pitchFamily="2" charset="2"/>
               <a:buChar char=""/>
             </a:pPr>
-            <a:endParaRPr lang="pt-BR" sz="2000" u="none">
+            <a:endParaRPr lang="pt-BR" sz="2000" u="none" dirty="0">
               <a:latin typeface="Corbel" pitchFamily="34" charset="0"/>
             </a:endParaRPr>
           </a:p>
@@ -3442,7 +3481,7 @@
               <a:buFont typeface="Wingdings" pitchFamily="2" charset="2"/>
               <a:buChar char=""/>
             </a:pPr>
-            <a:endParaRPr lang="pt-BR" sz="2000" u="none">
+            <a:endParaRPr lang="pt-BR" sz="2000" u="none" dirty="0">
               <a:latin typeface="Corbel" pitchFamily="34" charset="0"/>
             </a:endParaRPr>
           </a:p>
@@ -3458,7 +3497,7 @@
               <a:buFont typeface="Wingdings" pitchFamily="2" charset="2"/>
               <a:buNone/>
             </a:pPr>
-            <a:endParaRPr lang="pt-BR" sz="2000" u="none">
+            <a:endParaRPr lang="pt-BR" sz="2000" u="none" dirty="0">
               <a:latin typeface="Corbel" pitchFamily="34" charset="0"/>
             </a:endParaRPr>
           </a:p>
@@ -3475,7 +3514,7 @@
               <a:buChar char=""/>
             </a:pPr>
             <a:r>
-              <a:rPr lang="pt-BR" sz="2000" u="none">
+              <a:rPr lang="pt-BR" sz="2000" u="none" dirty="0">
                 <a:latin typeface="Corbel" pitchFamily="34" charset="0"/>
               </a:rPr>
               <a:t>Dissolves</a:t>
@@ -3504,7 +3543,7 @@
           <a:lstStyle/>
           <a:p>
             <a:r>
-              <a:rPr lang="pt-BR" smtClean="0"/>
+              <a:rPr lang="pt-BR" dirty="0" smtClean="0"/>
               <a:t>Diferentes padrões para cada tipo de transição</a:t>
             </a:r>
           </a:p>
@@ -3513,7 +3552,7 @@
               <a:buFont typeface="Wingdings" pitchFamily="2" charset="2"/>
               <a:buNone/>
             </a:pPr>
-            <a:endParaRPr lang="pt-BR" smtClean="0"/>
+            <a:endParaRPr lang="pt-BR" dirty="0" smtClean="0"/>
           </a:p>
         </p:txBody>
       </p:sp>
@@ -8226,241 +8265,6 @@
           </a:p>
         </p:txBody>
       </p:sp>
-      <p:grpSp>
-        <p:nvGrpSpPr>
-          <p:cNvPr id="126" name="Grupo 125"/>
-          <p:cNvGrpSpPr/>
-          <p:nvPr/>
-        </p:nvGrpSpPr>
-        <p:grpSpPr>
-          <a:xfrm>
-            <a:off x="6929454" y="3886206"/>
-            <a:ext cx="1290638" cy="1400182"/>
-            <a:chOff x="6929454" y="3457578"/>
-            <a:chExt cx="1290638" cy="1400182"/>
-          </a:xfrm>
-        </p:grpSpPr>
-        <p:sp>
-          <p:nvSpPr>
-            <p:cNvPr id="11894" name="Text Box 630"/>
-            <p:cNvSpPr txBox="1">
-              <a:spLocks noChangeArrowheads="1"/>
-            </p:cNvSpPr>
-            <p:nvPr/>
-          </p:nvSpPr>
-          <p:spPr bwMode="auto">
-            <a:xfrm>
-              <a:off x="7000892" y="3457578"/>
-              <a:ext cx="1219200" cy="430887"/>
-            </a:xfrm>
-            <a:prstGeom prst="rect">
-              <a:avLst/>
-            </a:prstGeom>
-            <a:ln>
-              <a:headEnd/>
-              <a:tailEnd/>
-            </a:ln>
-          </p:spPr>
-          <p:style>
-            <a:lnRef idx="2">
-              <a:schemeClr val="accent5"/>
-            </a:lnRef>
-            <a:fillRef idx="1">
-              <a:schemeClr val="lt1"/>
-            </a:fillRef>
-            <a:effectRef idx="0">
-              <a:schemeClr val="accent5"/>
-            </a:effectRef>
-            <a:fontRef idx="minor">
-              <a:schemeClr val="dk1"/>
-            </a:fontRef>
-          </p:style>
-          <p:txBody>
-            <a:bodyPr>
-              <a:spAutoFit/>
-            </a:bodyPr>
-            <a:lstStyle/>
-            <a:p>
-              <a:pPr>
-                <a:spcBef>
-                  <a:spcPct val="50000"/>
-                </a:spcBef>
-              </a:pPr>
-              <a:r>
-                <a:rPr lang="pt-BR" sz="1100" u="none" dirty="0">
-                  <a:solidFill>
-                    <a:schemeClr val="bg1"/>
-                  </a:solidFill>
-                </a:rPr>
-                <a:t>Corte em 01:30:25</a:t>
-              </a:r>
-            </a:p>
-          </p:txBody>
-        </p:sp>
-        <p:sp>
-          <p:nvSpPr>
-            <p:cNvPr id="125" name="Rectangle 628"/>
-            <p:cNvSpPr>
-              <a:spLocks noChangeArrowheads="1"/>
-            </p:cNvSpPr>
-            <p:nvPr/>
-          </p:nvSpPr>
-          <p:spPr bwMode="auto">
-            <a:xfrm>
-              <a:off x="6929454" y="4000504"/>
-              <a:ext cx="45719" cy="857256"/>
-            </a:xfrm>
-            <a:prstGeom prst="rect">
-              <a:avLst/>
-            </a:prstGeom>
-            <a:solidFill>
-              <a:srgbClr val="0000FF">
-                <a:alpha val="50000"/>
-              </a:srgbClr>
-            </a:solidFill>
-            <a:ln w="3175">
-              <a:solidFill>
-                <a:srgbClr val="0000FF"/>
-              </a:solidFill>
-              <a:miter lim="800000"/>
-              <a:headEnd/>
-              <a:tailEnd/>
-            </a:ln>
-            <a:effectLst/>
-          </p:spPr>
-          <p:txBody>
-            <a:bodyPr wrap="none" anchor="ctr"/>
-            <a:lstStyle/>
-            <a:p>
-              <a:endParaRPr lang="pt-BR" u="none"/>
-            </a:p>
-          </p:txBody>
-        </p:sp>
-      </p:grpSp>
-      <p:grpSp>
-        <p:nvGrpSpPr>
-          <p:cNvPr id="127" name="Grupo 126"/>
-          <p:cNvGrpSpPr/>
-          <p:nvPr/>
-        </p:nvGrpSpPr>
-        <p:grpSpPr>
-          <a:xfrm>
-            <a:off x="4786314" y="3886146"/>
-            <a:ext cx="1290638" cy="1400242"/>
-            <a:chOff x="6929454" y="3457518"/>
-            <a:chExt cx="1290638" cy="1400242"/>
-          </a:xfrm>
-        </p:grpSpPr>
-        <p:sp>
-          <p:nvSpPr>
-            <p:cNvPr id="128" name="Text Box 630"/>
-            <p:cNvSpPr txBox="1">
-              <a:spLocks noChangeArrowheads="1"/>
-            </p:cNvSpPr>
-            <p:nvPr/>
-          </p:nvSpPr>
-          <p:spPr bwMode="auto">
-            <a:xfrm>
-              <a:off x="7000892" y="3457518"/>
-              <a:ext cx="1219200" cy="430887"/>
-            </a:xfrm>
-            <a:prstGeom prst="rect">
-              <a:avLst/>
-            </a:prstGeom>
-            <a:ln>
-              <a:headEnd/>
-              <a:tailEnd/>
-            </a:ln>
-          </p:spPr>
-          <p:style>
-            <a:lnRef idx="2">
-              <a:schemeClr val="accent5"/>
-            </a:lnRef>
-            <a:fillRef idx="1">
-              <a:schemeClr val="lt1"/>
-            </a:fillRef>
-            <a:effectRef idx="0">
-              <a:schemeClr val="accent5"/>
-            </a:effectRef>
-            <a:fontRef idx="minor">
-              <a:schemeClr val="dk1"/>
-            </a:fontRef>
-          </p:style>
-          <p:txBody>
-            <a:bodyPr>
-              <a:spAutoFit/>
-            </a:bodyPr>
-            <a:lstStyle/>
-            <a:p>
-              <a:pPr>
-                <a:spcBef>
-                  <a:spcPct val="50000"/>
-                </a:spcBef>
-              </a:pPr>
-              <a:r>
-                <a:rPr lang="pt-BR" sz="1100" u="none" dirty="0" err="1" smtClean="0">
-                  <a:solidFill>
-                    <a:schemeClr val="bg1"/>
-                  </a:solidFill>
-                </a:rPr>
-                <a:t>Fade-Out</a:t>
-              </a:r>
-              <a:r>
-                <a:rPr lang="pt-BR" sz="1100" u="none" dirty="0" smtClean="0">
-                  <a:solidFill>
-                    <a:schemeClr val="bg1"/>
-                  </a:solidFill>
-                </a:rPr>
-                <a:t> em 01:10:30</a:t>
-              </a:r>
-              <a:endParaRPr lang="pt-BR" sz="1100" u="none" dirty="0">
-                <a:solidFill>
-                  <a:schemeClr val="bg1"/>
-                </a:solidFill>
-              </a:endParaRPr>
-            </a:p>
-          </p:txBody>
-        </p:sp>
-        <p:sp>
-          <p:nvSpPr>
-            <p:cNvPr id="130" name="Rectangle 628"/>
-            <p:cNvSpPr>
-              <a:spLocks noChangeArrowheads="1"/>
-            </p:cNvSpPr>
-            <p:nvPr/>
-          </p:nvSpPr>
-          <p:spPr bwMode="auto">
-            <a:xfrm>
-              <a:off x="6929454" y="4000504"/>
-              <a:ext cx="45719" cy="857256"/>
-            </a:xfrm>
-            <a:prstGeom prst="rect">
-              <a:avLst/>
-            </a:prstGeom>
-            <a:solidFill>
-              <a:srgbClr val="0000FF">
-                <a:alpha val="50000"/>
-              </a:srgbClr>
-            </a:solidFill>
-            <a:ln w="3175">
-              <a:solidFill>
-                <a:srgbClr val="0000FF"/>
-              </a:solidFill>
-              <a:miter lim="800000"/>
-              <a:headEnd/>
-              <a:tailEnd/>
-            </a:ln>
-            <a:effectLst/>
-          </p:spPr>
-          <p:txBody>
-            <a:bodyPr wrap="none" anchor="ctr"/>
-            <a:lstStyle/>
-            <a:p>
-              <a:endParaRPr lang="pt-BR" u="none"/>
-            </a:p>
-          </p:txBody>
-        </p:sp>
-      </p:grpSp>
       <p:pic>
         <p:nvPicPr>
           <p:cNvPr id="11899" name="Picture 635" descr="C:\Documents and Settings\Thiago Mizutani\Meus documentos\FEI\TCC\TCC Master\LATEX\imagens\dissolve.PNG"/>
@@ -12961,139 +12765,7 @@
       </p:sp>
       <p:grpSp>
         <p:nvGrpSpPr>
-          <p:cNvPr id="137" name="Grupo 136"/>
-          <p:cNvGrpSpPr/>
-          <p:nvPr/>
-        </p:nvGrpSpPr>
-        <p:grpSpPr>
-          <a:xfrm>
-            <a:off x="2571736" y="5357826"/>
-            <a:ext cx="1290638" cy="1400182"/>
-            <a:chOff x="6929454" y="3457578"/>
-            <a:chExt cx="1290638" cy="1400182"/>
-          </a:xfrm>
-        </p:grpSpPr>
-        <p:sp>
-          <p:nvSpPr>
-            <p:cNvPr id="138" name="Text Box 630"/>
-            <p:cNvSpPr txBox="1">
-              <a:spLocks noChangeArrowheads="1"/>
-            </p:cNvSpPr>
-            <p:nvPr/>
-          </p:nvSpPr>
-          <p:spPr bwMode="auto">
-            <a:xfrm>
-              <a:off x="7000892" y="3457578"/>
-              <a:ext cx="1219200" cy="430887"/>
-            </a:xfrm>
-            <a:prstGeom prst="rect">
-              <a:avLst/>
-            </a:prstGeom>
-            <a:ln>
-              <a:headEnd/>
-              <a:tailEnd/>
-            </a:ln>
-          </p:spPr>
-          <p:style>
-            <a:lnRef idx="2">
-              <a:schemeClr val="accent5"/>
-            </a:lnRef>
-            <a:fillRef idx="1">
-              <a:schemeClr val="lt1"/>
-            </a:fillRef>
-            <a:effectRef idx="0">
-              <a:schemeClr val="accent5"/>
-            </a:effectRef>
-            <a:fontRef idx="minor">
-              <a:schemeClr val="dk1"/>
-            </a:fontRef>
-          </p:style>
-          <p:txBody>
-            <a:bodyPr>
-              <a:spAutoFit/>
-            </a:bodyPr>
-            <a:lstStyle/>
-            <a:p>
-              <a:pPr>
-                <a:spcBef>
-                  <a:spcPct val="50000"/>
-                </a:spcBef>
-              </a:pPr>
-              <a:r>
-                <a:rPr lang="pt-BR" sz="1100" u="none" dirty="0" smtClean="0">
-                  <a:solidFill>
-                    <a:schemeClr val="bg1"/>
-                  </a:solidFill>
-                </a:rPr>
-                <a:t>Dissolve </a:t>
-              </a:r>
-              <a:r>
-                <a:rPr lang="pt-BR" sz="1100" u="none" dirty="0">
-                  <a:solidFill>
-                    <a:schemeClr val="bg1"/>
-                  </a:solidFill>
-                </a:rPr>
-                <a:t>em </a:t>
-              </a:r>
-              <a:r>
-                <a:rPr lang="pt-BR" sz="1100" u="none" dirty="0" smtClean="0">
-                  <a:solidFill>
-                    <a:schemeClr val="bg1"/>
-                  </a:solidFill>
-                </a:rPr>
-                <a:t>02:00:55</a:t>
-              </a:r>
-              <a:endParaRPr lang="pt-BR" sz="1100" u="none" dirty="0">
-                <a:solidFill>
-                  <a:schemeClr val="bg1"/>
-                </a:solidFill>
-              </a:endParaRPr>
-            </a:p>
-          </p:txBody>
-        </p:sp>
-        <p:sp>
-          <p:nvSpPr>
-            <p:cNvPr id="140" name="Rectangle 628"/>
-            <p:cNvSpPr>
-              <a:spLocks noChangeArrowheads="1"/>
-            </p:cNvSpPr>
-            <p:nvPr/>
-          </p:nvSpPr>
-          <p:spPr bwMode="auto">
-            <a:xfrm>
-              <a:off x="6929454" y="4000504"/>
-              <a:ext cx="45719" cy="857256"/>
-            </a:xfrm>
-            <a:prstGeom prst="rect">
-              <a:avLst/>
-            </a:prstGeom>
-            <a:solidFill>
-              <a:srgbClr val="0000FF">
-                <a:alpha val="50000"/>
-              </a:srgbClr>
-            </a:solidFill>
-            <a:ln w="3175">
-              <a:solidFill>
-                <a:srgbClr val="0000FF"/>
-              </a:solidFill>
-              <a:miter lim="800000"/>
-              <a:headEnd/>
-              <a:tailEnd/>
-            </a:ln>
-            <a:effectLst/>
-          </p:spPr>
-          <p:txBody>
-            <a:bodyPr wrap="none" anchor="ctr"/>
-            <a:lstStyle/>
-            <a:p>
-              <a:endParaRPr lang="pt-BR" u="none"/>
-            </a:p>
-          </p:txBody>
-        </p:sp>
-      </p:grpSp>
-      <p:grpSp>
-        <p:nvGrpSpPr>
-          <p:cNvPr id="265" name="Grupo 264"/>
+          <p:cNvPr id="275" name="Grupo 274"/>
           <p:cNvGrpSpPr/>
           <p:nvPr/>
         </p:nvGrpSpPr>
@@ -13101,7 +12773,7 @@
           <a:xfrm>
             <a:off x="7143768" y="5357826"/>
             <a:ext cx="1326849" cy="1400182"/>
-            <a:chOff x="7215206" y="1714488"/>
+            <a:chOff x="7143768" y="5357826"/>
             <a:chExt cx="1326849" cy="1400182"/>
           </a:xfrm>
         </p:grpSpPr>
@@ -13115,7 +12787,7 @@
           </p:nvSpPr>
           <p:spPr bwMode="auto">
             <a:xfrm>
-              <a:off x="8496336" y="2257414"/>
+              <a:off x="8424898" y="5900752"/>
               <a:ext cx="45719" cy="857256"/>
             </a:xfrm>
             <a:prstGeom prst="rect">
@@ -13154,7 +12826,7 @@
           </p:nvSpPr>
           <p:spPr bwMode="auto">
             <a:xfrm>
-              <a:off x="7215206" y="1714488"/>
+              <a:off x="7143768" y="5357826"/>
               <a:ext cx="1219200" cy="430887"/>
             </a:xfrm>
             <a:prstGeom prst="rect">
@@ -13241,7 +12913,7 @@
           </p:nvCxnSpPr>
           <p:spPr>
             <a:xfrm rot="16200000" flipV="1">
-              <a:off x="8313060" y="2051278"/>
+              <a:off x="8241622" y="5694616"/>
               <a:ext cx="327482" cy="84790"/>
             </a:xfrm>
             <a:prstGeom prst="line">
@@ -13271,126 +12943,493 @@
           </p:style>
         </p:cxnSp>
       </p:grpSp>
-      <p:cxnSp>
-        <p:nvCxnSpPr>
-          <p:cNvPr id="267" name="Conector reto 266"/>
-          <p:cNvCxnSpPr>
-            <a:stCxn id="140" idx="0"/>
-            <a:endCxn id="138" idx="1"/>
-          </p:cNvCxnSpPr>
+      <p:grpSp>
+        <p:nvGrpSpPr>
+          <p:cNvPr id="278" name="Grupo 277"/>
+          <p:cNvGrpSpPr/>
           <p:nvPr/>
-        </p:nvCxnSpPr>
-        <p:spPr>
-          <a:xfrm rot="5400000" flipH="1" flipV="1">
-            <a:off x="2455144" y="5712722"/>
-            <a:ext cx="327482" cy="48578"/>
-          </a:xfrm>
-          <a:prstGeom prst="line">
-            <a:avLst/>
-          </a:prstGeom>
-          <a:ln>
+        </p:nvGrpSpPr>
+        <p:grpSpPr>
+          <a:xfrm>
+            <a:off x="2571736" y="5357826"/>
+            <a:ext cx="1290638" cy="1400182"/>
+            <a:chOff x="2571736" y="5357826"/>
+            <a:chExt cx="1290638" cy="1400182"/>
+          </a:xfrm>
+        </p:grpSpPr>
+        <p:sp>
+          <p:nvSpPr>
+            <p:cNvPr id="138" name="Text Box 630"/>
+            <p:cNvSpPr txBox="1">
+              <a:spLocks noChangeArrowheads="1"/>
+            </p:cNvSpPr>
+            <p:nvPr/>
+          </p:nvSpPr>
+          <p:spPr bwMode="auto">
+            <a:xfrm>
+              <a:off x="2643174" y="5357826"/>
+              <a:ext cx="1219200" cy="430887"/>
+            </a:xfrm>
+            <a:prstGeom prst="rect">
+              <a:avLst/>
+            </a:prstGeom>
+            <a:ln>
+              <a:headEnd/>
+              <a:tailEnd/>
+            </a:ln>
+          </p:spPr>
+          <p:style>
+            <a:lnRef idx="2">
+              <a:schemeClr val="accent5"/>
+            </a:lnRef>
+            <a:fillRef idx="1">
+              <a:schemeClr val="lt1"/>
+            </a:fillRef>
+            <a:effectRef idx="0">
+              <a:schemeClr val="accent5"/>
+            </a:effectRef>
+            <a:fontRef idx="minor">
+              <a:schemeClr val="dk1"/>
+            </a:fontRef>
+          </p:style>
+          <p:txBody>
+            <a:bodyPr>
+              <a:spAutoFit/>
+            </a:bodyPr>
+            <a:lstStyle/>
+            <a:p>
+              <a:pPr>
+                <a:spcBef>
+                  <a:spcPct val="50000"/>
+                </a:spcBef>
+              </a:pPr>
+              <a:r>
+                <a:rPr lang="pt-BR" sz="1100" u="none" dirty="0" smtClean="0">
+                  <a:solidFill>
+                    <a:schemeClr val="bg1"/>
+                  </a:solidFill>
+                </a:rPr>
+                <a:t>Dissolve </a:t>
+              </a:r>
+              <a:r>
+                <a:rPr lang="pt-BR" sz="1100" u="none" dirty="0">
+                  <a:solidFill>
+                    <a:schemeClr val="bg1"/>
+                  </a:solidFill>
+                </a:rPr>
+                <a:t>em </a:t>
+              </a:r>
+              <a:r>
+                <a:rPr lang="pt-BR" sz="1100" u="none" dirty="0" smtClean="0">
+                  <a:solidFill>
+                    <a:schemeClr val="bg1"/>
+                  </a:solidFill>
+                </a:rPr>
+                <a:t>02:00:55</a:t>
+              </a:r>
+              <a:endParaRPr lang="pt-BR" sz="1100" u="none" dirty="0">
+                <a:solidFill>
+                  <a:schemeClr val="bg1"/>
+                </a:solidFill>
+              </a:endParaRPr>
+            </a:p>
+          </p:txBody>
+        </p:sp>
+        <p:sp>
+          <p:nvSpPr>
+            <p:cNvPr id="140" name="Rectangle 628"/>
+            <p:cNvSpPr>
+              <a:spLocks noChangeArrowheads="1"/>
+            </p:cNvSpPr>
+            <p:nvPr/>
+          </p:nvSpPr>
+          <p:spPr bwMode="auto">
+            <a:xfrm>
+              <a:off x="2571736" y="5900752"/>
+              <a:ext cx="45719" cy="857256"/>
+            </a:xfrm>
+            <a:prstGeom prst="rect">
+              <a:avLst/>
+            </a:prstGeom>
             <a:solidFill>
-              <a:schemeClr val="tx2">
-                <a:lumMod val="50000"/>
-              </a:schemeClr>
+              <a:srgbClr val="0000FF">
+                <a:alpha val="50000"/>
+              </a:srgbClr>
             </a:solidFill>
-          </a:ln>
-        </p:spPr>
-        <p:style>
-          <a:lnRef idx="1">
-            <a:schemeClr val="accent1"/>
-          </a:lnRef>
-          <a:fillRef idx="0">
-            <a:schemeClr val="accent1"/>
-          </a:fillRef>
-          <a:effectRef idx="0">
-            <a:schemeClr val="accent1"/>
-          </a:effectRef>
-          <a:fontRef idx="minor">
-            <a:schemeClr val="tx1"/>
-          </a:fontRef>
-        </p:style>
-      </p:cxnSp>
-      <p:cxnSp>
-        <p:nvCxnSpPr>
-          <p:cNvPr id="269" name="Conector reto 268"/>
-          <p:cNvCxnSpPr>
-            <a:stCxn id="125" idx="0"/>
-            <a:endCxn id="11894" idx="1"/>
-          </p:cNvCxnSpPr>
+            <a:ln w="3175">
+              <a:solidFill>
+                <a:srgbClr val="0000FF"/>
+              </a:solidFill>
+              <a:miter lim="800000"/>
+              <a:headEnd/>
+              <a:tailEnd/>
+            </a:ln>
+            <a:effectLst/>
+          </p:spPr>
+          <p:txBody>
+            <a:bodyPr wrap="none" anchor="ctr"/>
+            <a:lstStyle/>
+            <a:p>
+              <a:endParaRPr lang="pt-BR" u="none"/>
+            </a:p>
+          </p:txBody>
+        </p:sp>
+        <p:cxnSp>
+          <p:nvCxnSpPr>
+            <p:cNvPr id="267" name="Conector reto 266"/>
+            <p:cNvCxnSpPr>
+              <a:stCxn id="140" idx="0"/>
+              <a:endCxn id="138" idx="1"/>
+            </p:cNvCxnSpPr>
+            <p:nvPr/>
+          </p:nvCxnSpPr>
+          <p:spPr>
+            <a:xfrm rot="5400000" flipH="1" flipV="1">
+              <a:off x="2455144" y="5712722"/>
+              <a:ext cx="327482" cy="48578"/>
+            </a:xfrm>
+            <a:prstGeom prst="line">
+              <a:avLst/>
+            </a:prstGeom>
+            <a:ln>
+              <a:solidFill>
+                <a:schemeClr val="tx2">
+                  <a:lumMod val="50000"/>
+                </a:schemeClr>
+              </a:solidFill>
+            </a:ln>
+          </p:spPr>
+          <p:style>
+            <a:lnRef idx="1">
+              <a:schemeClr val="accent1"/>
+            </a:lnRef>
+            <a:fillRef idx="0">
+              <a:schemeClr val="accent1"/>
+            </a:fillRef>
+            <a:effectRef idx="0">
+              <a:schemeClr val="accent1"/>
+            </a:effectRef>
+            <a:fontRef idx="minor">
+              <a:schemeClr val="tx1"/>
+            </a:fontRef>
+          </p:style>
+        </p:cxnSp>
+      </p:grpSp>
+      <p:grpSp>
+        <p:nvGrpSpPr>
+          <p:cNvPr id="277" name="Grupo 276"/>
+          <p:cNvGrpSpPr/>
           <p:nvPr/>
-        </p:nvCxnSpPr>
-        <p:spPr>
-          <a:xfrm rot="5400000" flipH="1" flipV="1">
-            <a:off x="6812862" y="4241102"/>
-            <a:ext cx="327482" cy="48578"/>
-          </a:xfrm>
-          <a:prstGeom prst="line">
-            <a:avLst/>
-          </a:prstGeom>
-          <a:ln>
+        </p:nvGrpSpPr>
+        <p:grpSpPr>
+          <a:xfrm>
+            <a:off x="6929454" y="3886206"/>
+            <a:ext cx="1290638" cy="1400182"/>
+            <a:chOff x="6929454" y="3886206"/>
+            <a:chExt cx="1290638" cy="1400182"/>
+          </a:xfrm>
+        </p:grpSpPr>
+        <p:sp>
+          <p:nvSpPr>
+            <p:cNvPr id="11894" name="Text Box 630"/>
+            <p:cNvSpPr txBox="1">
+              <a:spLocks noChangeArrowheads="1"/>
+            </p:cNvSpPr>
+            <p:nvPr/>
+          </p:nvSpPr>
+          <p:spPr bwMode="auto">
+            <a:xfrm>
+              <a:off x="7000892" y="3886206"/>
+              <a:ext cx="1219200" cy="430887"/>
+            </a:xfrm>
+            <a:prstGeom prst="rect">
+              <a:avLst/>
+            </a:prstGeom>
+            <a:ln>
+              <a:headEnd/>
+              <a:tailEnd/>
+            </a:ln>
+          </p:spPr>
+          <p:style>
+            <a:lnRef idx="2">
+              <a:schemeClr val="accent5"/>
+            </a:lnRef>
+            <a:fillRef idx="1">
+              <a:schemeClr val="lt1"/>
+            </a:fillRef>
+            <a:effectRef idx="0">
+              <a:schemeClr val="accent5"/>
+            </a:effectRef>
+            <a:fontRef idx="minor">
+              <a:schemeClr val="dk1"/>
+            </a:fontRef>
+          </p:style>
+          <p:txBody>
+            <a:bodyPr>
+              <a:spAutoFit/>
+            </a:bodyPr>
+            <a:lstStyle/>
+            <a:p>
+              <a:pPr>
+                <a:spcBef>
+                  <a:spcPct val="50000"/>
+                </a:spcBef>
+              </a:pPr>
+              <a:r>
+                <a:rPr lang="pt-BR" sz="1100" u="none" dirty="0">
+                  <a:solidFill>
+                    <a:schemeClr val="bg1"/>
+                  </a:solidFill>
+                </a:rPr>
+                <a:t>Corte em 01:30:25</a:t>
+              </a:r>
+            </a:p>
+          </p:txBody>
+        </p:sp>
+        <p:sp>
+          <p:nvSpPr>
+            <p:cNvPr id="125" name="Rectangle 628"/>
+            <p:cNvSpPr>
+              <a:spLocks noChangeArrowheads="1"/>
+            </p:cNvSpPr>
+            <p:nvPr/>
+          </p:nvSpPr>
+          <p:spPr bwMode="auto">
+            <a:xfrm>
+              <a:off x="6929454" y="4429132"/>
+              <a:ext cx="45719" cy="857256"/>
+            </a:xfrm>
+            <a:prstGeom prst="rect">
+              <a:avLst/>
+            </a:prstGeom>
             <a:solidFill>
-              <a:schemeClr val="tx2">
-                <a:lumMod val="50000"/>
-              </a:schemeClr>
+              <a:srgbClr val="0000FF">
+                <a:alpha val="50000"/>
+              </a:srgbClr>
             </a:solidFill>
-          </a:ln>
-        </p:spPr>
-        <p:style>
-          <a:lnRef idx="1">
-            <a:schemeClr val="accent1"/>
-          </a:lnRef>
-          <a:fillRef idx="0">
-            <a:schemeClr val="accent1"/>
-          </a:fillRef>
-          <a:effectRef idx="0">
-            <a:schemeClr val="accent1"/>
-          </a:effectRef>
-          <a:fontRef idx="minor">
-            <a:schemeClr val="tx1"/>
-          </a:fontRef>
-        </p:style>
-      </p:cxnSp>
-      <p:cxnSp>
-        <p:nvCxnSpPr>
-          <p:cNvPr id="271" name="Conector reto 270"/>
-          <p:cNvCxnSpPr>
-            <a:stCxn id="130" idx="0"/>
-            <a:endCxn id="128" idx="1"/>
-          </p:cNvCxnSpPr>
+            <a:ln w="3175">
+              <a:solidFill>
+                <a:srgbClr val="0000FF"/>
+              </a:solidFill>
+              <a:miter lim="800000"/>
+              <a:headEnd/>
+              <a:tailEnd/>
+            </a:ln>
+            <a:effectLst/>
+          </p:spPr>
+          <p:txBody>
+            <a:bodyPr wrap="none" anchor="ctr"/>
+            <a:lstStyle/>
+            <a:p>
+              <a:endParaRPr lang="pt-BR" u="none"/>
+            </a:p>
+          </p:txBody>
+        </p:sp>
+        <p:cxnSp>
+          <p:nvCxnSpPr>
+            <p:cNvPr id="269" name="Conector reto 268"/>
+            <p:cNvCxnSpPr>
+              <a:stCxn id="125" idx="0"/>
+              <a:endCxn id="11894" idx="1"/>
+            </p:cNvCxnSpPr>
+            <p:nvPr/>
+          </p:nvCxnSpPr>
+          <p:spPr>
+            <a:xfrm rot="5400000" flipH="1" flipV="1">
+              <a:off x="6812862" y="4241102"/>
+              <a:ext cx="327482" cy="48578"/>
+            </a:xfrm>
+            <a:prstGeom prst="line">
+              <a:avLst/>
+            </a:prstGeom>
+            <a:ln>
+              <a:solidFill>
+                <a:schemeClr val="tx2">
+                  <a:lumMod val="50000"/>
+                </a:schemeClr>
+              </a:solidFill>
+            </a:ln>
+          </p:spPr>
+          <p:style>
+            <a:lnRef idx="1">
+              <a:schemeClr val="accent1"/>
+            </a:lnRef>
+            <a:fillRef idx="0">
+              <a:schemeClr val="accent1"/>
+            </a:fillRef>
+            <a:effectRef idx="0">
+              <a:schemeClr val="accent1"/>
+            </a:effectRef>
+            <a:fontRef idx="minor">
+              <a:schemeClr val="tx1"/>
+            </a:fontRef>
+          </p:style>
+        </p:cxnSp>
+      </p:grpSp>
+      <p:grpSp>
+        <p:nvGrpSpPr>
+          <p:cNvPr id="276" name="Grupo 275"/>
+          <p:cNvGrpSpPr/>
           <p:nvPr/>
-        </p:nvCxnSpPr>
-        <p:spPr>
-          <a:xfrm rot="5400000" flipH="1" flipV="1">
-            <a:off x="4669692" y="4241072"/>
-            <a:ext cx="327542" cy="48578"/>
-          </a:xfrm>
-          <a:prstGeom prst="line">
-            <a:avLst/>
-          </a:prstGeom>
-          <a:ln>
+        </p:nvGrpSpPr>
+        <p:grpSpPr>
+          <a:xfrm>
+            <a:off x="4786314" y="3886146"/>
+            <a:ext cx="1290638" cy="1400242"/>
+            <a:chOff x="4786314" y="3886146"/>
+            <a:chExt cx="1290638" cy="1400242"/>
+          </a:xfrm>
+        </p:grpSpPr>
+        <p:cxnSp>
+          <p:nvCxnSpPr>
+            <p:cNvPr id="271" name="Conector reto 270"/>
+            <p:cNvCxnSpPr>
+              <a:stCxn id="130" idx="0"/>
+              <a:endCxn id="128" idx="1"/>
+            </p:cNvCxnSpPr>
+            <p:nvPr/>
+          </p:nvCxnSpPr>
+          <p:spPr>
+            <a:xfrm rot="5400000" flipH="1" flipV="1">
+              <a:off x="4669692" y="4241072"/>
+              <a:ext cx="327542" cy="48578"/>
+            </a:xfrm>
+            <a:prstGeom prst="line">
+              <a:avLst/>
+            </a:prstGeom>
+            <a:ln>
+              <a:solidFill>
+                <a:schemeClr val="tx2">
+                  <a:lumMod val="50000"/>
+                </a:schemeClr>
+              </a:solidFill>
+            </a:ln>
+          </p:spPr>
+          <p:style>
+            <a:lnRef idx="1">
+              <a:schemeClr val="accent1"/>
+            </a:lnRef>
+            <a:fillRef idx="0">
+              <a:schemeClr val="accent1"/>
+            </a:fillRef>
+            <a:effectRef idx="0">
+              <a:schemeClr val="accent1"/>
+            </a:effectRef>
+            <a:fontRef idx="minor">
+              <a:schemeClr val="tx1"/>
+            </a:fontRef>
+          </p:style>
+        </p:cxnSp>
+        <p:sp>
+          <p:nvSpPr>
+            <p:cNvPr id="128" name="Text Box 630"/>
+            <p:cNvSpPr txBox="1">
+              <a:spLocks noChangeArrowheads="1"/>
+            </p:cNvSpPr>
+            <p:nvPr/>
+          </p:nvSpPr>
+          <p:spPr bwMode="auto">
+            <a:xfrm>
+              <a:off x="4857752" y="3886146"/>
+              <a:ext cx="1219200" cy="430887"/>
+            </a:xfrm>
+            <a:prstGeom prst="rect">
+              <a:avLst/>
+            </a:prstGeom>
+            <a:ln>
+              <a:headEnd/>
+              <a:tailEnd/>
+            </a:ln>
+          </p:spPr>
+          <p:style>
+            <a:lnRef idx="2">
+              <a:schemeClr val="accent5"/>
+            </a:lnRef>
+            <a:fillRef idx="1">
+              <a:schemeClr val="lt1"/>
+            </a:fillRef>
+            <a:effectRef idx="0">
+              <a:schemeClr val="accent5"/>
+            </a:effectRef>
+            <a:fontRef idx="minor">
+              <a:schemeClr val="dk1"/>
+            </a:fontRef>
+          </p:style>
+          <p:txBody>
+            <a:bodyPr>
+              <a:spAutoFit/>
+            </a:bodyPr>
+            <a:lstStyle/>
+            <a:p>
+              <a:pPr>
+                <a:spcBef>
+                  <a:spcPct val="50000"/>
+                </a:spcBef>
+              </a:pPr>
+              <a:r>
+                <a:rPr lang="pt-BR" sz="1100" u="none" dirty="0" err="1" smtClean="0">
+                  <a:solidFill>
+                    <a:schemeClr val="bg1"/>
+                  </a:solidFill>
+                </a:rPr>
+                <a:t>Fade-Out</a:t>
+              </a:r>
+              <a:r>
+                <a:rPr lang="pt-BR" sz="1100" u="none" dirty="0" smtClean="0">
+                  <a:solidFill>
+                    <a:schemeClr val="bg1"/>
+                  </a:solidFill>
+                </a:rPr>
+                <a:t> em 01:10:30</a:t>
+              </a:r>
+              <a:endParaRPr lang="pt-BR" sz="1100" u="none" dirty="0">
+                <a:solidFill>
+                  <a:schemeClr val="bg1"/>
+                </a:solidFill>
+              </a:endParaRPr>
+            </a:p>
+          </p:txBody>
+        </p:sp>
+        <p:sp>
+          <p:nvSpPr>
+            <p:cNvPr id="130" name="Rectangle 628"/>
+            <p:cNvSpPr>
+              <a:spLocks noChangeArrowheads="1"/>
+            </p:cNvSpPr>
+            <p:nvPr/>
+          </p:nvSpPr>
+          <p:spPr bwMode="auto">
+            <a:xfrm>
+              <a:off x="4786314" y="4429132"/>
+              <a:ext cx="45719" cy="857256"/>
+            </a:xfrm>
+            <a:prstGeom prst="rect">
+              <a:avLst/>
+            </a:prstGeom>
             <a:solidFill>
-              <a:schemeClr val="tx2">
-                <a:lumMod val="50000"/>
-              </a:schemeClr>
+              <a:srgbClr val="0000FF">
+                <a:alpha val="50000"/>
+              </a:srgbClr>
             </a:solidFill>
-          </a:ln>
-        </p:spPr>
-        <p:style>
-          <a:lnRef idx="1">
-            <a:schemeClr val="accent1"/>
-          </a:lnRef>
-          <a:fillRef idx="0">
-            <a:schemeClr val="accent1"/>
-          </a:fillRef>
-          <a:effectRef idx="0">
-            <a:schemeClr val="accent1"/>
-          </a:effectRef>
-          <a:fontRef idx="minor">
-            <a:schemeClr val="tx1"/>
-          </a:fontRef>
-        </p:style>
-      </p:cxnSp>
+            <a:ln w="3175">
+              <a:solidFill>
+                <a:srgbClr val="0000FF"/>
+              </a:solidFill>
+              <a:miter lim="800000"/>
+              <a:headEnd/>
+              <a:tailEnd/>
+            </a:ln>
+            <a:effectLst/>
+          </p:spPr>
+          <p:txBody>
+            <a:bodyPr wrap="none" anchor="ctr"/>
+            <a:lstStyle/>
+            <a:p>
+              <a:endParaRPr lang="pt-BR" u="none"/>
+            </a:p>
+          </p:txBody>
+        </p:sp>
+      </p:grpSp>
     </p:spTree>
   </p:cSld>
   <p:clrMapOvr>
@@ -17014,20 +17053,20 @@
                             </p:stCondLst>
                             <p:childTnLst>
                               <p:par>
-                                <p:cTn id="191" presetID="1" presetClass="entr" presetSubtype="0" fill="hold" nodeType="afterEffect">
+                                <p:cTn id="191" presetID="11" presetClass="entr" presetSubtype="0" fill="hold" grpId="0" nodeType="afterEffect">
                                   <p:stCondLst>
                                     <p:cond delay="0"/>
                                   </p:stCondLst>
                                   <p:childTnLst>
                                     <p:set>
                                       <p:cBhvr>
-                                        <p:cTn id="192" dur="1" fill="hold">
+                                        <p:cTn id="192" dur="75">
                                           <p:stCondLst>
                                             <p:cond delay="0"/>
                                           </p:stCondLst>
                                         </p:cTn>
                                         <p:tgtEl>
-                                          <p:spTgt spid="127"/>
+                                          <p:spTgt spid="11671"/>
                                         </p:tgtEl>
                                         <p:attrNameLst>
                                           <p:attrName>style.visibility</p:attrName>
@@ -17038,6 +17077,28 @@
                                       </p:to>
                                     </p:set>
                                   </p:childTnLst>
+                                  <p:subTnLst>
+                                    <p:set>
+                                      <p:cBhvr override="childStyle">
+                                        <p:cTn dur="1" fill="hold" display="0" masterRel="sameClick" afterEffect="1">
+                                          <p:stCondLst>
+                                            <p:cond evt="end" delay="0">
+                                              <p:tn val="191"/>
+                                            </p:cond>
+                                          </p:stCondLst>
+                                        </p:cTn>
+                                        <p:tgtEl>
+                                          <p:spTgt spid="11671"/>
+                                        </p:tgtEl>
+                                        <p:attrNameLst>
+                                          <p:attrName>style.visibility</p:attrName>
+                                        </p:attrNameLst>
+                                      </p:cBhvr>
+                                      <p:to>
+                                        <p:strVal val="hidden"/>
+                                      </p:to>
+                                    </p:set>
+                                  </p:subTnLst>
                                 </p:cTn>
                               </p:par>
                             </p:childTnLst>
@@ -17046,7 +17107,7 @@
                         <p:par>
                           <p:cTn id="193" fill="hold">
                             <p:stCondLst>
-                              <p:cond delay="4650"/>
+                              <p:cond delay="4725"/>
                             </p:stCondLst>
                             <p:childTnLst>
                               <p:par>
@@ -17063,7 +17124,7 @@
                                           </p:stCondLst>
                                         </p:cTn>
                                         <p:tgtEl>
-                                          <p:spTgt spid="11671"/>
+                                          <p:spTgt spid="11672"/>
                                         </p:tgtEl>
                                         <p:attrNameLst>
                                           <p:attrName>style.visibility</p:attrName>
@@ -17085,7 +17146,7 @@
                                           </p:stCondLst>
                                         </p:cTn>
                                         <p:tgtEl>
-                                          <p:spTgt spid="11671"/>
+                                          <p:spTgt spid="11672"/>
                                         </p:tgtEl>
                                         <p:attrNameLst>
                                           <p:attrName>style.visibility</p:attrName>
@@ -17104,7 +17165,7 @@
                         <p:par>
                           <p:cTn id="196" fill="hold">
                             <p:stCondLst>
-                              <p:cond delay="4725"/>
+                              <p:cond delay="4800"/>
                             </p:stCondLst>
                             <p:childTnLst>
                               <p:par>
@@ -17121,7 +17182,7 @@
                                           </p:stCondLst>
                                         </p:cTn>
                                         <p:tgtEl>
-                                          <p:spTgt spid="11672"/>
+                                          <p:spTgt spid="11673"/>
                                         </p:tgtEl>
                                         <p:attrNameLst>
                                           <p:attrName>style.visibility</p:attrName>
@@ -17143,7 +17204,7 @@
                                           </p:stCondLst>
                                         </p:cTn>
                                         <p:tgtEl>
-                                          <p:spTgt spid="11672"/>
+                                          <p:spTgt spid="11673"/>
                                         </p:tgtEl>
                                         <p:attrNameLst>
                                           <p:attrName>style.visibility</p:attrName>
@@ -17162,7 +17223,7 @@
                         <p:par>
                           <p:cTn id="199" fill="hold">
                             <p:stCondLst>
-                              <p:cond delay="4800"/>
+                              <p:cond delay="4875"/>
                             </p:stCondLst>
                             <p:childTnLst>
                               <p:par>
@@ -17179,7 +17240,7 @@
                                           </p:stCondLst>
                                         </p:cTn>
                                         <p:tgtEl>
-                                          <p:spTgt spid="11673"/>
+                                          <p:spTgt spid="11674"/>
                                         </p:tgtEl>
                                         <p:attrNameLst>
                                           <p:attrName>style.visibility</p:attrName>
@@ -17201,7 +17262,7 @@
                                           </p:stCondLst>
                                         </p:cTn>
                                         <p:tgtEl>
-                                          <p:spTgt spid="11673"/>
+                                          <p:spTgt spid="11674"/>
                                         </p:tgtEl>
                                         <p:attrNameLst>
                                           <p:attrName>style.visibility</p:attrName>
@@ -17220,7 +17281,7 @@
                         <p:par>
                           <p:cTn id="202" fill="hold">
                             <p:stCondLst>
-                              <p:cond delay="4875"/>
+                              <p:cond delay="4950"/>
                             </p:stCondLst>
                             <p:childTnLst>
                               <p:par>
@@ -17237,7 +17298,7 @@
                                           </p:stCondLst>
                                         </p:cTn>
                                         <p:tgtEl>
-                                          <p:spTgt spid="11674"/>
+                                          <p:spTgt spid="11678"/>
                                         </p:tgtEl>
                                         <p:attrNameLst>
                                           <p:attrName>style.visibility</p:attrName>
@@ -17259,7 +17320,7 @@
                                           </p:stCondLst>
                                         </p:cTn>
                                         <p:tgtEl>
-                                          <p:spTgt spid="11674"/>
+                                          <p:spTgt spid="11678"/>
                                         </p:tgtEl>
                                         <p:attrNameLst>
                                           <p:attrName>style.visibility</p:attrName>
@@ -17278,7 +17339,7 @@
                         <p:par>
                           <p:cTn id="205" fill="hold">
                             <p:stCondLst>
-                              <p:cond delay="4950"/>
+                              <p:cond delay="5025"/>
                             </p:stCondLst>
                             <p:childTnLst>
                               <p:par>
@@ -17295,7 +17356,7 @@
                                           </p:stCondLst>
                                         </p:cTn>
                                         <p:tgtEl>
-                                          <p:spTgt spid="11678"/>
+                                          <p:spTgt spid="11679"/>
                                         </p:tgtEl>
                                         <p:attrNameLst>
                                           <p:attrName>style.visibility</p:attrName>
@@ -17317,7 +17378,7 @@
                                           </p:stCondLst>
                                         </p:cTn>
                                         <p:tgtEl>
-                                          <p:spTgt spid="11678"/>
+                                          <p:spTgt spid="11679"/>
                                         </p:tgtEl>
                                         <p:attrNameLst>
                                           <p:attrName>style.visibility</p:attrName>
@@ -17336,7 +17397,7 @@
                         <p:par>
                           <p:cTn id="208" fill="hold">
                             <p:stCondLst>
-                              <p:cond delay="5025"/>
+                              <p:cond delay="5100"/>
                             </p:stCondLst>
                             <p:childTnLst>
                               <p:par>
@@ -17353,7 +17414,7 @@
                                           </p:stCondLst>
                                         </p:cTn>
                                         <p:tgtEl>
-                                          <p:spTgt spid="11679"/>
+                                          <p:spTgt spid="11680"/>
                                         </p:tgtEl>
                                         <p:attrNameLst>
                                           <p:attrName>style.visibility</p:attrName>
@@ -17375,7 +17436,7 @@
                                           </p:stCondLst>
                                         </p:cTn>
                                         <p:tgtEl>
-                                          <p:spTgt spid="11679"/>
+                                          <p:spTgt spid="11680"/>
                                         </p:tgtEl>
                                         <p:attrNameLst>
                                           <p:attrName>style.visibility</p:attrName>
@@ -17394,7 +17455,7 @@
                         <p:par>
                           <p:cTn id="211" fill="hold">
                             <p:stCondLst>
-                              <p:cond delay="5100"/>
+                              <p:cond delay="5175"/>
                             </p:stCondLst>
                             <p:childTnLst>
                               <p:par>
@@ -17411,7 +17472,7 @@
                                           </p:stCondLst>
                                         </p:cTn>
                                         <p:tgtEl>
-                                          <p:spTgt spid="11680"/>
+                                          <p:spTgt spid="11681"/>
                                         </p:tgtEl>
                                         <p:attrNameLst>
                                           <p:attrName>style.visibility</p:attrName>
@@ -17433,7 +17494,7 @@
                                           </p:stCondLst>
                                         </p:cTn>
                                         <p:tgtEl>
-                                          <p:spTgt spid="11680"/>
+                                          <p:spTgt spid="11681"/>
                                         </p:tgtEl>
                                         <p:attrNameLst>
                                           <p:attrName>style.visibility</p:attrName>
@@ -17452,7 +17513,7 @@
                         <p:par>
                           <p:cTn id="214" fill="hold">
                             <p:stCondLst>
-                              <p:cond delay="5175"/>
+                              <p:cond delay="5250"/>
                             </p:stCondLst>
                             <p:childTnLst>
                               <p:par>
@@ -17469,7 +17530,7 @@
                                           </p:stCondLst>
                                         </p:cTn>
                                         <p:tgtEl>
-                                          <p:spTgt spid="11681"/>
+                                          <p:spTgt spid="11682"/>
                                         </p:tgtEl>
                                         <p:attrNameLst>
                                           <p:attrName>style.visibility</p:attrName>
@@ -17491,7 +17552,7 @@
                                           </p:stCondLst>
                                         </p:cTn>
                                         <p:tgtEl>
-                                          <p:spTgt spid="11681"/>
+                                          <p:spTgt spid="11682"/>
                                         </p:tgtEl>
                                         <p:attrNameLst>
                                           <p:attrName>style.visibility</p:attrName>
@@ -17510,7 +17571,7 @@
                         <p:par>
                           <p:cTn id="217" fill="hold">
                             <p:stCondLst>
-                              <p:cond delay="5250"/>
+                              <p:cond delay="5325"/>
                             </p:stCondLst>
                             <p:childTnLst>
                               <p:par>
@@ -17527,7 +17588,7 @@
                                           </p:stCondLst>
                                         </p:cTn>
                                         <p:tgtEl>
-                                          <p:spTgt spid="11682"/>
+                                          <p:spTgt spid="11683"/>
                                         </p:tgtEl>
                                         <p:attrNameLst>
                                           <p:attrName>style.visibility</p:attrName>
@@ -17549,7 +17610,7 @@
                                           </p:stCondLst>
                                         </p:cTn>
                                         <p:tgtEl>
-                                          <p:spTgt spid="11682"/>
+                                          <p:spTgt spid="11683"/>
                                         </p:tgtEl>
                                         <p:attrNameLst>
                                           <p:attrName>style.visibility</p:attrName>
@@ -17568,7 +17629,7 @@
                         <p:par>
                           <p:cTn id="220" fill="hold">
                             <p:stCondLst>
-                              <p:cond delay="5325"/>
+                              <p:cond delay="5400"/>
                             </p:stCondLst>
                             <p:childTnLst>
                               <p:par>
@@ -17585,7 +17646,7 @@
                                           </p:stCondLst>
                                         </p:cTn>
                                         <p:tgtEl>
-                                          <p:spTgt spid="11683"/>
+                                          <p:spTgt spid="11684"/>
                                         </p:tgtEl>
                                         <p:attrNameLst>
                                           <p:attrName>style.visibility</p:attrName>
@@ -17607,7 +17668,7 @@
                                           </p:stCondLst>
                                         </p:cTn>
                                         <p:tgtEl>
-                                          <p:spTgt spid="11683"/>
+                                          <p:spTgt spid="11684"/>
                                         </p:tgtEl>
                                         <p:attrNameLst>
                                           <p:attrName>style.visibility</p:attrName>
@@ -17626,7 +17687,7 @@
                         <p:par>
                           <p:cTn id="223" fill="hold">
                             <p:stCondLst>
-                              <p:cond delay="5400"/>
+                              <p:cond delay="5475"/>
                             </p:stCondLst>
                             <p:childTnLst>
                               <p:par>
@@ -17643,7 +17704,7 @@
                                           </p:stCondLst>
                                         </p:cTn>
                                         <p:tgtEl>
-                                          <p:spTgt spid="11684"/>
+                                          <p:spTgt spid="11685"/>
                                         </p:tgtEl>
                                         <p:attrNameLst>
                                           <p:attrName>style.visibility</p:attrName>
@@ -17665,7 +17726,7 @@
                                           </p:stCondLst>
                                         </p:cTn>
                                         <p:tgtEl>
-                                          <p:spTgt spid="11684"/>
+                                          <p:spTgt spid="11685"/>
                                         </p:tgtEl>
                                         <p:attrNameLst>
                                           <p:attrName>style.visibility</p:attrName>
@@ -17684,7 +17745,7 @@
                         <p:par>
                           <p:cTn id="226" fill="hold">
                             <p:stCondLst>
-                              <p:cond delay="5475"/>
+                              <p:cond delay="5550"/>
                             </p:stCondLst>
                             <p:childTnLst>
                               <p:par>
@@ -17701,7 +17762,7 @@
                                           </p:stCondLst>
                                         </p:cTn>
                                         <p:tgtEl>
-                                          <p:spTgt spid="11685"/>
+                                          <p:spTgt spid="11686"/>
                                         </p:tgtEl>
                                         <p:attrNameLst>
                                           <p:attrName>style.visibility</p:attrName>
@@ -17723,7 +17784,7 @@
                                           </p:stCondLst>
                                         </p:cTn>
                                         <p:tgtEl>
-                                          <p:spTgt spid="11685"/>
+                                          <p:spTgt spid="11686"/>
                                         </p:tgtEl>
                                         <p:attrNameLst>
                                           <p:attrName>style.visibility</p:attrName>
@@ -17742,7 +17803,7 @@
                         <p:par>
                           <p:cTn id="229" fill="hold">
                             <p:stCondLst>
-                              <p:cond delay="5550"/>
+                              <p:cond delay="5625"/>
                             </p:stCondLst>
                             <p:childTnLst>
                               <p:par>
@@ -17759,7 +17820,7 @@
                                           </p:stCondLst>
                                         </p:cTn>
                                         <p:tgtEl>
-                                          <p:spTgt spid="11686"/>
+                                          <p:spTgt spid="11690"/>
                                         </p:tgtEl>
                                         <p:attrNameLst>
                                           <p:attrName>style.visibility</p:attrName>
@@ -17781,7 +17842,7 @@
                                           </p:stCondLst>
                                         </p:cTn>
                                         <p:tgtEl>
-                                          <p:spTgt spid="11686"/>
+                                          <p:spTgt spid="11690"/>
                                         </p:tgtEl>
                                         <p:attrNameLst>
                                           <p:attrName>style.visibility</p:attrName>
@@ -17800,7 +17861,7 @@
                         <p:par>
                           <p:cTn id="232" fill="hold">
                             <p:stCondLst>
-                              <p:cond delay="5625"/>
+                              <p:cond delay="5700"/>
                             </p:stCondLst>
                             <p:childTnLst>
                               <p:par>
@@ -17817,7 +17878,7 @@
                                           </p:stCondLst>
                                         </p:cTn>
                                         <p:tgtEl>
-                                          <p:spTgt spid="11690"/>
+                                          <p:spTgt spid="11691"/>
                                         </p:tgtEl>
                                         <p:attrNameLst>
                                           <p:attrName>style.visibility</p:attrName>
@@ -17839,7 +17900,7 @@
                                           </p:stCondLst>
                                         </p:cTn>
                                         <p:tgtEl>
-                                          <p:spTgt spid="11690"/>
+                                          <p:spTgt spid="11691"/>
                                         </p:tgtEl>
                                         <p:attrNameLst>
                                           <p:attrName>style.visibility</p:attrName>
@@ -17858,7 +17919,7 @@
                         <p:par>
                           <p:cTn id="235" fill="hold">
                             <p:stCondLst>
-                              <p:cond delay="5700"/>
+                              <p:cond delay="5775"/>
                             </p:stCondLst>
                             <p:childTnLst>
                               <p:par>
@@ -17875,7 +17936,7 @@
                                           </p:stCondLst>
                                         </p:cTn>
                                         <p:tgtEl>
-                                          <p:spTgt spid="11691"/>
+                                          <p:spTgt spid="11692"/>
                                         </p:tgtEl>
                                         <p:attrNameLst>
                                           <p:attrName>style.visibility</p:attrName>
@@ -17897,7 +17958,7 @@
                                           </p:stCondLst>
                                         </p:cTn>
                                         <p:tgtEl>
-                                          <p:spTgt spid="11691"/>
+                                          <p:spTgt spid="11692"/>
                                         </p:tgtEl>
                                         <p:attrNameLst>
                                           <p:attrName>style.visibility</p:attrName>
@@ -17916,7 +17977,7 @@
                         <p:par>
                           <p:cTn id="238" fill="hold">
                             <p:stCondLst>
-                              <p:cond delay="5775"/>
+                              <p:cond delay="5850"/>
                             </p:stCondLst>
                             <p:childTnLst>
                               <p:par>
@@ -17933,7 +17994,7 @@
                                           </p:stCondLst>
                                         </p:cTn>
                                         <p:tgtEl>
-                                          <p:spTgt spid="11692"/>
+                                          <p:spTgt spid="11854"/>
                                         </p:tgtEl>
                                         <p:attrNameLst>
                                           <p:attrName>style.visibility</p:attrName>
@@ -17955,7 +18016,7 @@
                                           </p:stCondLst>
                                         </p:cTn>
                                         <p:tgtEl>
-                                          <p:spTgt spid="11692"/>
+                                          <p:spTgt spid="11854"/>
                                         </p:tgtEl>
                                         <p:attrNameLst>
                                           <p:attrName>style.visibility</p:attrName>
@@ -17974,7 +18035,7 @@
                         <p:par>
                           <p:cTn id="241" fill="hold">
                             <p:stCondLst>
-                              <p:cond delay="5850"/>
+                              <p:cond delay="5925"/>
                             </p:stCondLst>
                             <p:childTnLst>
                               <p:par>
@@ -17991,7 +18052,7 @@
                                           </p:stCondLst>
                                         </p:cTn>
                                         <p:tgtEl>
-                                          <p:spTgt spid="11854"/>
+                                          <p:spTgt spid="11855"/>
                                         </p:tgtEl>
                                         <p:attrNameLst>
                                           <p:attrName>style.visibility</p:attrName>
@@ -18013,7 +18074,7 @@
                                           </p:stCondLst>
                                         </p:cTn>
                                         <p:tgtEl>
-                                          <p:spTgt spid="11854"/>
+                                          <p:spTgt spid="11855"/>
                                         </p:tgtEl>
                                         <p:attrNameLst>
                                           <p:attrName>style.visibility</p:attrName>
@@ -18032,7 +18093,7 @@
                         <p:par>
                           <p:cTn id="244" fill="hold">
                             <p:stCondLst>
-                              <p:cond delay="5925"/>
+                              <p:cond delay="6000"/>
                             </p:stCondLst>
                             <p:childTnLst>
                               <p:par>
@@ -18049,7 +18110,7 @@
                                           </p:stCondLst>
                                         </p:cTn>
                                         <p:tgtEl>
-                                          <p:spTgt spid="11855"/>
+                                          <p:spTgt spid="11856"/>
                                         </p:tgtEl>
                                         <p:attrNameLst>
                                           <p:attrName>style.visibility</p:attrName>
@@ -18071,7 +18132,7 @@
                                           </p:stCondLst>
                                         </p:cTn>
                                         <p:tgtEl>
-                                          <p:spTgt spid="11855"/>
+                                          <p:spTgt spid="11856"/>
                                         </p:tgtEl>
                                         <p:attrNameLst>
                                           <p:attrName>style.visibility</p:attrName>
@@ -18090,7 +18151,7 @@
                         <p:par>
                           <p:cTn id="247" fill="hold">
                             <p:stCondLst>
-                              <p:cond delay="6000"/>
+                              <p:cond delay="6075"/>
                             </p:stCondLst>
                             <p:childTnLst>
                               <p:par>
@@ -18107,7 +18168,7 @@
                                           </p:stCondLst>
                                         </p:cTn>
                                         <p:tgtEl>
-                                          <p:spTgt spid="11856"/>
+                                          <p:spTgt spid="11857"/>
                                         </p:tgtEl>
                                         <p:attrNameLst>
                                           <p:attrName>style.visibility</p:attrName>
@@ -18129,7 +18190,7 @@
                                           </p:stCondLst>
                                         </p:cTn>
                                         <p:tgtEl>
-                                          <p:spTgt spid="11856"/>
+                                          <p:spTgt spid="11857"/>
                                         </p:tgtEl>
                                         <p:attrNameLst>
                                           <p:attrName>style.visibility</p:attrName>
@@ -18148,7 +18209,7 @@
                         <p:par>
                           <p:cTn id="250" fill="hold">
                             <p:stCondLst>
-                              <p:cond delay="6075"/>
+                              <p:cond delay="6150"/>
                             </p:stCondLst>
                             <p:childTnLst>
                               <p:par>
@@ -18165,7 +18226,7 @@
                                           </p:stCondLst>
                                         </p:cTn>
                                         <p:tgtEl>
-                                          <p:spTgt spid="11857"/>
+                                          <p:spTgt spid="11858"/>
                                         </p:tgtEl>
                                         <p:attrNameLst>
                                           <p:attrName>style.visibility</p:attrName>
@@ -18187,7 +18248,7 @@
                                           </p:stCondLst>
                                         </p:cTn>
                                         <p:tgtEl>
-                                          <p:spTgt spid="11857"/>
+                                          <p:spTgt spid="11858"/>
                                         </p:tgtEl>
                                         <p:attrNameLst>
                                           <p:attrName>style.visibility</p:attrName>
@@ -18206,7 +18267,7 @@
                         <p:par>
                           <p:cTn id="253" fill="hold">
                             <p:stCondLst>
-                              <p:cond delay="6150"/>
+                              <p:cond delay="6225"/>
                             </p:stCondLst>
                             <p:childTnLst>
                               <p:par>
@@ -18223,7 +18284,7 @@
                                           </p:stCondLst>
                                         </p:cTn>
                                         <p:tgtEl>
-                                          <p:spTgt spid="11858"/>
+                                          <p:spTgt spid="11859"/>
                                         </p:tgtEl>
                                         <p:attrNameLst>
                                           <p:attrName>style.visibility</p:attrName>
@@ -18245,7 +18306,7 @@
                                           </p:stCondLst>
                                         </p:cTn>
                                         <p:tgtEl>
-                                          <p:spTgt spid="11858"/>
+                                          <p:spTgt spid="11859"/>
                                         </p:tgtEl>
                                         <p:attrNameLst>
                                           <p:attrName>style.visibility</p:attrName>
@@ -18264,7 +18325,7 @@
                         <p:par>
                           <p:cTn id="256" fill="hold">
                             <p:stCondLst>
-                              <p:cond delay="6225"/>
+                              <p:cond delay="6300"/>
                             </p:stCondLst>
                             <p:childTnLst>
                               <p:par>
@@ -18281,7 +18342,7 @@
                                           </p:stCondLst>
                                         </p:cTn>
                                         <p:tgtEl>
-                                          <p:spTgt spid="11859"/>
+                                          <p:spTgt spid="11860"/>
                                         </p:tgtEl>
                                         <p:attrNameLst>
                                           <p:attrName>style.visibility</p:attrName>
@@ -18303,7 +18364,7 @@
                                           </p:stCondLst>
                                         </p:cTn>
                                         <p:tgtEl>
-                                          <p:spTgt spid="11859"/>
+                                          <p:spTgt spid="11860"/>
                                         </p:tgtEl>
                                         <p:attrNameLst>
                                           <p:attrName>style.visibility</p:attrName>
@@ -18322,7 +18383,7 @@
                         <p:par>
                           <p:cTn id="259" fill="hold">
                             <p:stCondLst>
-                              <p:cond delay="6300"/>
+                              <p:cond delay="6375"/>
                             </p:stCondLst>
                             <p:childTnLst>
                               <p:par>
@@ -18339,7 +18400,7 @@
                                           </p:stCondLst>
                                         </p:cTn>
                                         <p:tgtEl>
-                                          <p:spTgt spid="11860"/>
+                                          <p:spTgt spid="11861"/>
                                         </p:tgtEl>
                                         <p:attrNameLst>
                                           <p:attrName>style.visibility</p:attrName>
@@ -18361,7 +18422,7 @@
                                           </p:stCondLst>
                                         </p:cTn>
                                         <p:tgtEl>
-                                          <p:spTgt spid="11860"/>
+                                          <p:spTgt spid="11861"/>
                                         </p:tgtEl>
                                         <p:attrNameLst>
                                           <p:attrName>style.visibility</p:attrName>
@@ -18380,7 +18441,7 @@
                         <p:par>
                           <p:cTn id="262" fill="hold">
                             <p:stCondLst>
-                              <p:cond delay="6375"/>
+                              <p:cond delay="6450"/>
                             </p:stCondLst>
                             <p:childTnLst>
                               <p:par>
@@ -18397,7 +18458,7 @@
                                           </p:stCondLst>
                                         </p:cTn>
                                         <p:tgtEl>
-                                          <p:spTgt spid="11861"/>
+                                          <p:spTgt spid="11862"/>
                                         </p:tgtEl>
                                         <p:attrNameLst>
                                           <p:attrName>style.visibility</p:attrName>
@@ -18419,7 +18480,7 @@
                                           </p:stCondLst>
                                         </p:cTn>
                                         <p:tgtEl>
-                                          <p:spTgt spid="11861"/>
+                                          <p:spTgt spid="11862"/>
                                         </p:tgtEl>
                                         <p:attrNameLst>
                                           <p:attrName>style.visibility</p:attrName>
@@ -18438,7 +18499,7 @@
                         <p:par>
                           <p:cTn id="265" fill="hold">
                             <p:stCondLst>
-                              <p:cond delay="6450"/>
+                              <p:cond delay="6525"/>
                             </p:stCondLst>
                             <p:childTnLst>
                               <p:par>
@@ -18455,7 +18516,7 @@
                                           </p:stCondLst>
                                         </p:cTn>
                                         <p:tgtEl>
-                                          <p:spTgt spid="11862"/>
+                                          <p:spTgt spid="11863"/>
                                         </p:tgtEl>
                                         <p:attrNameLst>
                                           <p:attrName>style.visibility</p:attrName>
@@ -18477,7 +18538,7 @@
                                           </p:stCondLst>
                                         </p:cTn>
                                         <p:tgtEl>
-                                          <p:spTgt spid="11862"/>
+                                          <p:spTgt spid="11863"/>
                                         </p:tgtEl>
                                         <p:attrNameLst>
                                           <p:attrName>style.visibility</p:attrName>
@@ -18496,7 +18557,7 @@
                         <p:par>
                           <p:cTn id="268" fill="hold">
                             <p:stCondLst>
-                              <p:cond delay="6525"/>
+                              <p:cond delay="6600"/>
                             </p:stCondLst>
                             <p:childTnLst>
                               <p:par>
@@ -18513,7 +18574,7 @@
                                           </p:stCondLst>
                                         </p:cTn>
                                         <p:tgtEl>
-                                          <p:spTgt spid="11863"/>
+                                          <p:spTgt spid="11864"/>
                                         </p:tgtEl>
                                         <p:attrNameLst>
                                           <p:attrName>style.visibility</p:attrName>
@@ -18535,7 +18596,7 @@
                                           </p:stCondLst>
                                         </p:cTn>
                                         <p:tgtEl>
-                                          <p:spTgt spid="11863"/>
+                                          <p:spTgt spid="11864"/>
                                         </p:tgtEl>
                                         <p:attrNameLst>
                                           <p:attrName>style.visibility</p:attrName>
@@ -18554,7 +18615,7 @@
                         <p:par>
                           <p:cTn id="271" fill="hold">
                             <p:stCondLst>
-                              <p:cond delay="6600"/>
+                              <p:cond delay="6675"/>
                             </p:stCondLst>
                             <p:childTnLst>
                               <p:par>
@@ -18571,7 +18632,7 @@
                                           </p:stCondLst>
                                         </p:cTn>
                                         <p:tgtEl>
-                                          <p:spTgt spid="11864"/>
+                                          <p:spTgt spid="11865"/>
                                         </p:tgtEl>
                                         <p:attrNameLst>
                                           <p:attrName>style.visibility</p:attrName>
@@ -18593,7 +18654,7 @@
                                           </p:stCondLst>
                                         </p:cTn>
                                         <p:tgtEl>
-                                          <p:spTgt spid="11864"/>
+                                          <p:spTgt spid="11865"/>
                                         </p:tgtEl>
                                         <p:attrNameLst>
                                           <p:attrName>style.visibility</p:attrName>
@@ -18612,7 +18673,7 @@
                         <p:par>
                           <p:cTn id="274" fill="hold">
                             <p:stCondLst>
-                              <p:cond delay="6675"/>
+                              <p:cond delay="6750"/>
                             </p:stCondLst>
                             <p:childTnLst>
                               <p:par>
@@ -18629,7 +18690,7 @@
                                           </p:stCondLst>
                                         </p:cTn>
                                         <p:tgtEl>
-                                          <p:spTgt spid="11865"/>
+                                          <p:spTgt spid="11866"/>
                                         </p:tgtEl>
                                         <p:attrNameLst>
                                           <p:attrName>style.visibility</p:attrName>
@@ -18651,7 +18712,7 @@
                                           </p:stCondLst>
                                         </p:cTn>
                                         <p:tgtEl>
-                                          <p:spTgt spid="11865"/>
+                                          <p:spTgt spid="11866"/>
                                         </p:tgtEl>
                                         <p:attrNameLst>
                                           <p:attrName>style.visibility</p:attrName>
@@ -18670,24 +18731,24 @@
                         <p:par>
                           <p:cTn id="277" fill="hold">
                             <p:stCondLst>
-                              <p:cond delay="6750"/>
+                              <p:cond delay="6825"/>
                             </p:stCondLst>
                             <p:childTnLst>
                               <p:par>
-                                <p:cTn id="278" presetID="1" presetClass="entr" presetSubtype="0" fill="hold" nodeType="afterEffect">
+                                <p:cTn id="278" presetID="11" presetClass="entr" presetSubtype="0" fill="hold" grpId="0" nodeType="afterEffect">
                                   <p:stCondLst>
                                     <p:cond delay="0"/>
                                   </p:stCondLst>
                                   <p:childTnLst>
                                     <p:set>
                                       <p:cBhvr>
-                                        <p:cTn id="279" dur="1" fill="hold">
+                                        <p:cTn id="279" dur="75">
                                           <p:stCondLst>
                                             <p:cond delay="0"/>
                                           </p:stCondLst>
                                         </p:cTn>
                                         <p:tgtEl>
-                                          <p:spTgt spid="126"/>
+                                          <p:spTgt spid="11867"/>
                                         </p:tgtEl>
                                         <p:attrNameLst>
                                           <p:attrName>style.visibility</p:attrName>
@@ -18698,6 +18759,28 @@
                                       </p:to>
                                     </p:set>
                                   </p:childTnLst>
+                                  <p:subTnLst>
+                                    <p:set>
+                                      <p:cBhvr override="childStyle">
+                                        <p:cTn dur="1" fill="hold" display="0" masterRel="sameClick" afterEffect="1">
+                                          <p:stCondLst>
+                                            <p:cond evt="end" delay="0">
+                                              <p:tn val="278"/>
+                                            </p:cond>
+                                          </p:stCondLst>
+                                        </p:cTn>
+                                        <p:tgtEl>
+                                          <p:spTgt spid="11867"/>
+                                        </p:tgtEl>
+                                        <p:attrNameLst>
+                                          <p:attrName>style.visibility</p:attrName>
+                                        </p:attrNameLst>
+                                      </p:cBhvr>
+                                      <p:to>
+                                        <p:strVal val="hidden"/>
+                                      </p:to>
+                                    </p:set>
+                                  </p:subTnLst>
                                 </p:cTn>
                               </p:par>
                             </p:childTnLst>
@@ -18706,7 +18789,7 @@
                         <p:par>
                           <p:cTn id="280" fill="hold">
                             <p:stCondLst>
-                              <p:cond delay="6750"/>
+                              <p:cond delay="6900"/>
                             </p:stCondLst>
                             <p:childTnLst>
                               <p:par>
@@ -18723,7 +18806,7 @@
                                           </p:stCondLst>
                                         </p:cTn>
                                         <p:tgtEl>
-                                          <p:spTgt spid="11866"/>
+                                          <p:spTgt spid="11868"/>
                                         </p:tgtEl>
                                         <p:attrNameLst>
                                           <p:attrName>style.visibility</p:attrName>
@@ -18745,7 +18828,7 @@
                                           </p:stCondLst>
                                         </p:cTn>
                                         <p:tgtEl>
-                                          <p:spTgt spid="11866"/>
+                                          <p:spTgt spid="11868"/>
                                         </p:tgtEl>
                                         <p:attrNameLst>
                                           <p:attrName>style.visibility</p:attrName>
@@ -18764,7 +18847,7 @@
                         <p:par>
                           <p:cTn id="283" fill="hold">
                             <p:stCondLst>
-                              <p:cond delay="6825"/>
+                              <p:cond delay="6975"/>
                             </p:stCondLst>
                             <p:childTnLst>
                               <p:par>
@@ -18781,7 +18864,7 @@
                                           </p:stCondLst>
                                         </p:cTn>
                                         <p:tgtEl>
-                                          <p:spTgt spid="11867"/>
+                                          <p:spTgt spid="11869"/>
                                         </p:tgtEl>
                                         <p:attrNameLst>
                                           <p:attrName>style.visibility</p:attrName>
@@ -18803,7 +18886,7 @@
                                           </p:stCondLst>
                                         </p:cTn>
                                         <p:tgtEl>
-                                          <p:spTgt spid="11867"/>
+                                          <p:spTgt spid="11869"/>
                                         </p:tgtEl>
                                         <p:attrNameLst>
                                           <p:attrName>style.visibility</p:attrName>
@@ -18822,7 +18905,7 @@
                         <p:par>
                           <p:cTn id="286" fill="hold">
                             <p:stCondLst>
-                              <p:cond delay="6900"/>
+                              <p:cond delay="7050"/>
                             </p:stCondLst>
                             <p:childTnLst>
                               <p:par>
@@ -18839,7 +18922,7 @@
                                           </p:stCondLst>
                                         </p:cTn>
                                         <p:tgtEl>
-                                          <p:spTgt spid="11868"/>
+                                          <p:spTgt spid="11870"/>
                                         </p:tgtEl>
                                         <p:attrNameLst>
                                           <p:attrName>style.visibility</p:attrName>
@@ -18861,7 +18944,7 @@
                                           </p:stCondLst>
                                         </p:cTn>
                                         <p:tgtEl>
-                                          <p:spTgt spid="11868"/>
+                                          <p:spTgt spid="11870"/>
                                         </p:tgtEl>
                                         <p:attrNameLst>
                                           <p:attrName>style.visibility</p:attrName>
@@ -18880,7 +18963,7 @@
                         <p:par>
                           <p:cTn id="289" fill="hold">
                             <p:stCondLst>
-                              <p:cond delay="6975"/>
+                              <p:cond delay="7125"/>
                             </p:stCondLst>
                             <p:childTnLst>
                               <p:par>
@@ -18897,7 +18980,7 @@
                                           </p:stCondLst>
                                         </p:cTn>
                                         <p:tgtEl>
-                                          <p:spTgt spid="11869"/>
+                                          <p:spTgt spid="11871"/>
                                         </p:tgtEl>
                                         <p:attrNameLst>
                                           <p:attrName>style.visibility</p:attrName>
@@ -18919,7 +19002,7 @@
                                           </p:stCondLst>
                                         </p:cTn>
                                         <p:tgtEl>
-                                          <p:spTgt spid="11869"/>
+                                          <p:spTgt spid="11871"/>
                                         </p:tgtEl>
                                         <p:attrNameLst>
                                           <p:attrName>style.visibility</p:attrName>
@@ -18938,7 +19021,7 @@
                         <p:par>
                           <p:cTn id="292" fill="hold">
                             <p:stCondLst>
-                              <p:cond delay="7050"/>
+                              <p:cond delay="7200"/>
                             </p:stCondLst>
                             <p:childTnLst>
                               <p:par>
@@ -18955,7 +19038,7 @@
                                           </p:stCondLst>
                                         </p:cTn>
                                         <p:tgtEl>
-                                          <p:spTgt spid="11870"/>
+                                          <p:spTgt spid="11872"/>
                                         </p:tgtEl>
                                         <p:attrNameLst>
                                           <p:attrName>style.visibility</p:attrName>
@@ -18977,7 +19060,7 @@
                                           </p:stCondLst>
                                         </p:cTn>
                                         <p:tgtEl>
-                                          <p:spTgt spid="11870"/>
+                                          <p:spTgt spid="11872"/>
                                         </p:tgtEl>
                                         <p:attrNameLst>
                                           <p:attrName>style.visibility</p:attrName>
@@ -18996,7 +19079,7 @@
                         <p:par>
                           <p:cTn id="295" fill="hold">
                             <p:stCondLst>
-                              <p:cond delay="7125"/>
+                              <p:cond delay="7275"/>
                             </p:stCondLst>
                             <p:childTnLst>
                               <p:par>
@@ -19013,7 +19096,7 @@
                                           </p:stCondLst>
                                         </p:cTn>
                                         <p:tgtEl>
-                                          <p:spTgt spid="11871"/>
+                                          <p:spTgt spid="11873"/>
                                         </p:tgtEl>
                                         <p:attrNameLst>
                                           <p:attrName>style.visibility</p:attrName>
@@ -19035,7 +19118,7 @@
                                           </p:stCondLst>
                                         </p:cTn>
                                         <p:tgtEl>
-                                          <p:spTgt spid="11871"/>
+                                          <p:spTgt spid="11873"/>
                                         </p:tgtEl>
                                         <p:attrNameLst>
                                           <p:attrName>style.visibility</p:attrName>
@@ -19054,7 +19137,7 @@
                         <p:par>
                           <p:cTn id="298" fill="hold">
                             <p:stCondLst>
-                              <p:cond delay="7200"/>
+                              <p:cond delay="7350"/>
                             </p:stCondLst>
                             <p:childTnLst>
                               <p:par>
@@ -19071,7 +19154,7 @@
                                           </p:stCondLst>
                                         </p:cTn>
                                         <p:tgtEl>
-                                          <p:spTgt spid="11872"/>
+                                          <p:spTgt spid="11874"/>
                                         </p:tgtEl>
                                         <p:attrNameLst>
                                           <p:attrName>style.visibility</p:attrName>
@@ -19093,7 +19176,7 @@
                                           </p:stCondLst>
                                         </p:cTn>
                                         <p:tgtEl>
-                                          <p:spTgt spid="11872"/>
+                                          <p:spTgt spid="11874"/>
                                         </p:tgtEl>
                                         <p:attrNameLst>
                                           <p:attrName>style.visibility</p:attrName>
@@ -19112,7 +19195,7 @@
                         <p:par>
                           <p:cTn id="301" fill="hold">
                             <p:stCondLst>
-                              <p:cond delay="7275"/>
+                              <p:cond delay="7425"/>
                             </p:stCondLst>
                             <p:childTnLst>
                               <p:par>
@@ -19129,7 +19212,7 @@
                                           </p:stCondLst>
                                         </p:cTn>
                                         <p:tgtEl>
-                                          <p:spTgt spid="11873"/>
+                                          <p:spTgt spid="11875"/>
                                         </p:tgtEl>
                                         <p:attrNameLst>
                                           <p:attrName>style.visibility</p:attrName>
@@ -19151,7 +19234,7 @@
                                           </p:stCondLst>
                                         </p:cTn>
                                         <p:tgtEl>
-                                          <p:spTgt spid="11873"/>
+                                          <p:spTgt spid="11875"/>
                                         </p:tgtEl>
                                         <p:attrNameLst>
                                           <p:attrName>style.visibility</p:attrName>
@@ -19170,7 +19253,7 @@
                         <p:par>
                           <p:cTn id="304" fill="hold">
                             <p:stCondLst>
-                              <p:cond delay="7350"/>
+                              <p:cond delay="7500"/>
                             </p:stCondLst>
                             <p:childTnLst>
                               <p:par>
@@ -19187,7 +19270,7 @@
                                           </p:stCondLst>
                                         </p:cTn>
                                         <p:tgtEl>
-                                          <p:spTgt spid="11874"/>
+                                          <p:spTgt spid="11876"/>
                                         </p:tgtEl>
                                         <p:attrNameLst>
                                           <p:attrName>style.visibility</p:attrName>
@@ -19209,7 +19292,7 @@
                                           </p:stCondLst>
                                         </p:cTn>
                                         <p:tgtEl>
-                                          <p:spTgt spid="11874"/>
+                                          <p:spTgt spid="11876"/>
                                         </p:tgtEl>
                                         <p:attrNameLst>
                                           <p:attrName>style.visibility</p:attrName>
@@ -19228,7 +19311,7 @@
                         <p:par>
                           <p:cTn id="307" fill="hold">
                             <p:stCondLst>
-                              <p:cond delay="7425"/>
+                              <p:cond delay="7575"/>
                             </p:stCondLst>
                             <p:childTnLst>
                               <p:par>
@@ -19245,7 +19328,7 @@
                                           </p:stCondLst>
                                         </p:cTn>
                                         <p:tgtEl>
-                                          <p:spTgt spid="11875"/>
+                                          <p:spTgt spid="11877"/>
                                         </p:tgtEl>
                                         <p:attrNameLst>
                                           <p:attrName>style.visibility</p:attrName>
@@ -19267,7 +19350,7 @@
                                           </p:stCondLst>
                                         </p:cTn>
                                         <p:tgtEl>
-                                          <p:spTgt spid="11875"/>
+                                          <p:spTgt spid="11877"/>
                                         </p:tgtEl>
                                         <p:attrNameLst>
                                           <p:attrName>style.visibility</p:attrName>
@@ -19286,7 +19369,7 @@
                         <p:par>
                           <p:cTn id="310" fill="hold">
                             <p:stCondLst>
-                              <p:cond delay="7500"/>
+                              <p:cond delay="7650"/>
                             </p:stCondLst>
                             <p:childTnLst>
                               <p:par>
@@ -19303,7 +19386,7 @@
                                           </p:stCondLst>
                                         </p:cTn>
                                         <p:tgtEl>
-                                          <p:spTgt spid="11876"/>
+                                          <p:spTgt spid="11878"/>
                                         </p:tgtEl>
                                         <p:attrNameLst>
                                           <p:attrName>style.visibility</p:attrName>
@@ -19325,7 +19408,7 @@
                                           </p:stCondLst>
                                         </p:cTn>
                                         <p:tgtEl>
-                                          <p:spTgt spid="11876"/>
+                                          <p:spTgt spid="11878"/>
                                         </p:tgtEl>
                                         <p:attrNameLst>
                                           <p:attrName>style.visibility</p:attrName>
@@ -19344,7 +19427,7 @@
                         <p:par>
                           <p:cTn id="313" fill="hold">
                             <p:stCondLst>
-                              <p:cond delay="7575"/>
+                              <p:cond delay="7725"/>
                             </p:stCondLst>
                             <p:childTnLst>
                               <p:par>
@@ -19361,7 +19444,7 @@
                                           </p:stCondLst>
                                         </p:cTn>
                                         <p:tgtEl>
-                                          <p:spTgt spid="11877"/>
+                                          <p:spTgt spid="11879"/>
                                         </p:tgtEl>
                                         <p:attrNameLst>
                                           <p:attrName>style.visibility</p:attrName>
@@ -19383,7 +19466,7 @@
                                           </p:stCondLst>
                                         </p:cTn>
                                         <p:tgtEl>
-                                          <p:spTgt spid="11877"/>
+                                          <p:spTgt spid="11879"/>
                                         </p:tgtEl>
                                         <p:attrNameLst>
                                           <p:attrName>style.visibility</p:attrName>
@@ -19402,7 +19485,7 @@
                         <p:par>
                           <p:cTn id="316" fill="hold">
                             <p:stCondLst>
-                              <p:cond delay="7650"/>
+                              <p:cond delay="7800"/>
                             </p:stCondLst>
                             <p:childTnLst>
                               <p:par>
@@ -19419,7 +19502,7 @@
                                           </p:stCondLst>
                                         </p:cTn>
                                         <p:tgtEl>
-                                          <p:spTgt spid="11878"/>
+                                          <p:spTgt spid="11880"/>
                                         </p:tgtEl>
                                         <p:attrNameLst>
                                           <p:attrName>style.visibility</p:attrName>
@@ -19441,7 +19524,7 @@
                                           </p:stCondLst>
                                         </p:cTn>
                                         <p:tgtEl>
-                                          <p:spTgt spid="11878"/>
+                                          <p:spTgt spid="11880"/>
                                         </p:tgtEl>
                                         <p:attrNameLst>
                                           <p:attrName>style.visibility</p:attrName>
@@ -19460,7 +19543,7 @@
                         <p:par>
                           <p:cTn id="319" fill="hold">
                             <p:stCondLst>
-                              <p:cond delay="7725"/>
+                              <p:cond delay="7875"/>
                             </p:stCondLst>
                             <p:childTnLst>
                               <p:par>
@@ -19477,7 +19560,7 @@
                                           </p:stCondLst>
                                         </p:cTn>
                                         <p:tgtEl>
-                                          <p:spTgt spid="11879"/>
+                                          <p:spTgt spid="11881"/>
                                         </p:tgtEl>
                                         <p:attrNameLst>
                                           <p:attrName>style.visibility</p:attrName>
@@ -19499,7 +19582,7 @@
                                           </p:stCondLst>
                                         </p:cTn>
                                         <p:tgtEl>
-                                          <p:spTgt spid="11879"/>
+                                          <p:spTgt spid="11881"/>
                                         </p:tgtEl>
                                         <p:attrNameLst>
                                           <p:attrName>style.visibility</p:attrName>
@@ -19518,7 +19601,7 @@
                         <p:par>
                           <p:cTn id="322" fill="hold">
                             <p:stCondLst>
-                              <p:cond delay="7800"/>
+                              <p:cond delay="7950"/>
                             </p:stCondLst>
                             <p:childTnLst>
                               <p:par>
@@ -19535,7 +19618,7 @@
                                           </p:stCondLst>
                                         </p:cTn>
                                         <p:tgtEl>
-                                          <p:spTgt spid="11880"/>
+                                          <p:spTgt spid="11882"/>
                                         </p:tgtEl>
                                         <p:attrNameLst>
                                           <p:attrName>style.visibility</p:attrName>
@@ -19557,7 +19640,7 @@
                                           </p:stCondLst>
                                         </p:cTn>
                                         <p:tgtEl>
-                                          <p:spTgt spid="11880"/>
+                                          <p:spTgt spid="11882"/>
                                         </p:tgtEl>
                                         <p:attrNameLst>
                                           <p:attrName>style.visibility</p:attrName>
@@ -19576,7 +19659,7 @@
                         <p:par>
                           <p:cTn id="325" fill="hold">
                             <p:stCondLst>
-                              <p:cond delay="7875"/>
+                              <p:cond delay="8025"/>
                             </p:stCondLst>
                             <p:childTnLst>
                               <p:par>
@@ -19593,7 +19676,7 @@
                                           </p:stCondLst>
                                         </p:cTn>
                                         <p:tgtEl>
-                                          <p:spTgt spid="11881"/>
+                                          <p:spTgt spid="11883"/>
                                         </p:tgtEl>
                                         <p:attrNameLst>
                                           <p:attrName>style.visibility</p:attrName>
@@ -19615,7 +19698,7 @@
                                           </p:stCondLst>
                                         </p:cTn>
                                         <p:tgtEl>
-                                          <p:spTgt spid="11881"/>
+                                          <p:spTgt spid="11883"/>
                                         </p:tgtEl>
                                         <p:attrNameLst>
                                           <p:attrName>style.visibility</p:attrName>
@@ -19634,7 +19717,7 @@
                         <p:par>
                           <p:cTn id="328" fill="hold">
                             <p:stCondLst>
-                              <p:cond delay="7950"/>
+                              <p:cond delay="8100"/>
                             </p:stCondLst>
                             <p:childTnLst>
                               <p:par>
@@ -19651,7 +19734,7 @@
                                           </p:stCondLst>
                                         </p:cTn>
                                         <p:tgtEl>
-                                          <p:spTgt spid="11882"/>
+                                          <p:spTgt spid="11884"/>
                                         </p:tgtEl>
                                         <p:attrNameLst>
                                           <p:attrName>style.visibility</p:attrName>
@@ -19673,7 +19756,7 @@
                                           </p:stCondLst>
                                         </p:cTn>
                                         <p:tgtEl>
-                                          <p:spTgt spid="11882"/>
+                                          <p:spTgt spid="11884"/>
                                         </p:tgtEl>
                                         <p:attrNameLst>
                                           <p:attrName>style.visibility</p:attrName>
@@ -19692,7 +19775,7 @@
                         <p:par>
                           <p:cTn id="331" fill="hold">
                             <p:stCondLst>
-                              <p:cond delay="8025"/>
+                              <p:cond delay="8175"/>
                             </p:stCondLst>
                             <p:childTnLst>
                               <p:par>
@@ -19709,7 +19792,7 @@
                                           </p:stCondLst>
                                         </p:cTn>
                                         <p:tgtEl>
-                                          <p:spTgt spid="11883"/>
+                                          <p:spTgt spid="11885"/>
                                         </p:tgtEl>
                                         <p:attrNameLst>
                                           <p:attrName>style.visibility</p:attrName>
@@ -19731,7 +19814,7 @@
                                           </p:stCondLst>
                                         </p:cTn>
                                         <p:tgtEl>
-                                          <p:spTgt spid="11883"/>
+                                          <p:spTgt spid="11885"/>
                                         </p:tgtEl>
                                         <p:attrNameLst>
                                           <p:attrName>style.visibility</p:attrName>
@@ -19750,7 +19833,7 @@
                         <p:par>
                           <p:cTn id="334" fill="hold">
                             <p:stCondLst>
-                              <p:cond delay="8100"/>
+                              <p:cond delay="8250"/>
                             </p:stCondLst>
                             <p:childTnLst>
                               <p:par>
@@ -19767,7 +19850,7 @@
                                           </p:stCondLst>
                                         </p:cTn>
                                         <p:tgtEl>
-                                          <p:spTgt spid="11884"/>
+                                          <p:spTgt spid="11886"/>
                                         </p:tgtEl>
                                         <p:attrNameLst>
                                           <p:attrName>style.visibility</p:attrName>
@@ -19789,7 +19872,7 @@
                                           </p:stCondLst>
                                         </p:cTn>
                                         <p:tgtEl>
-                                          <p:spTgt spid="11884"/>
+                                          <p:spTgt spid="11886"/>
                                         </p:tgtEl>
                                         <p:attrNameLst>
                                           <p:attrName>style.visibility</p:attrName>
@@ -19808,7 +19891,7 @@
                         <p:par>
                           <p:cTn id="337" fill="hold">
                             <p:stCondLst>
-                              <p:cond delay="8175"/>
+                              <p:cond delay="8325"/>
                             </p:stCondLst>
                             <p:childTnLst>
                               <p:par>
@@ -19825,7 +19908,7 @@
                                           </p:stCondLst>
                                         </p:cTn>
                                         <p:tgtEl>
-                                          <p:spTgt spid="11885"/>
+                                          <p:spTgt spid="11887"/>
                                         </p:tgtEl>
                                         <p:attrNameLst>
                                           <p:attrName>style.visibility</p:attrName>
@@ -19847,7 +19930,7 @@
                                           </p:stCondLst>
                                         </p:cTn>
                                         <p:tgtEl>
-                                          <p:spTgt spid="11885"/>
+                                          <p:spTgt spid="11887"/>
                                         </p:tgtEl>
                                         <p:attrNameLst>
                                           <p:attrName>style.visibility</p:attrName>
@@ -19866,7 +19949,7 @@
                         <p:par>
                           <p:cTn id="340" fill="hold">
                             <p:stCondLst>
-                              <p:cond delay="8250"/>
+                              <p:cond delay="8400"/>
                             </p:stCondLst>
                             <p:childTnLst>
                               <p:par>
@@ -19883,7 +19966,7 @@
                                           </p:stCondLst>
                                         </p:cTn>
                                         <p:tgtEl>
-                                          <p:spTgt spid="11886"/>
+                                          <p:spTgt spid="11888"/>
                                         </p:tgtEl>
                                         <p:attrNameLst>
                                           <p:attrName>style.visibility</p:attrName>
@@ -19905,7 +19988,7 @@
                                           </p:stCondLst>
                                         </p:cTn>
                                         <p:tgtEl>
-                                          <p:spTgt spid="11886"/>
+                                          <p:spTgt spid="11888"/>
                                         </p:tgtEl>
                                         <p:attrNameLst>
                                           <p:attrName>style.visibility</p:attrName>
@@ -19924,7 +20007,7 @@
                         <p:par>
                           <p:cTn id="343" fill="hold">
                             <p:stCondLst>
-                              <p:cond delay="8325"/>
+                              <p:cond delay="8475"/>
                             </p:stCondLst>
                             <p:childTnLst>
                               <p:par>
@@ -19941,7 +20024,7 @@
                                           </p:stCondLst>
                                         </p:cTn>
                                         <p:tgtEl>
-                                          <p:spTgt spid="11887"/>
+                                          <p:spTgt spid="11891"/>
                                         </p:tgtEl>
                                         <p:attrNameLst>
                                           <p:attrName>style.visibility</p:attrName>
@@ -19963,7 +20046,7 @@
                                           </p:stCondLst>
                                         </p:cTn>
                                         <p:tgtEl>
-                                          <p:spTgt spid="11887"/>
+                                          <p:spTgt spid="11891"/>
                                         </p:tgtEl>
                                         <p:attrNameLst>
                                           <p:attrName>style.visibility</p:attrName>
@@ -19982,7 +20065,7 @@
                         <p:par>
                           <p:cTn id="346" fill="hold">
                             <p:stCondLst>
-                              <p:cond delay="8400"/>
+                              <p:cond delay="8550"/>
                             </p:stCondLst>
                             <p:childTnLst>
                               <p:par>
@@ -19999,7 +20082,7 @@
                                           </p:stCondLst>
                                         </p:cTn>
                                         <p:tgtEl>
-                                          <p:spTgt spid="11888"/>
+                                          <p:spTgt spid="147"/>
                                         </p:tgtEl>
                                         <p:attrNameLst>
                                           <p:attrName>style.visibility</p:attrName>
@@ -20021,7 +20104,7 @@
                                           </p:stCondLst>
                                         </p:cTn>
                                         <p:tgtEl>
-                                          <p:spTgt spid="11888"/>
+                                          <p:spTgt spid="147"/>
                                         </p:tgtEl>
                                         <p:attrNameLst>
                                           <p:attrName>style.visibility</p:attrName>
@@ -20040,7 +20123,7 @@
                         <p:par>
                           <p:cTn id="349" fill="hold">
                             <p:stCondLst>
-                              <p:cond delay="8475"/>
+                              <p:cond delay="8625"/>
                             </p:stCondLst>
                             <p:childTnLst>
                               <p:par>
@@ -20057,7 +20140,7 @@
                                           </p:stCondLst>
                                         </p:cTn>
                                         <p:tgtEl>
-                                          <p:spTgt spid="11891"/>
+                                          <p:spTgt spid="148"/>
                                         </p:tgtEl>
                                         <p:attrNameLst>
                                           <p:attrName>style.visibility</p:attrName>
@@ -20079,7 +20162,7 @@
                                           </p:stCondLst>
                                         </p:cTn>
                                         <p:tgtEl>
-                                          <p:spTgt spid="11891"/>
+                                          <p:spTgt spid="148"/>
                                         </p:tgtEl>
                                         <p:attrNameLst>
                                           <p:attrName>style.visibility</p:attrName>
@@ -20098,7 +20181,7 @@
                         <p:par>
                           <p:cTn id="352" fill="hold">
                             <p:stCondLst>
-                              <p:cond delay="8550"/>
+                              <p:cond delay="8700"/>
                             </p:stCondLst>
                             <p:childTnLst>
                               <p:par>
@@ -20115,7 +20198,7 @@
                                           </p:stCondLst>
                                         </p:cTn>
                                         <p:tgtEl>
-                                          <p:spTgt spid="147"/>
+                                          <p:spTgt spid="149"/>
                                         </p:tgtEl>
                                         <p:attrNameLst>
                                           <p:attrName>style.visibility</p:attrName>
@@ -20137,7 +20220,7 @@
                                           </p:stCondLst>
                                         </p:cTn>
                                         <p:tgtEl>
-                                          <p:spTgt spid="147"/>
+                                          <p:spTgt spid="149"/>
                                         </p:tgtEl>
                                         <p:attrNameLst>
                                           <p:attrName>style.visibility</p:attrName>
@@ -20156,7 +20239,7 @@
                         <p:par>
                           <p:cTn id="355" fill="hold">
                             <p:stCondLst>
-                              <p:cond delay="8625"/>
+                              <p:cond delay="8775"/>
                             </p:stCondLst>
                             <p:childTnLst>
                               <p:par>
@@ -20173,7 +20256,7 @@
                                           </p:stCondLst>
                                         </p:cTn>
                                         <p:tgtEl>
-                                          <p:spTgt spid="148"/>
+                                          <p:spTgt spid="150"/>
                                         </p:tgtEl>
                                         <p:attrNameLst>
                                           <p:attrName>style.visibility</p:attrName>
@@ -20195,7 +20278,7 @@
                                           </p:stCondLst>
                                         </p:cTn>
                                         <p:tgtEl>
-                                          <p:spTgt spid="148"/>
+                                          <p:spTgt spid="150"/>
                                         </p:tgtEl>
                                         <p:attrNameLst>
                                           <p:attrName>style.visibility</p:attrName>
@@ -20214,7 +20297,7 @@
                         <p:par>
                           <p:cTn id="358" fill="hold">
                             <p:stCondLst>
-                              <p:cond delay="8700"/>
+                              <p:cond delay="8850"/>
                             </p:stCondLst>
                             <p:childTnLst>
                               <p:par>
@@ -20231,7 +20314,7 @@
                                           </p:stCondLst>
                                         </p:cTn>
                                         <p:tgtEl>
-                                          <p:spTgt spid="149"/>
+                                          <p:spTgt spid="151"/>
                                         </p:tgtEl>
                                         <p:attrNameLst>
                                           <p:attrName>style.visibility</p:attrName>
@@ -20253,7 +20336,7 @@
                                           </p:stCondLst>
                                         </p:cTn>
                                         <p:tgtEl>
-                                          <p:spTgt spid="149"/>
+                                          <p:spTgt spid="151"/>
                                         </p:tgtEl>
                                         <p:attrNameLst>
                                           <p:attrName>style.visibility</p:attrName>
@@ -20272,7 +20355,7 @@
                         <p:par>
                           <p:cTn id="361" fill="hold">
                             <p:stCondLst>
-                              <p:cond delay="8775"/>
+                              <p:cond delay="8925"/>
                             </p:stCondLst>
                             <p:childTnLst>
                               <p:par>
@@ -20289,7 +20372,7 @@
                                           </p:stCondLst>
                                         </p:cTn>
                                         <p:tgtEl>
-                                          <p:spTgt spid="150"/>
+                                          <p:spTgt spid="152"/>
                                         </p:tgtEl>
                                         <p:attrNameLst>
                                           <p:attrName>style.visibility</p:attrName>
@@ -20311,7 +20394,7 @@
                                           </p:stCondLst>
                                         </p:cTn>
                                         <p:tgtEl>
-                                          <p:spTgt spid="150"/>
+                                          <p:spTgt spid="152"/>
                                         </p:tgtEl>
                                         <p:attrNameLst>
                                           <p:attrName>style.visibility</p:attrName>
@@ -20330,7 +20413,7 @@
                         <p:par>
                           <p:cTn id="364" fill="hold">
                             <p:stCondLst>
-                              <p:cond delay="8850"/>
+                              <p:cond delay="9000"/>
                             </p:stCondLst>
                             <p:childTnLst>
                               <p:par>
@@ -20347,7 +20430,7 @@
                                           </p:stCondLst>
                                         </p:cTn>
                                         <p:tgtEl>
-                                          <p:spTgt spid="151"/>
+                                          <p:spTgt spid="153"/>
                                         </p:tgtEl>
                                         <p:attrNameLst>
                                           <p:attrName>style.visibility</p:attrName>
@@ -20369,7 +20452,7 @@
                                           </p:stCondLst>
                                         </p:cTn>
                                         <p:tgtEl>
-                                          <p:spTgt spid="151"/>
+                                          <p:spTgt spid="153"/>
                                         </p:tgtEl>
                                         <p:attrNameLst>
                                           <p:attrName>style.visibility</p:attrName>
@@ -20388,7 +20471,7 @@
                         <p:par>
                           <p:cTn id="367" fill="hold">
                             <p:stCondLst>
-                              <p:cond delay="8925"/>
+                              <p:cond delay="9075"/>
                             </p:stCondLst>
                             <p:childTnLst>
                               <p:par>
@@ -20405,7 +20488,7 @@
                                           </p:stCondLst>
                                         </p:cTn>
                                         <p:tgtEl>
-                                          <p:spTgt spid="152"/>
+                                          <p:spTgt spid="154"/>
                                         </p:tgtEl>
                                         <p:attrNameLst>
                                           <p:attrName>style.visibility</p:attrName>
@@ -20427,7 +20510,7 @@
                                           </p:stCondLst>
                                         </p:cTn>
                                         <p:tgtEl>
-                                          <p:spTgt spid="152"/>
+                                          <p:spTgt spid="154"/>
                                         </p:tgtEl>
                                         <p:attrNameLst>
                                           <p:attrName>style.visibility</p:attrName>
@@ -20446,7 +20529,7 @@
                         <p:par>
                           <p:cTn id="370" fill="hold">
                             <p:stCondLst>
-                              <p:cond delay="9000"/>
+                              <p:cond delay="9150"/>
                             </p:stCondLst>
                             <p:childTnLst>
                               <p:par>
@@ -20463,7 +20546,7 @@
                                           </p:stCondLst>
                                         </p:cTn>
                                         <p:tgtEl>
-                                          <p:spTgt spid="153"/>
+                                          <p:spTgt spid="155"/>
                                         </p:tgtEl>
                                         <p:attrNameLst>
                                           <p:attrName>style.visibility</p:attrName>
@@ -20485,7 +20568,7 @@
                                           </p:stCondLst>
                                         </p:cTn>
                                         <p:tgtEl>
-                                          <p:spTgt spid="153"/>
+                                          <p:spTgt spid="155"/>
                                         </p:tgtEl>
                                         <p:attrNameLst>
                                           <p:attrName>style.visibility</p:attrName>
@@ -20504,7 +20587,7 @@
                         <p:par>
                           <p:cTn id="373" fill="hold">
                             <p:stCondLst>
-                              <p:cond delay="9075"/>
+                              <p:cond delay="9225"/>
                             </p:stCondLst>
                             <p:childTnLst>
                               <p:par>
@@ -20521,7 +20604,7 @@
                                           </p:stCondLst>
                                         </p:cTn>
                                         <p:tgtEl>
-                                          <p:spTgt spid="154"/>
+                                          <p:spTgt spid="156"/>
                                         </p:tgtEl>
                                         <p:attrNameLst>
                                           <p:attrName>style.visibility</p:attrName>
@@ -20543,7 +20626,7 @@
                                           </p:stCondLst>
                                         </p:cTn>
                                         <p:tgtEl>
-                                          <p:spTgt spid="154"/>
+                                          <p:spTgt spid="156"/>
                                         </p:tgtEl>
                                         <p:attrNameLst>
                                           <p:attrName>style.visibility</p:attrName>
@@ -20562,7 +20645,7 @@
                         <p:par>
                           <p:cTn id="376" fill="hold">
                             <p:stCondLst>
-                              <p:cond delay="9150"/>
+                              <p:cond delay="9300"/>
                             </p:stCondLst>
                             <p:childTnLst>
                               <p:par>
@@ -20579,7 +20662,7 @@
                                           </p:stCondLst>
                                         </p:cTn>
                                         <p:tgtEl>
-                                          <p:spTgt spid="155"/>
+                                          <p:spTgt spid="157"/>
                                         </p:tgtEl>
                                         <p:attrNameLst>
                                           <p:attrName>style.visibility</p:attrName>
@@ -20601,7 +20684,7 @@
                                           </p:stCondLst>
                                         </p:cTn>
                                         <p:tgtEl>
-                                          <p:spTgt spid="155"/>
+                                          <p:spTgt spid="157"/>
                                         </p:tgtEl>
                                         <p:attrNameLst>
                                           <p:attrName>style.visibility</p:attrName>
@@ -20620,7 +20703,7 @@
                         <p:par>
                           <p:cTn id="379" fill="hold">
                             <p:stCondLst>
-                              <p:cond delay="9225"/>
+                              <p:cond delay="9375"/>
                             </p:stCondLst>
                             <p:childTnLst>
                               <p:par>
@@ -20637,7 +20720,7 @@
                                           </p:stCondLst>
                                         </p:cTn>
                                         <p:tgtEl>
-                                          <p:spTgt spid="156"/>
+                                          <p:spTgt spid="158"/>
                                         </p:tgtEl>
                                         <p:attrNameLst>
                                           <p:attrName>style.visibility</p:attrName>
@@ -20659,7 +20742,7 @@
                                           </p:stCondLst>
                                         </p:cTn>
                                         <p:tgtEl>
-                                          <p:spTgt spid="156"/>
+                                          <p:spTgt spid="158"/>
                                         </p:tgtEl>
                                         <p:attrNameLst>
                                           <p:attrName>style.visibility</p:attrName>
@@ -20678,7 +20761,7 @@
                         <p:par>
                           <p:cTn id="382" fill="hold">
                             <p:stCondLst>
-                              <p:cond delay="9300"/>
+                              <p:cond delay="9450"/>
                             </p:stCondLst>
                             <p:childTnLst>
                               <p:par>
@@ -20695,7 +20778,7 @@
                                           </p:stCondLst>
                                         </p:cTn>
                                         <p:tgtEl>
-                                          <p:spTgt spid="157"/>
+                                          <p:spTgt spid="159"/>
                                         </p:tgtEl>
                                         <p:attrNameLst>
                                           <p:attrName>style.visibility</p:attrName>
@@ -20717,7 +20800,7 @@
                                           </p:stCondLst>
                                         </p:cTn>
                                         <p:tgtEl>
-                                          <p:spTgt spid="157"/>
+                                          <p:spTgt spid="159"/>
                                         </p:tgtEl>
                                         <p:attrNameLst>
                                           <p:attrName>style.visibility</p:attrName>
@@ -20736,7 +20819,7 @@
                         <p:par>
                           <p:cTn id="385" fill="hold">
                             <p:stCondLst>
-                              <p:cond delay="9375"/>
+                              <p:cond delay="9525"/>
                             </p:stCondLst>
                             <p:childTnLst>
                               <p:par>
@@ -20753,7 +20836,7 @@
                                           </p:stCondLst>
                                         </p:cTn>
                                         <p:tgtEl>
-                                          <p:spTgt spid="158"/>
+                                          <p:spTgt spid="160"/>
                                         </p:tgtEl>
                                         <p:attrNameLst>
                                           <p:attrName>style.visibility</p:attrName>
@@ -20775,7 +20858,7 @@
                                           </p:stCondLst>
                                         </p:cTn>
                                         <p:tgtEl>
-                                          <p:spTgt spid="158"/>
+                                          <p:spTgt spid="160"/>
                                         </p:tgtEl>
                                         <p:attrNameLst>
                                           <p:attrName>style.visibility</p:attrName>
@@ -20794,7 +20877,7 @@
                         <p:par>
                           <p:cTn id="388" fill="hold">
                             <p:stCondLst>
-                              <p:cond delay="9450"/>
+                              <p:cond delay="9600"/>
                             </p:stCondLst>
                             <p:childTnLst>
                               <p:par>
@@ -20811,7 +20894,7 @@
                                           </p:stCondLst>
                                         </p:cTn>
                                         <p:tgtEl>
-                                          <p:spTgt spid="159"/>
+                                          <p:spTgt spid="161"/>
                                         </p:tgtEl>
                                         <p:attrNameLst>
                                           <p:attrName>style.visibility</p:attrName>
@@ -20833,7 +20916,7 @@
                                           </p:stCondLst>
                                         </p:cTn>
                                         <p:tgtEl>
-                                          <p:spTgt spid="159"/>
+                                          <p:spTgt spid="161"/>
                                         </p:tgtEl>
                                         <p:attrNameLst>
                                           <p:attrName>style.visibility</p:attrName>
@@ -20852,7 +20935,7 @@
                         <p:par>
                           <p:cTn id="391" fill="hold">
                             <p:stCondLst>
-                              <p:cond delay="9525"/>
+                              <p:cond delay="9675"/>
                             </p:stCondLst>
                             <p:childTnLst>
                               <p:par>
@@ -20869,7 +20952,7 @@
                                           </p:stCondLst>
                                         </p:cTn>
                                         <p:tgtEl>
-                                          <p:spTgt spid="160"/>
+                                          <p:spTgt spid="162"/>
                                         </p:tgtEl>
                                         <p:attrNameLst>
                                           <p:attrName>style.visibility</p:attrName>
@@ -20891,7 +20974,7 @@
                                           </p:stCondLst>
                                         </p:cTn>
                                         <p:tgtEl>
-                                          <p:spTgt spid="160"/>
+                                          <p:spTgt spid="162"/>
                                         </p:tgtEl>
                                         <p:attrNameLst>
                                           <p:attrName>style.visibility</p:attrName>
@@ -20910,7 +20993,7 @@
                         <p:par>
                           <p:cTn id="394" fill="hold">
                             <p:stCondLst>
-                              <p:cond delay="9600"/>
+                              <p:cond delay="9750"/>
                             </p:stCondLst>
                             <p:childTnLst>
                               <p:par>
@@ -20927,7 +21010,7 @@
                                           </p:stCondLst>
                                         </p:cTn>
                                         <p:tgtEl>
-                                          <p:spTgt spid="161"/>
+                                          <p:spTgt spid="163"/>
                                         </p:tgtEl>
                                         <p:attrNameLst>
                                           <p:attrName>style.visibility</p:attrName>
@@ -20949,7 +21032,7 @@
                                           </p:stCondLst>
                                         </p:cTn>
                                         <p:tgtEl>
-                                          <p:spTgt spid="161"/>
+                                          <p:spTgt spid="163"/>
                                         </p:tgtEl>
                                         <p:attrNameLst>
                                           <p:attrName>style.visibility</p:attrName>
@@ -20968,7 +21051,7 @@
                         <p:par>
                           <p:cTn id="397" fill="hold">
                             <p:stCondLst>
-                              <p:cond delay="9675"/>
+                              <p:cond delay="9825"/>
                             </p:stCondLst>
                             <p:childTnLst>
                               <p:par>
@@ -20985,7 +21068,7 @@
                                           </p:stCondLst>
                                         </p:cTn>
                                         <p:tgtEl>
-                                          <p:spTgt spid="162"/>
+                                          <p:spTgt spid="164"/>
                                         </p:tgtEl>
                                         <p:attrNameLst>
                                           <p:attrName>style.visibility</p:attrName>
@@ -21007,7 +21090,7 @@
                                           </p:stCondLst>
                                         </p:cTn>
                                         <p:tgtEl>
-                                          <p:spTgt spid="162"/>
+                                          <p:spTgt spid="164"/>
                                         </p:tgtEl>
                                         <p:attrNameLst>
                                           <p:attrName>style.visibility</p:attrName>
@@ -21026,7 +21109,7 @@
                         <p:par>
                           <p:cTn id="400" fill="hold">
                             <p:stCondLst>
-                              <p:cond delay="9750"/>
+                              <p:cond delay="9900"/>
                             </p:stCondLst>
                             <p:childTnLst>
                               <p:par>
@@ -21043,7 +21126,7 @@
                                           </p:stCondLst>
                                         </p:cTn>
                                         <p:tgtEl>
-                                          <p:spTgt spid="163"/>
+                                          <p:spTgt spid="165"/>
                                         </p:tgtEl>
                                         <p:attrNameLst>
                                           <p:attrName>style.visibility</p:attrName>
@@ -21065,7 +21148,7 @@
                                           </p:stCondLst>
                                         </p:cTn>
                                         <p:tgtEl>
-                                          <p:spTgt spid="163"/>
+                                          <p:spTgt spid="165"/>
                                         </p:tgtEl>
                                         <p:attrNameLst>
                                           <p:attrName>style.visibility</p:attrName>
@@ -21084,7 +21167,7 @@
                         <p:par>
                           <p:cTn id="403" fill="hold">
                             <p:stCondLst>
-                              <p:cond delay="9825"/>
+                              <p:cond delay="9975"/>
                             </p:stCondLst>
                             <p:childTnLst>
                               <p:par>
@@ -21101,7 +21184,7 @@
                                           </p:stCondLst>
                                         </p:cTn>
                                         <p:tgtEl>
-                                          <p:spTgt spid="164"/>
+                                          <p:spTgt spid="166"/>
                                         </p:tgtEl>
                                         <p:attrNameLst>
                                           <p:attrName>style.visibility</p:attrName>
@@ -21123,7 +21206,7 @@
                                           </p:stCondLst>
                                         </p:cTn>
                                         <p:tgtEl>
-                                          <p:spTgt spid="164"/>
+                                          <p:spTgt spid="166"/>
                                         </p:tgtEl>
                                         <p:attrNameLst>
                                           <p:attrName>style.visibility</p:attrName>
@@ -21142,7 +21225,7 @@
                         <p:par>
                           <p:cTn id="406" fill="hold">
                             <p:stCondLst>
-                              <p:cond delay="9900"/>
+                              <p:cond delay="10050"/>
                             </p:stCondLst>
                             <p:childTnLst>
                               <p:par>
@@ -21159,7 +21242,7 @@
                                           </p:stCondLst>
                                         </p:cTn>
                                         <p:tgtEl>
-                                          <p:spTgt spid="165"/>
+                                          <p:spTgt spid="167"/>
                                         </p:tgtEl>
                                         <p:attrNameLst>
                                           <p:attrName>style.visibility</p:attrName>
@@ -21181,7 +21264,7 @@
                                           </p:stCondLst>
                                         </p:cTn>
                                         <p:tgtEl>
-                                          <p:spTgt spid="165"/>
+                                          <p:spTgt spid="167"/>
                                         </p:tgtEl>
                                         <p:attrNameLst>
                                           <p:attrName>style.visibility</p:attrName>
@@ -21200,7 +21283,7 @@
                         <p:par>
                           <p:cTn id="409" fill="hold">
                             <p:stCondLst>
-                              <p:cond delay="9975"/>
+                              <p:cond delay="10125"/>
                             </p:stCondLst>
                             <p:childTnLst>
                               <p:par>
@@ -21217,7 +21300,7 @@
                                           </p:stCondLst>
                                         </p:cTn>
                                         <p:tgtEl>
-                                          <p:spTgt spid="166"/>
+                                          <p:spTgt spid="168"/>
                                         </p:tgtEl>
                                         <p:attrNameLst>
                                           <p:attrName>style.visibility</p:attrName>
@@ -21239,7 +21322,7 @@
                                           </p:stCondLst>
                                         </p:cTn>
                                         <p:tgtEl>
-                                          <p:spTgt spid="166"/>
+                                          <p:spTgt spid="168"/>
                                         </p:tgtEl>
                                         <p:attrNameLst>
                                           <p:attrName>style.visibility</p:attrName>
@@ -21258,7 +21341,7 @@
                         <p:par>
                           <p:cTn id="412" fill="hold">
                             <p:stCondLst>
-                              <p:cond delay="10050"/>
+                              <p:cond delay="10200"/>
                             </p:stCondLst>
                             <p:childTnLst>
                               <p:par>
@@ -21275,7 +21358,7 @@
                                           </p:stCondLst>
                                         </p:cTn>
                                         <p:tgtEl>
-                                          <p:spTgt spid="167"/>
+                                          <p:spTgt spid="169"/>
                                         </p:tgtEl>
                                         <p:attrNameLst>
                                           <p:attrName>style.visibility</p:attrName>
@@ -21297,7 +21380,7 @@
                                           </p:stCondLst>
                                         </p:cTn>
                                         <p:tgtEl>
-                                          <p:spTgt spid="167"/>
+                                          <p:spTgt spid="169"/>
                                         </p:tgtEl>
                                         <p:attrNameLst>
                                           <p:attrName>style.visibility</p:attrName>
@@ -21316,7 +21399,7 @@
                         <p:par>
                           <p:cTn id="415" fill="hold">
                             <p:stCondLst>
-                              <p:cond delay="10125"/>
+                              <p:cond delay="10275"/>
                             </p:stCondLst>
                             <p:childTnLst>
                               <p:par>
@@ -21333,7 +21416,7 @@
                                           </p:stCondLst>
                                         </p:cTn>
                                         <p:tgtEl>
-                                          <p:spTgt spid="168"/>
+                                          <p:spTgt spid="170"/>
                                         </p:tgtEl>
                                         <p:attrNameLst>
                                           <p:attrName>style.visibility</p:attrName>
@@ -21355,7 +21438,7 @@
                                           </p:stCondLst>
                                         </p:cTn>
                                         <p:tgtEl>
-                                          <p:spTgt spid="168"/>
+                                          <p:spTgt spid="170"/>
                                         </p:tgtEl>
                                         <p:attrNameLst>
                                           <p:attrName>style.visibility</p:attrName>
@@ -21374,7 +21457,7 @@
                         <p:par>
                           <p:cTn id="418" fill="hold">
                             <p:stCondLst>
-                              <p:cond delay="10200"/>
+                              <p:cond delay="10350"/>
                             </p:stCondLst>
                             <p:childTnLst>
                               <p:par>
@@ -21391,7 +21474,7 @@
                                           </p:stCondLst>
                                         </p:cTn>
                                         <p:tgtEl>
-                                          <p:spTgt spid="169"/>
+                                          <p:spTgt spid="171"/>
                                         </p:tgtEl>
                                         <p:attrNameLst>
                                           <p:attrName>style.visibility</p:attrName>
@@ -21413,7 +21496,7 @@
                                           </p:stCondLst>
                                         </p:cTn>
                                         <p:tgtEl>
-                                          <p:spTgt spid="169"/>
+                                          <p:spTgt spid="171"/>
                                         </p:tgtEl>
                                         <p:attrNameLst>
                                           <p:attrName>style.visibility</p:attrName>
@@ -21432,7 +21515,7 @@
                         <p:par>
                           <p:cTn id="421" fill="hold">
                             <p:stCondLst>
-                              <p:cond delay="10275"/>
+                              <p:cond delay="10425"/>
                             </p:stCondLst>
                             <p:childTnLst>
                               <p:par>
@@ -21449,7 +21532,7 @@
                                           </p:stCondLst>
                                         </p:cTn>
                                         <p:tgtEl>
-                                          <p:spTgt spid="170"/>
+                                          <p:spTgt spid="172"/>
                                         </p:tgtEl>
                                         <p:attrNameLst>
                                           <p:attrName>style.visibility</p:attrName>
@@ -21471,7 +21554,7 @@
                                           </p:stCondLst>
                                         </p:cTn>
                                         <p:tgtEl>
-                                          <p:spTgt spid="170"/>
+                                          <p:spTgt spid="172"/>
                                         </p:tgtEl>
                                         <p:attrNameLst>
                                           <p:attrName>style.visibility</p:attrName>
@@ -21490,7 +21573,7 @@
                         <p:par>
                           <p:cTn id="424" fill="hold">
                             <p:stCondLst>
-                              <p:cond delay="10350"/>
+                              <p:cond delay="10500"/>
                             </p:stCondLst>
                             <p:childTnLst>
                               <p:par>
@@ -21507,7 +21590,7 @@
                                           </p:stCondLst>
                                         </p:cTn>
                                         <p:tgtEl>
-                                          <p:spTgt spid="171"/>
+                                          <p:spTgt spid="173"/>
                                         </p:tgtEl>
                                         <p:attrNameLst>
                                           <p:attrName>style.visibility</p:attrName>
@@ -21529,7 +21612,7 @@
                                           </p:stCondLst>
                                         </p:cTn>
                                         <p:tgtEl>
-                                          <p:spTgt spid="171"/>
+                                          <p:spTgt spid="173"/>
                                         </p:tgtEl>
                                         <p:attrNameLst>
                                           <p:attrName>style.visibility</p:attrName>
@@ -21548,7 +21631,7 @@
                         <p:par>
                           <p:cTn id="427" fill="hold">
                             <p:stCondLst>
-                              <p:cond delay="10425"/>
+                              <p:cond delay="10575"/>
                             </p:stCondLst>
                             <p:childTnLst>
                               <p:par>
@@ -21565,7 +21648,7 @@
                                           </p:stCondLst>
                                         </p:cTn>
                                         <p:tgtEl>
-                                          <p:spTgt spid="172"/>
+                                          <p:spTgt spid="174"/>
                                         </p:tgtEl>
                                         <p:attrNameLst>
                                           <p:attrName>style.visibility</p:attrName>
@@ -21587,7 +21670,7 @@
                                           </p:stCondLst>
                                         </p:cTn>
                                         <p:tgtEl>
-                                          <p:spTgt spid="172"/>
+                                          <p:spTgt spid="174"/>
                                         </p:tgtEl>
                                         <p:attrNameLst>
                                           <p:attrName>style.visibility</p:attrName>
@@ -21606,7 +21689,7 @@
                         <p:par>
                           <p:cTn id="430" fill="hold">
                             <p:stCondLst>
-                              <p:cond delay="10500"/>
+                              <p:cond delay="10650"/>
                             </p:stCondLst>
                             <p:childTnLst>
                               <p:par>
@@ -21623,7 +21706,7 @@
                                           </p:stCondLst>
                                         </p:cTn>
                                         <p:tgtEl>
-                                          <p:spTgt spid="173"/>
+                                          <p:spTgt spid="175"/>
                                         </p:tgtEl>
                                         <p:attrNameLst>
                                           <p:attrName>style.visibility</p:attrName>
@@ -21645,7 +21728,7 @@
                                           </p:stCondLst>
                                         </p:cTn>
                                         <p:tgtEl>
-                                          <p:spTgt spid="173"/>
+                                          <p:spTgt spid="175"/>
                                         </p:tgtEl>
                                         <p:attrNameLst>
                                           <p:attrName>style.visibility</p:attrName>
@@ -21664,7 +21747,7 @@
                         <p:par>
                           <p:cTn id="433" fill="hold">
                             <p:stCondLst>
-                              <p:cond delay="10575"/>
+                              <p:cond delay="10725"/>
                             </p:stCondLst>
                             <p:childTnLst>
                               <p:par>
@@ -21681,7 +21764,7 @@
                                           </p:stCondLst>
                                         </p:cTn>
                                         <p:tgtEl>
-                                          <p:spTgt spid="174"/>
+                                          <p:spTgt spid="176"/>
                                         </p:tgtEl>
                                         <p:attrNameLst>
                                           <p:attrName>style.visibility</p:attrName>
@@ -21703,7 +21786,7 @@
                                           </p:stCondLst>
                                         </p:cTn>
                                         <p:tgtEl>
-                                          <p:spTgt spid="174"/>
+                                          <p:spTgt spid="176"/>
                                         </p:tgtEl>
                                         <p:attrNameLst>
                                           <p:attrName>style.visibility</p:attrName>
@@ -21722,7 +21805,7 @@
                         <p:par>
                           <p:cTn id="436" fill="hold">
                             <p:stCondLst>
-                              <p:cond delay="10650"/>
+                              <p:cond delay="10800"/>
                             </p:stCondLst>
                             <p:childTnLst>
                               <p:par>
@@ -21739,7 +21822,7 @@
                                           </p:stCondLst>
                                         </p:cTn>
                                         <p:tgtEl>
-                                          <p:spTgt spid="175"/>
+                                          <p:spTgt spid="177"/>
                                         </p:tgtEl>
                                         <p:attrNameLst>
                                           <p:attrName>style.visibility</p:attrName>
@@ -21761,7 +21844,7 @@
                                           </p:stCondLst>
                                         </p:cTn>
                                         <p:tgtEl>
-                                          <p:spTgt spid="175"/>
+                                          <p:spTgt spid="177"/>
                                         </p:tgtEl>
                                         <p:attrNameLst>
                                           <p:attrName>style.visibility</p:attrName>
@@ -21780,7 +21863,7 @@
                         <p:par>
                           <p:cTn id="439" fill="hold">
                             <p:stCondLst>
-                              <p:cond delay="10725"/>
+                              <p:cond delay="10875"/>
                             </p:stCondLst>
                             <p:childTnLst>
                               <p:par>
@@ -21797,7 +21880,7 @@
                                           </p:stCondLst>
                                         </p:cTn>
                                         <p:tgtEl>
-                                          <p:spTgt spid="176"/>
+                                          <p:spTgt spid="178"/>
                                         </p:tgtEl>
                                         <p:attrNameLst>
                                           <p:attrName>style.visibility</p:attrName>
@@ -21819,7 +21902,7 @@
                                           </p:stCondLst>
                                         </p:cTn>
                                         <p:tgtEl>
-                                          <p:spTgt spid="176"/>
+                                          <p:spTgt spid="178"/>
                                         </p:tgtEl>
                                         <p:attrNameLst>
                                           <p:attrName>style.visibility</p:attrName>
@@ -21838,7 +21921,7 @@
                         <p:par>
                           <p:cTn id="442" fill="hold">
                             <p:stCondLst>
-                              <p:cond delay="10800"/>
+                              <p:cond delay="10950"/>
                             </p:stCondLst>
                             <p:childTnLst>
                               <p:par>
@@ -21855,7 +21938,7 @@
                                           </p:stCondLst>
                                         </p:cTn>
                                         <p:tgtEl>
-                                          <p:spTgt spid="177"/>
+                                          <p:spTgt spid="179"/>
                                         </p:tgtEl>
                                         <p:attrNameLst>
                                           <p:attrName>style.visibility</p:attrName>
@@ -21877,7 +21960,7 @@
                                           </p:stCondLst>
                                         </p:cTn>
                                         <p:tgtEl>
-                                          <p:spTgt spid="177"/>
+                                          <p:spTgt spid="179"/>
                                         </p:tgtEl>
                                         <p:attrNameLst>
                                           <p:attrName>style.visibility</p:attrName>
@@ -21896,7 +21979,7 @@
                         <p:par>
                           <p:cTn id="445" fill="hold">
                             <p:stCondLst>
-                              <p:cond delay="10875"/>
+                              <p:cond delay="11025"/>
                             </p:stCondLst>
                             <p:childTnLst>
                               <p:par>
@@ -21913,7 +21996,7 @@
                                           </p:stCondLst>
                                         </p:cTn>
                                         <p:tgtEl>
-                                          <p:spTgt spid="178"/>
+                                          <p:spTgt spid="180"/>
                                         </p:tgtEl>
                                         <p:attrNameLst>
                                           <p:attrName>style.visibility</p:attrName>
@@ -21935,7 +22018,7 @@
                                           </p:stCondLst>
                                         </p:cTn>
                                         <p:tgtEl>
-                                          <p:spTgt spid="178"/>
+                                          <p:spTgt spid="180"/>
                                         </p:tgtEl>
                                         <p:attrNameLst>
                                           <p:attrName>style.visibility</p:attrName>
@@ -21954,24 +22037,24 @@
                         <p:par>
                           <p:cTn id="448" fill="hold">
                             <p:stCondLst>
-                              <p:cond delay="10950"/>
+                              <p:cond delay="11100"/>
                             </p:stCondLst>
                             <p:childTnLst>
                               <p:par>
-                                <p:cTn id="449" presetID="1" presetClass="entr" presetSubtype="0" fill="hold" nodeType="afterEffect">
+                                <p:cTn id="449" presetID="11" presetClass="entr" presetSubtype="0" fill="hold" grpId="0" nodeType="afterEffect">
                                   <p:stCondLst>
                                     <p:cond delay="0"/>
                                   </p:stCondLst>
                                   <p:childTnLst>
                                     <p:set>
                                       <p:cBhvr>
-                                        <p:cTn id="450" dur="1" fill="hold">
+                                        <p:cTn id="450" dur="75">
                                           <p:stCondLst>
                                             <p:cond delay="0"/>
                                           </p:stCondLst>
                                         </p:cTn>
                                         <p:tgtEl>
-                                          <p:spTgt spid="137"/>
+                                          <p:spTgt spid="181"/>
                                         </p:tgtEl>
                                         <p:attrNameLst>
                                           <p:attrName>style.visibility</p:attrName>
@@ -21982,6 +22065,28 @@
                                       </p:to>
                                     </p:set>
                                   </p:childTnLst>
+                                  <p:subTnLst>
+                                    <p:set>
+                                      <p:cBhvr override="childStyle">
+                                        <p:cTn dur="1" fill="hold" display="0" masterRel="sameClick" afterEffect="1">
+                                          <p:stCondLst>
+                                            <p:cond evt="end" delay="0">
+                                              <p:tn val="449"/>
+                                            </p:cond>
+                                          </p:stCondLst>
+                                        </p:cTn>
+                                        <p:tgtEl>
+                                          <p:spTgt spid="181"/>
+                                        </p:tgtEl>
+                                        <p:attrNameLst>
+                                          <p:attrName>style.visibility</p:attrName>
+                                        </p:attrNameLst>
+                                      </p:cBhvr>
+                                      <p:to>
+                                        <p:strVal val="hidden"/>
+                                      </p:to>
+                                    </p:set>
+                                  </p:subTnLst>
                                 </p:cTn>
                               </p:par>
                             </p:childTnLst>
@@ -21990,7 +22095,7 @@
                         <p:par>
                           <p:cTn id="451" fill="hold">
                             <p:stCondLst>
-                              <p:cond delay="10950"/>
+                              <p:cond delay="11175"/>
                             </p:stCondLst>
                             <p:childTnLst>
                               <p:par>
@@ -22007,7 +22112,7 @@
                                           </p:stCondLst>
                                         </p:cTn>
                                         <p:tgtEl>
-                                          <p:spTgt spid="179"/>
+                                          <p:spTgt spid="182"/>
                                         </p:tgtEl>
                                         <p:attrNameLst>
                                           <p:attrName>style.visibility</p:attrName>
@@ -22029,7 +22134,7 @@
                                           </p:stCondLst>
                                         </p:cTn>
                                         <p:tgtEl>
-                                          <p:spTgt spid="179"/>
+                                          <p:spTgt spid="182"/>
                                         </p:tgtEl>
                                         <p:attrNameLst>
                                           <p:attrName>style.visibility</p:attrName>
@@ -22048,7 +22153,7 @@
                         <p:par>
                           <p:cTn id="454" fill="hold">
                             <p:stCondLst>
-                              <p:cond delay="11025"/>
+                              <p:cond delay="11250"/>
                             </p:stCondLst>
                             <p:childTnLst>
                               <p:par>
@@ -22065,7 +22170,7 @@
                                           </p:stCondLst>
                                         </p:cTn>
                                         <p:tgtEl>
-                                          <p:spTgt spid="180"/>
+                                          <p:spTgt spid="183"/>
                                         </p:tgtEl>
                                         <p:attrNameLst>
                                           <p:attrName>style.visibility</p:attrName>
@@ -22087,7 +22192,7 @@
                                           </p:stCondLst>
                                         </p:cTn>
                                         <p:tgtEl>
-                                          <p:spTgt spid="180"/>
+                                          <p:spTgt spid="183"/>
                                         </p:tgtEl>
                                         <p:attrNameLst>
                                           <p:attrName>style.visibility</p:attrName>
@@ -22106,7 +22211,7 @@
                         <p:par>
                           <p:cTn id="457" fill="hold">
                             <p:stCondLst>
-                              <p:cond delay="11100"/>
+                              <p:cond delay="11325"/>
                             </p:stCondLst>
                             <p:childTnLst>
                               <p:par>
@@ -22123,7 +22228,7 @@
                                           </p:stCondLst>
                                         </p:cTn>
                                         <p:tgtEl>
-                                          <p:spTgt spid="181"/>
+                                          <p:spTgt spid="184"/>
                                         </p:tgtEl>
                                         <p:attrNameLst>
                                           <p:attrName>style.visibility</p:attrName>
@@ -22145,7 +22250,7 @@
                                           </p:stCondLst>
                                         </p:cTn>
                                         <p:tgtEl>
-                                          <p:spTgt spid="181"/>
+                                          <p:spTgt spid="184"/>
                                         </p:tgtEl>
                                         <p:attrNameLst>
                                           <p:attrName>style.visibility</p:attrName>
@@ -22164,7 +22269,7 @@
                         <p:par>
                           <p:cTn id="460" fill="hold">
                             <p:stCondLst>
-                              <p:cond delay="11175"/>
+                              <p:cond delay="11400"/>
                             </p:stCondLst>
                             <p:childTnLst>
                               <p:par>
@@ -22181,7 +22286,7 @@
                                           </p:stCondLst>
                                         </p:cTn>
                                         <p:tgtEl>
-                                          <p:spTgt spid="182"/>
+                                          <p:spTgt spid="185"/>
                                         </p:tgtEl>
                                         <p:attrNameLst>
                                           <p:attrName>style.visibility</p:attrName>
@@ -22203,7 +22308,7 @@
                                           </p:stCondLst>
                                         </p:cTn>
                                         <p:tgtEl>
-                                          <p:spTgt spid="182"/>
+                                          <p:spTgt spid="185"/>
                                         </p:tgtEl>
                                         <p:attrNameLst>
                                           <p:attrName>style.visibility</p:attrName>
@@ -22222,7 +22327,7 @@
                         <p:par>
                           <p:cTn id="463" fill="hold">
                             <p:stCondLst>
-                              <p:cond delay="11250"/>
+                              <p:cond delay="11475"/>
                             </p:stCondLst>
                             <p:childTnLst>
                               <p:par>
@@ -22239,7 +22344,7 @@
                                           </p:stCondLst>
                                         </p:cTn>
                                         <p:tgtEl>
-                                          <p:spTgt spid="183"/>
+                                          <p:spTgt spid="186"/>
                                         </p:tgtEl>
                                         <p:attrNameLst>
                                           <p:attrName>style.visibility</p:attrName>
@@ -22261,7 +22366,7 @@
                                           </p:stCondLst>
                                         </p:cTn>
                                         <p:tgtEl>
-                                          <p:spTgt spid="183"/>
+                                          <p:spTgt spid="186"/>
                                         </p:tgtEl>
                                         <p:attrNameLst>
                                           <p:attrName>style.visibility</p:attrName>
@@ -22280,7 +22385,7 @@
                         <p:par>
                           <p:cTn id="466" fill="hold">
                             <p:stCondLst>
-                              <p:cond delay="11325"/>
+                              <p:cond delay="11550"/>
                             </p:stCondLst>
                             <p:childTnLst>
                               <p:par>
@@ -22297,7 +22402,7 @@
                                           </p:stCondLst>
                                         </p:cTn>
                                         <p:tgtEl>
-                                          <p:spTgt spid="184"/>
+                                          <p:spTgt spid="187"/>
                                         </p:tgtEl>
                                         <p:attrNameLst>
                                           <p:attrName>style.visibility</p:attrName>
@@ -22319,7 +22424,7 @@
                                           </p:stCondLst>
                                         </p:cTn>
                                         <p:tgtEl>
-                                          <p:spTgt spid="184"/>
+                                          <p:spTgt spid="187"/>
                                         </p:tgtEl>
                                         <p:attrNameLst>
                                           <p:attrName>style.visibility</p:attrName>
@@ -22338,7 +22443,7 @@
                         <p:par>
                           <p:cTn id="469" fill="hold">
                             <p:stCondLst>
-                              <p:cond delay="11400"/>
+                              <p:cond delay="11625"/>
                             </p:stCondLst>
                             <p:childTnLst>
                               <p:par>
@@ -22355,7 +22460,7 @@
                                           </p:stCondLst>
                                         </p:cTn>
                                         <p:tgtEl>
-                                          <p:spTgt spid="185"/>
+                                          <p:spTgt spid="188"/>
                                         </p:tgtEl>
                                         <p:attrNameLst>
                                           <p:attrName>style.visibility</p:attrName>
@@ -22377,7 +22482,7 @@
                                           </p:stCondLst>
                                         </p:cTn>
                                         <p:tgtEl>
-                                          <p:spTgt spid="185"/>
+                                          <p:spTgt spid="188"/>
                                         </p:tgtEl>
                                         <p:attrNameLst>
                                           <p:attrName>style.visibility</p:attrName>
@@ -22396,7 +22501,7 @@
                         <p:par>
                           <p:cTn id="472" fill="hold">
                             <p:stCondLst>
-                              <p:cond delay="11475"/>
+                              <p:cond delay="11700"/>
                             </p:stCondLst>
                             <p:childTnLst>
                               <p:par>
@@ -22413,7 +22518,7 @@
                                           </p:stCondLst>
                                         </p:cTn>
                                         <p:tgtEl>
-                                          <p:spTgt spid="186"/>
+                                          <p:spTgt spid="189"/>
                                         </p:tgtEl>
                                         <p:attrNameLst>
                                           <p:attrName>style.visibility</p:attrName>
@@ -22435,7 +22540,7 @@
                                           </p:stCondLst>
                                         </p:cTn>
                                         <p:tgtEl>
-                                          <p:spTgt spid="186"/>
+                                          <p:spTgt spid="189"/>
                                         </p:tgtEl>
                                         <p:attrNameLst>
                                           <p:attrName>style.visibility</p:attrName>
@@ -22454,7 +22559,7 @@
                         <p:par>
                           <p:cTn id="475" fill="hold">
                             <p:stCondLst>
-                              <p:cond delay="11550"/>
+                              <p:cond delay="11775"/>
                             </p:stCondLst>
                             <p:childTnLst>
                               <p:par>
@@ -22471,7 +22576,7 @@
                                           </p:stCondLst>
                                         </p:cTn>
                                         <p:tgtEl>
-                                          <p:spTgt spid="187"/>
+                                          <p:spTgt spid="190"/>
                                         </p:tgtEl>
                                         <p:attrNameLst>
                                           <p:attrName>style.visibility</p:attrName>
@@ -22493,7 +22598,7 @@
                                           </p:stCondLst>
                                         </p:cTn>
                                         <p:tgtEl>
-                                          <p:spTgt spid="187"/>
+                                          <p:spTgt spid="190"/>
                                         </p:tgtEl>
                                         <p:attrNameLst>
                                           <p:attrName>style.visibility</p:attrName>
@@ -22512,7 +22617,7 @@
                         <p:par>
                           <p:cTn id="478" fill="hold">
                             <p:stCondLst>
-                              <p:cond delay="11625"/>
+                              <p:cond delay="11850"/>
                             </p:stCondLst>
                             <p:childTnLst>
                               <p:par>
@@ -22529,7 +22634,7 @@
                                           </p:stCondLst>
                                         </p:cTn>
                                         <p:tgtEl>
-                                          <p:spTgt spid="188"/>
+                                          <p:spTgt spid="191"/>
                                         </p:tgtEl>
                                         <p:attrNameLst>
                                           <p:attrName>style.visibility</p:attrName>
@@ -22551,7 +22656,7 @@
                                           </p:stCondLst>
                                         </p:cTn>
                                         <p:tgtEl>
-                                          <p:spTgt spid="188"/>
+                                          <p:spTgt spid="191"/>
                                         </p:tgtEl>
                                         <p:attrNameLst>
                                           <p:attrName>style.visibility</p:attrName>
@@ -22570,7 +22675,7 @@
                         <p:par>
                           <p:cTn id="481" fill="hold">
                             <p:stCondLst>
-                              <p:cond delay="11700"/>
+                              <p:cond delay="11925"/>
                             </p:stCondLst>
                             <p:childTnLst>
                               <p:par>
@@ -22587,7 +22692,7 @@
                                           </p:stCondLst>
                                         </p:cTn>
                                         <p:tgtEl>
-                                          <p:spTgt spid="189"/>
+                                          <p:spTgt spid="192"/>
                                         </p:tgtEl>
                                         <p:attrNameLst>
                                           <p:attrName>style.visibility</p:attrName>
@@ -22609,7 +22714,7 @@
                                           </p:stCondLst>
                                         </p:cTn>
                                         <p:tgtEl>
-                                          <p:spTgt spid="189"/>
+                                          <p:spTgt spid="192"/>
                                         </p:tgtEl>
                                         <p:attrNameLst>
                                           <p:attrName>style.visibility</p:attrName>
@@ -22628,7 +22733,7 @@
                         <p:par>
                           <p:cTn id="484" fill="hold">
                             <p:stCondLst>
-                              <p:cond delay="11775"/>
+                              <p:cond delay="12000"/>
                             </p:stCondLst>
                             <p:childTnLst>
                               <p:par>
@@ -22645,7 +22750,7 @@
                                           </p:stCondLst>
                                         </p:cTn>
                                         <p:tgtEl>
-                                          <p:spTgt spid="190"/>
+                                          <p:spTgt spid="193"/>
                                         </p:tgtEl>
                                         <p:attrNameLst>
                                           <p:attrName>style.visibility</p:attrName>
@@ -22667,7 +22772,7 @@
                                           </p:stCondLst>
                                         </p:cTn>
                                         <p:tgtEl>
-                                          <p:spTgt spid="190"/>
+                                          <p:spTgt spid="193"/>
                                         </p:tgtEl>
                                         <p:attrNameLst>
                                           <p:attrName>style.visibility</p:attrName>
@@ -22686,7 +22791,7 @@
                         <p:par>
                           <p:cTn id="487" fill="hold">
                             <p:stCondLst>
-                              <p:cond delay="11850"/>
+                              <p:cond delay="12075"/>
                             </p:stCondLst>
                             <p:childTnLst>
                               <p:par>
@@ -22703,7 +22808,7 @@
                                           </p:stCondLst>
                                         </p:cTn>
                                         <p:tgtEl>
-                                          <p:spTgt spid="191"/>
+                                          <p:spTgt spid="194"/>
                                         </p:tgtEl>
                                         <p:attrNameLst>
                                           <p:attrName>style.visibility</p:attrName>
@@ -22725,7 +22830,7 @@
                                           </p:stCondLst>
                                         </p:cTn>
                                         <p:tgtEl>
-                                          <p:spTgt spid="191"/>
+                                          <p:spTgt spid="194"/>
                                         </p:tgtEl>
                                         <p:attrNameLst>
                                           <p:attrName>style.visibility</p:attrName>
@@ -22744,7 +22849,7 @@
                         <p:par>
                           <p:cTn id="490" fill="hold">
                             <p:stCondLst>
-                              <p:cond delay="11925"/>
+                              <p:cond delay="12150"/>
                             </p:stCondLst>
                             <p:childTnLst>
                               <p:par>
@@ -22761,7 +22866,7 @@
                                           </p:stCondLst>
                                         </p:cTn>
                                         <p:tgtEl>
-                                          <p:spTgt spid="192"/>
+                                          <p:spTgt spid="195"/>
                                         </p:tgtEl>
                                         <p:attrNameLst>
                                           <p:attrName>style.visibility</p:attrName>
@@ -22783,7 +22888,7 @@
                                           </p:stCondLst>
                                         </p:cTn>
                                         <p:tgtEl>
-                                          <p:spTgt spid="192"/>
+                                          <p:spTgt spid="195"/>
                                         </p:tgtEl>
                                         <p:attrNameLst>
                                           <p:attrName>style.visibility</p:attrName>
@@ -22802,7 +22907,7 @@
                         <p:par>
                           <p:cTn id="493" fill="hold">
                             <p:stCondLst>
-                              <p:cond delay="12000"/>
+                              <p:cond delay="12225"/>
                             </p:stCondLst>
                             <p:childTnLst>
                               <p:par>
@@ -22819,7 +22924,7 @@
                                           </p:stCondLst>
                                         </p:cTn>
                                         <p:tgtEl>
-                                          <p:spTgt spid="193"/>
+                                          <p:spTgt spid="196"/>
                                         </p:tgtEl>
                                         <p:attrNameLst>
                                           <p:attrName>style.visibility</p:attrName>
@@ -22841,7 +22946,7 @@
                                           </p:stCondLst>
                                         </p:cTn>
                                         <p:tgtEl>
-                                          <p:spTgt spid="193"/>
+                                          <p:spTgt spid="196"/>
                                         </p:tgtEl>
                                         <p:attrNameLst>
                                           <p:attrName>style.visibility</p:attrName>
@@ -22860,7 +22965,7 @@
                         <p:par>
                           <p:cTn id="496" fill="hold">
                             <p:stCondLst>
-                              <p:cond delay="12075"/>
+                              <p:cond delay="12300"/>
                             </p:stCondLst>
                             <p:childTnLst>
                               <p:par>
@@ -22877,7 +22982,7 @@
                                           </p:stCondLst>
                                         </p:cTn>
                                         <p:tgtEl>
-                                          <p:spTgt spid="194"/>
+                                          <p:spTgt spid="197"/>
                                         </p:tgtEl>
                                         <p:attrNameLst>
                                           <p:attrName>style.visibility</p:attrName>
@@ -22899,7 +23004,7 @@
                                           </p:stCondLst>
                                         </p:cTn>
                                         <p:tgtEl>
-                                          <p:spTgt spid="194"/>
+                                          <p:spTgt spid="197"/>
                                         </p:tgtEl>
                                         <p:attrNameLst>
                                           <p:attrName>style.visibility</p:attrName>
@@ -22918,7 +23023,7 @@
                         <p:par>
                           <p:cTn id="499" fill="hold">
                             <p:stCondLst>
-                              <p:cond delay="12150"/>
+                              <p:cond delay="12375"/>
                             </p:stCondLst>
                             <p:childTnLst>
                               <p:par>
@@ -22935,7 +23040,7 @@
                                           </p:stCondLst>
                                         </p:cTn>
                                         <p:tgtEl>
-                                          <p:spTgt spid="195"/>
+                                          <p:spTgt spid="198"/>
                                         </p:tgtEl>
                                         <p:attrNameLst>
                                           <p:attrName>style.visibility</p:attrName>
@@ -22957,7 +23062,7 @@
                                           </p:stCondLst>
                                         </p:cTn>
                                         <p:tgtEl>
-                                          <p:spTgt spid="195"/>
+                                          <p:spTgt spid="198"/>
                                         </p:tgtEl>
                                         <p:attrNameLst>
                                           <p:attrName>style.visibility</p:attrName>
@@ -22976,7 +23081,7 @@
                         <p:par>
                           <p:cTn id="502" fill="hold">
                             <p:stCondLst>
-                              <p:cond delay="12225"/>
+                              <p:cond delay="12450"/>
                             </p:stCondLst>
                             <p:childTnLst>
                               <p:par>
@@ -22993,7 +23098,7 @@
                                           </p:stCondLst>
                                         </p:cTn>
                                         <p:tgtEl>
-                                          <p:spTgt spid="196"/>
+                                          <p:spTgt spid="199"/>
                                         </p:tgtEl>
                                         <p:attrNameLst>
                                           <p:attrName>style.visibility</p:attrName>
@@ -23015,7 +23120,7 @@
                                           </p:stCondLst>
                                         </p:cTn>
                                         <p:tgtEl>
-                                          <p:spTgt spid="196"/>
+                                          <p:spTgt spid="199"/>
                                         </p:tgtEl>
                                         <p:attrNameLst>
                                           <p:attrName>style.visibility</p:attrName>
@@ -23034,7 +23139,7 @@
                         <p:par>
                           <p:cTn id="505" fill="hold">
                             <p:stCondLst>
-                              <p:cond delay="12300"/>
+                              <p:cond delay="12525"/>
                             </p:stCondLst>
                             <p:childTnLst>
                               <p:par>
@@ -23051,7 +23156,7 @@
                                           </p:stCondLst>
                                         </p:cTn>
                                         <p:tgtEl>
-                                          <p:spTgt spid="197"/>
+                                          <p:spTgt spid="200"/>
                                         </p:tgtEl>
                                         <p:attrNameLst>
                                           <p:attrName>style.visibility</p:attrName>
@@ -23073,7 +23178,7 @@
                                           </p:stCondLst>
                                         </p:cTn>
                                         <p:tgtEl>
-                                          <p:spTgt spid="197"/>
+                                          <p:spTgt spid="200"/>
                                         </p:tgtEl>
                                         <p:attrNameLst>
                                           <p:attrName>style.visibility</p:attrName>
@@ -23092,7 +23197,7 @@
                         <p:par>
                           <p:cTn id="508" fill="hold">
                             <p:stCondLst>
-                              <p:cond delay="12375"/>
+                              <p:cond delay="12600"/>
                             </p:stCondLst>
                             <p:childTnLst>
                               <p:par>
@@ -23109,7 +23214,7 @@
                                           </p:stCondLst>
                                         </p:cTn>
                                         <p:tgtEl>
-                                          <p:spTgt spid="198"/>
+                                          <p:spTgt spid="201"/>
                                         </p:tgtEl>
                                         <p:attrNameLst>
                                           <p:attrName>style.visibility</p:attrName>
@@ -23131,7 +23236,7 @@
                                           </p:stCondLst>
                                         </p:cTn>
                                         <p:tgtEl>
-                                          <p:spTgt spid="198"/>
+                                          <p:spTgt spid="201"/>
                                         </p:tgtEl>
                                         <p:attrNameLst>
                                           <p:attrName>style.visibility</p:attrName>
@@ -23150,7 +23255,7 @@
                         <p:par>
                           <p:cTn id="511" fill="hold">
                             <p:stCondLst>
-                              <p:cond delay="12450"/>
+                              <p:cond delay="12675"/>
                             </p:stCondLst>
                             <p:childTnLst>
                               <p:par>
@@ -23167,7 +23272,7 @@
                                           </p:stCondLst>
                                         </p:cTn>
                                         <p:tgtEl>
-                                          <p:spTgt spid="199"/>
+                                          <p:spTgt spid="202"/>
                                         </p:tgtEl>
                                         <p:attrNameLst>
                                           <p:attrName>style.visibility</p:attrName>
@@ -23189,7 +23294,7 @@
                                           </p:stCondLst>
                                         </p:cTn>
                                         <p:tgtEl>
-                                          <p:spTgt spid="199"/>
+                                          <p:spTgt spid="202"/>
                                         </p:tgtEl>
                                         <p:attrNameLst>
                                           <p:attrName>style.visibility</p:attrName>
@@ -23208,7 +23313,7 @@
                         <p:par>
                           <p:cTn id="514" fill="hold">
                             <p:stCondLst>
-                              <p:cond delay="12525"/>
+                              <p:cond delay="12750"/>
                             </p:stCondLst>
                             <p:childTnLst>
                               <p:par>
@@ -23225,7 +23330,7 @@
                                           </p:stCondLst>
                                         </p:cTn>
                                         <p:tgtEl>
-                                          <p:spTgt spid="200"/>
+                                          <p:spTgt spid="203"/>
                                         </p:tgtEl>
                                         <p:attrNameLst>
                                           <p:attrName>style.visibility</p:attrName>
@@ -23247,7 +23352,7 @@
                                           </p:stCondLst>
                                         </p:cTn>
                                         <p:tgtEl>
-                                          <p:spTgt spid="200"/>
+                                          <p:spTgt spid="203"/>
                                         </p:tgtEl>
                                         <p:attrNameLst>
                                           <p:attrName>style.visibility</p:attrName>
@@ -23266,7 +23371,7 @@
                         <p:par>
                           <p:cTn id="517" fill="hold">
                             <p:stCondLst>
-                              <p:cond delay="12600"/>
+                              <p:cond delay="12825"/>
                             </p:stCondLst>
                             <p:childTnLst>
                               <p:par>
@@ -23283,7 +23388,7 @@
                                           </p:stCondLst>
                                         </p:cTn>
                                         <p:tgtEl>
-                                          <p:spTgt spid="201"/>
+                                          <p:spTgt spid="204"/>
                                         </p:tgtEl>
                                         <p:attrNameLst>
                                           <p:attrName>style.visibility</p:attrName>
@@ -23305,7 +23410,7 @@
                                           </p:stCondLst>
                                         </p:cTn>
                                         <p:tgtEl>
-                                          <p:spTgt spid="201"/>
+                                          <p:spTgt spid="204"/>
                                         </p:tgtEl>
                                         <p:attrNameLst>
                                           <p:attrName>style.visibility</p:attrName>
@@ -23324,7 +23429,7 @@
                         <p:par>
                           <p:cTn id="520" fill="hold">
                             <p:stCondLst>
-                              <p:cond delay="12675"/>
+                              <p:cond delay="12900"/>
                             </p:stCondLst>
                             <p:childTnLst>
                               <p:par>
@@ -23341,7 +23446,7 @@
                                           </p:stCondLst>
                                         </p:cTn>
                                         <p:tgtEl>
-                                          <p:spTgt spid="202"/>
+                                          <p:spTgt spid="205"/>
                                         </p:tgtEl>
                                         <p:attrNameLst>
                                           <p:attrName>style.visibility</p:attrName>
@@ -23363,7 +23468,7 @@
                                           </p:stCondLst>
                                         </p:cTn>
                                         <p:tgtEl>
-                                          <p:spTgt spid="202"/>
+                                          <p:spTgt spid="205"/>
                                         </p:tgtEl>
                                         <p:attrNameLst>
                                           <p:attrName>style.visibility</p:attrName>
@@ -23382,7 +23487,7 @@
                         <p:par>
                           <p:cTn id="523" fill="hold">
                             <p:stCondLst>
-                              <p:cond delay="12750"/>
+                              <p:cond delay="12975"/>
                             </p:stCondLst>
                             <p:childTnLst>
                               <p:par>
@@ -23399,7 +23504,7 @@
                                           </p:stCondLst>
                                         </p:cTn>
                                         <p:tgtEl>
-                                          <p:spTgt spid="203"/>
+                                          <p:spTgt spid="206"/>
                                         </p:tgtEl>
                                         <p:attrNameLst>
                                           <p:attrName>style.visibility</p:attrName>
@@ -23421,7 +23526,7 @@
                                           </p:stCondLst>
                                         </p:cTn>
                                         <p:tgtEl>
-                                          <p:spTgt spid="203"/>
+                                          <p:spTgt spid="206"/>
                                         </p:tgtEl>
                                         <p:attrNameLst>
                                           <p:attrName>style.visibility</p:attrName>
@@ -23440,7 +23545,7 @@
                         <p:par>
                           <p:cTn id="526" fill="hold">
                             <p:stCondLst>
-                              <p:cond delay="12825"/>
+                              <p:cond delay="13050"/>
                             </p:stCondLst>
                             <p:childTnLst>
                               <p:par>
@@ -23457,7 +23562,7 @@
                                           </p:stCondLst>
                                         </p:cTn>
                                         <p:tgtEl>
-                                          <p:spTgt spid="204"/>
+                                          <p:spTgt spid="207"/>
                                         </p:tgtEl>
                                         <p:attrNameLst>
                                           <p:attrName>style.visibility</p:attrName>
@@ -23479,7 +23584,7 @@
                                           </p:stCondLst>
                                         </p:cTn>
                                         <p:tgtEl>
-                                          <p:spTgt spid="204"/>
+                                          <p:spTgt spid="207"/>
                                         </p:tgtEl>
                                         <p:attrNameLst>
                                           <p:attrName>style.visibility</p:attrName>
@@ -23498,7 +23603,7 @@
                         <p:par>
                           <p:cTn id="529" fill="hold">
                             <p:stCondLst>
-                              <p:cond delay="12900"/>
+                              <p:cond delay="13125"/>
                             </p:stCondLst>
                             <p:childTnLst>
                               <p:par>
@@ -23515,7 +23620,7 @@
                                           </p:stCondLst>
                                         </p:cTn>
                                         <p:tgtEl>
-                                          <p:spTgt spid="205"/>
+                                          <p:spTgt spid="208"/>
                                         </p:tgtEl>
                                         <p:attrNameLst>
                                           <p:attrName>style.visibility</p:attrName>
@@ -23537,7 +23642,7 @@
                                           </p:stCondLst>
                                         </p:cTn>
                                         <p:tgtEl>
-                                          <p:spTgt spid="205"/>
+                                          <p:spTgt spid="208"/>
                                         </p:tgtEl>
                                         <p:attrNameLst>
                                           <p:attrName>style.visibility</p:attrName>
@@ -23556,7 +23661,7 @@
                         <p:par>
                           <p:cTn id="532" fill="hold">
                             <p:stCondLst>
-                              <p:cond delay="12975"/>
+                              <p:cond delay="13200"/>
                             </p:stCondLst>
                             <p:childTnLst>
                               <p:par>
@@ -23573,7 +23678,7 @@
                                           </p:stCondLst>
                                         </p:cTn>
                                         <p:tgtEl>
-                                          <p:spTgt spid="206"/>
+                                          <p:spTgt spid="209"/>
                                         </p:tgtEl>
                                         <p:attrNameLst>
                                           <p:attrName>style.visibility</p:attrName>
@@ -23595,7 +23700,7 @@
                                           </p:stCondLst>
                                         </p:cTn>
                                         <p:tgtEl>
-                                          <p:spTgt spid="206"/>
+                                          <p:spTgt spid="209"/>
                                         </p:tgtEl>
                                         <p:attrNameLst>
                                           <p:attrName>style.visibility</p:attrName>
@@ -23614,7 +23719,7 @@
                         <p:par>
                           <p:cTn id="535" fill="hold">
                             <p:stCondLst>
-                              <p:cond delay="13050"/>
+                              <p:cond delay="13275"/>
                             </p:stCondLst>
                             <p:childTnLst>
                               <p:par>
@@ -23631,7 +23736,7 @@
                                           </p:stCondLst>
                                         </p:cTn>
                                         <p:tgtEl>
-                                          <p:spTgt spid="207"/>
+                                          <p:spTgt spid="210"/>
                                         </p:tgtEl>
                                         <p:attrNameLst>
                                           <p:attrName>style.visibility</p:attrName>
@@ -23653,7 +23758,7 @@
                                           </p:stCondLst>
                                         </p:cTn>
                                         <p:tgtEl>
-                                          <p:spTgt spid="207"/>
+                                          <p:spTgt spid="210"/>
                                         </p:tgtEl>
                                         <p:attrNameLst>
                                           <p:attrName>style.visibility</p:attrName>
@@ -23672,7 +23777,7 @@
                         <p:par>
                           <p:cTn id="538" fill="hold">
                             <p:stCondLst>
-                              <p:cond delay="13125"/>
+                              <p:cond delay="13350"/>
                             </p:stCondLst>
                             <p:childTnLst>
                               <p:par>
@@ -23689,7 +23794,7 @@
                                           </p:stCondLst>
                                         </p:cTn>
                                         <p:tgtEl>
-                                          <p:spTgt spid="208"/>
+                                          <p:spTgt spid="211"/>
                                         </p:tgtEl>
                                         <p:attrNameLst>
                                           <p:attrName>style.visibility</p:attrName>
@@ -23711,7 +23816,7 @@
                                           </p:stCondLst>
                                         </p:cTn>
                                         <p:tgtEl>
-                                          <p:spTgt spid="208"/>
+                                          <p:spTgt spid="211"/>
                                         </p:tgtEl>
                                         <p:attrNameLst>
                                           <p:attrName>style.visibility</p:attrName>
@@ -23730,7 +23835,7 @@
                         <p:par>
                           <p:cTn id="541" fill="hold">
                             <p:stCondLst>
-                              <p:cond delay="13200"/>
+                              <p:cond delay="13425"/>
                             </p:stCondLst>
                             <p:childTnLst>
                               <p:par>
@@ -23747,7 +23852,7 @@
                                           </p:stCondLst>
                                         </p:cTn>
                                         <p:tgtEl>
-                                          <p:spTgt spid="209"/>
+                                          <p:spTgt spid="212"/>
                                         </p:tgtEl>
                                         <p:attrNameLst>
                                           <p:attrName>style.visibility</p:attrName>
@@ -23769,7 +23874,7 @@
                                           </p:stCondLst>
                                         </p:cTn>
                                         <p:tgtEl>
-                                          <p:spTgt spid="209"/>
+                                          <p:spTgt spid="212"/>
                                         </p:tgtEl>
                                         <p:attrNameLst>
                                           <p:attrName>style.visibility</p:attrName>
@@ -23788,7 +23893,7 @@
                         <p:par>
                           <p:cTn id="544" fill="hold">
                             <p:stCondLst>
-                              <p:cond delay="13275"/>
+                              <p:cond delay="13500"/>
                             </p:stCondLst>
                             <p:childTnLst>
                               <p:par>
@@ -23805,7 +23910,7 @@
                                           </p:stCondLst>
                                         </p:cTn>
                                         <p:tgtEl>
-                                          <p:spTgt spid="210"/>
+                                          <p:spTgt spid="213"/>
                                         </p:tgtEl>
                                         <p:attrNameLst>
                                           <p:attrName>style.visibility</p:attrName>
@@ -23827,7 +23932,7 @@
                                           </p:stCondLst>
                                         </p:cTn>
                                         <p:tgtEl>
-                                          <p:spTgt spid="210"/>
+                                          <p:spTgt spid="213"/>
                                         </p:tgtEl>
                                         <p:attrNameLst>
                                           <p:attrName>style.visibility</p:attrName>
@@ -23846,7 +23951,7 @@
                         <p:par>
                           <p:cTn id="547" fill="hold">
                             <p:stCondLst>
-                              <p:cond delay="13350"/>
+                              <p:cond delay="13575"/>
                             </p:stCondLst>
                             <p:childTnLst>
                               <p:par>
@@ -23863,7 +23968,7 @@
                                           </p:stCondLst>
                                         </p:cTn>
                                         <p:tgtEl>
-                                          <p:spTgt spid="211"/>
+                                          <p:spTgt spid="214"/>
                                         </p:tgtEl>
                                         <p:attrNameLst>
                                           <p:attrName>style.visibility</p:attrName>
@@ -23885,7 +23990,7 @@
                                           </p:stCondLst>
                                         </p:cTn>
                                         <p:tgtEl>
-                                          <p:spTgt spid="211"/>
+                                          <p:spTgt spid="214"/>
                                         </p:tgtEl>
                                         <p:attrNameLst>
                                           <p:attrName>style.visibility</p:attrName>
@@ -23904,7 +24009,7 @@
                         <p:par>
                           <p:cTn id="550" fill="hold">
                             <p:stCondLst>
-                              <p:cond delay="13425"/>
+                              <p:cond delay="13650"/>
                             </p:stCondLst>
                             <p:childTnLst>
                               <p:par>
@@ -23921,7 +24026,7 @@
                                           </p:stCondLst>
                                         </p:cTn>
                                         <p:tgtEl>
-                                          <p:spTgt spid="212"/>
+                                          <p:spTgt spid="215"/>
                                         </p:tgtEl>
                                         <p:attrNameLst>
                                           <p:attrName>style.visibility</p:attrName>
@@ -23943,7 +24048,7 @@
                                           </p:stCondLst>
                                         </p:cTn>
                                         <p:tgtEl>
-                                          <p:spTgt spid="212"/>
+                                          <p:spTgt spid="215"/>
                                         </p:tgtEl>
                                         <p:attrNameLst>
                                           <p:attrName>style.visibility</p:attrName>
@@ -23962,7 +24067,7 @@
                         <p:par>
                           <p:cTn id="553" fill="hold">
                             <p:stCondLst>
-                              <p:cond delay="13500"/>
+                              <p:cond delay="13725"/>
                             </p:stCondLst>
                             <p:childTnLst>
                               <p:par>
@@ -23979,7 +24084,7 @@
                                           </p:stCondLst>
                                         </p:cTn>
                                         <p:tgtEl>
-                                          <p:spTgt spid="213"/>
+                                          <p:spTgt spid="216"/>
                                         </p:tgtEl>
                                         <p:attrNameLst>
                                           <p:attrName>style.visibility</p:attrName>
@@ -24001,7 +24106,7 @@
                                           </p:stCondLst>
                                         </p:cTn>
                                         <p:tgtEl>
-                                          <p:spTgt spid="213"/>
+                                          <p:spTgt spid="216"/>
                                         </p:tgtEl>
                                         <p:attrNameLst>
                                           <p:attrName>style.visibility</p:attrName>
@@ -24020,7 +24125,7 @@
                         <p:par>
                           <p:cTn id="556" fill="hold">
                             <p:stCondLst>
-                              <p:cond delay="13575"/>
+                              <p:cond delay="13800"/>
                             </p:stCondLst>
                             <p:childTnLst>
                               <p:par>
@@ -24037,7 +24142,7 @@
                                           </p:stCondLst>
                                         </p:cTn>
                                         <p:tgtEl>
-                                          <p:spTgt spid="214"/>
+                                          <p:spTgt spid="217"/>
                                         </p:tgtEl>
                                         <p:attrNameLst>
                                           <p:attrName>style.visibility</p:attrName>
@@ -24059,7 +24164,7 @@
                                           </p:stCondLst>
                                         </p:cTn>
                                         <p:tgtEl>
-                                          <p:spTgt spid="214"/>
+                                          <p:spTgt spid="217"/>
                                         </p:tgtEl>
                                         <p:attrNameLst>
                                           <p:attrName>style.visibility</p:attrName>
@@ -24078,7 +24183,7 @@
                         <p:par>
                           <p:cTn id="559" fill="hold">
                             <p:stCondLst>
-                              <p:cond delay="13650"/>
+                              <p:cond delay="13875"/>
                             </p:stCondLst>
                             <p:childTnLst>
                               <p:par>
@@ -24095,7 +24200,7 @@
                                           </p:stCondLst>
                                         </p:cTn>
                                         <p:tgtEl>
-                                          <p:spTgt spid="215"/>
+                                          <p:spTgt spid="218"/>
                                         </p:tgtEl>
                                         <p:attrNameLst>
                                           <p:attrName>style.visibility</p:attrName>
@@ -24117,7 +24222,7 @@
                                           </p:stCondLst>
                                         </p:cTn>
                                         <p:tgtEl>
-                                          <p:spTgt spid="215"/>
+                                          <p:spTgt spid="218"/>
                                         </p:tgtEl>
                                         <p:attrNameLst>
                                           <p:attrName>style.visibility</p:attrName>
@@ -24136,7 +24241,7 @@
                         <p:par>
                           <p:cTn id="562" fill="hold">
                             <p:stCondLst>
-                              <p:cond delay="13725"/>
+                              <p:cond delay="13950"/>
                             </p:stCondLst>
                             <p:childTnLst>
                               <p:par>
@@ -24153,7 +24258,7 @@
                                           </p:stCondLst>
                                         </p:cTn>
                                         <p:tgtEl>
-                                          <p:spTgt spid="216"/>
+                                          <p:spTgt spid="219"/>
                                         </p:tgtEl>
                                         <p:attrNameLst>
                                           <p:attrName>style.visibility</p:attrName>
@@ -24175,7 +24280,7 @@
                                           </p:stCondLst>
                                         </p:cTn>
                                         <p:tgtEl>
-                                          <p:spTgt spid="216"/>
+                                          <p:spTgt spid="219"/>
                                         </p:tgtEl>
                                         <p:attrNameLst>
                                           <p:attrName>style.visibility</p:attrName>
@@ -24194,7 +24299,7 @@
                         <p:par>
                           <p:cTn id="565" fill="hold">
                             <p:stCondLst>
-                              <p:cond delay="13800"/>
+                              <p:cond delay="14025"/>
                             </p:stCondLst>
                             <p:childTnLst>
                               <p:par>
@@ -24211,7 +24316,7 @@
                                           </p:stCondLst>
                                         </p:cTn>
                                         <p:tgtEl>
-                                          <p:spTgt spid="217"/>
+                                          <p:spTgt spid="220"/>
                                         </p:tgtEl>
                                         <p:attrNameLst>
                                           <p:attrName>style.visibility</p:attrName>
@@ -24233,7 +24338,7 @@
                                           </p:stCondLst>
                                         </p:cTn>
                                         <p:tgtEl>
-                                          <p:spTgt spid="217"/>
+                                          <p:spTgt spid="220"/>
                                         </p:tgtEl>
                                         <p:attrNameLst>
                                           <p:attrName>style.visibility</p:attrName>
@@ -24252,7 +24357,7 @@
                         <p:par>
                           <p:cTn id="568" fill="hold">
                             <p:stCondLst>
-                              <p:cond delay="13875"/>
+                              <p:cond delay="14100"/>
                             </p:stCondLst>
                             <p:childTnLst>
                               <p:par>
@@ -24269,7 +24374,7 @@
                                           </p:stCondLst>
                                         </p:cTn>
                                         <p:tgtEl>
-                                          <p:spTgt spid="218"/>
+                                          <p:spTgt spid="221"/>
                                         </p:tgtEl>
                                         <p:attrNameLst>
                                           <p:attrName>style.visibility</p:attrName>
@@ -24291,7 +24396,7 @@
                                           </p:stCondLst>
                                         </p:cTn>
                                         <p:tgtEl>
-                                          <p:spTgt spid="218"/>
+                                          <p:spTgt spid="221"/>
                                         </p:tgtEl>
                                         <p:attrNameLst>
                                           <p:attrName>style.visibility</p:attrName>
@@ -24310,7 +24415,7 @@
                         <p:par>
                           <p:cTn id="571" fill="hold">
                             <p:stCondLst>
-                              <p:cond delay="13950"/>
+                              <p:cond delay="14175"/>
                             </p:stCondLst>
                             <p:childTnLst>
                               <p:par>
@@ -24327,7 +24432,7 @@
                                           </p:stCondLst>
                                         </p:cTn>
                                         <p:tgtEl>
-                                          <p:spTgt spid="219"/>
+                                          <p:spTgt spid="222"/>
                                         </p:tgtEl>
                                         <p:attrNameLst>
                                           <p:attrName>style.visibility</p:attrName>
@@ -24349,7 +24454,7 @@
                                           </p:stCondLst>
                                         </p:cTn>
                                         <p:tgtEl>
-                                          <p:spTgt spid="219"/>
+                                          <p:spTgt spid="222"/>
                                         </p:tgtEl>
                                         <p:attrNameLst>
                                           <p:attrName>style.visibility</p:attrName>
@@ -24368,7 +24473,7 @@
                         <p:par>
                           <p:cTn id="574" fill="hold">
                             <p:stCondLst>
-                              <p:cond delay="14025"/>
+                              <p:cond delay="14250"/>
                             </p:stCondLst>
                             <p:childTnLst>
                               <p:par>
@@ -24385,7 +24490,7 @@
                                           </p:stCondLst>
                                         </p:cTn>
                                         <p:tgtEl>
-                                          <p:spTgt spid="220"/>
+                                          <p:spTgt spid="223"/>
                                         </p:tgtEl>
                                         <p:attrNameLst>
                                           <p:attrName>style.visibility</p:attrName>
@@ -24407,7 +24512,7 @@
                                           </p:stCondLst>
                                         </p:cTn>
                                         <p:tgtEl>
-                                          <p:spTgt spid="220"/>
+                                          <p:spTgt spid="223"/>
                                         </p:tgtEl>
                                         <p:attrNameLst>
                                           <p:attrName>style.visibility</p:attrName>
@@ -24426,7 +24531,7 @@
                         <p:par>
                           <p:cTn id="577" fill="hold">
                             <p:stCondLst>
-                              <p:cond delay="14100"/>
+                              <p:cond delay="14325"/>
                             </p:stCondLst>
                             <p:childTnLst>
                               <p:par>
@@ -24443,7 +24548,7 @@
                                           </p:stCondLst>
                                         </p:cTn>
                                         <p:tgtEl>
-                                          <p:spTgt spid="221"/>
+                                          <p:spTgt spid="224"/>
                                         </p:tgtEl>
                                         <p:attrNameLst>
                                           <p:attrName>style.visibility</p:attrName>
@@ -24465,7 +24570,7 @@
                                           </p:stCondLst>
                                         </p:cTn>
                                         <p:tgtEl>
-                                          <p:spTgt spid="221"/>
+                                          <p:spTgt spid="224"/>
                                         </p:tgtEl>
                                         <p:attrNameLst>
                                           <p:attrName>style.visibility</p:attrName>
@@ -24484,7 +24589,7 @@
                         <p:par>
                           <p:cTn id="580" fill="hold">
                             <p:stCondLst>
-                              <p:cond delay="14175"/>
+                              <p:cond delay="14400"/>
                             </p:stCondLst>
                             <p:childTnLst>
                               <p:par>
@@ -24501,7 +24606,7 @@
                                           </p:stCondLst>
                                         </p:cTn>
                                         <p:tgtEl>
-                                          <p:spTgt spid="222"/>
+                                          <p:spTgt spid="225"/>
                                         </p:tgtEl>
                                         <p:attrNameLst>
                                           <p:attrName>style.visibility</p:attrName>
@@ -24523,7 +24628,7 @@
                                           </p:stCondLst>
                                         </p:cTn>
                                         <p:tgtEl>
-                                          <p:spTgt spid="222"/>
+                                          <p:spTgt spid="225"/>
                                         </p:tgtEl>
                                         <p:attrNameLst>
                                           <p:attrName>style.visibility</p:attrName>
@@ -24542,7 +24647,7 @@
                         <p:par>
                           <p:cTn id="583" fill="hold">
                             <p:stCondLst>
-                              <p:cond delay="14250"/>
+                              <p:cond delay="14475"/>
                             </p:stCondLst>
                             <p:childTnLst>
                               <p:par>
@@ -24559,7 +24664,7 @@
                                           </p:stCondLst>
                                         </p:cTn>
                                         <p:tgtEl>
-                                          <p:spTgt spid="223"/>
+                                          <p:spTgt spid="226"/>
                                         </p:tgtEl>
                                         <p:attrNameLst>
                                           <p:attrName>style.visibility</p:attrName>
@@ -24581,7 +24686,7 @@
                                           </p:stCondLst>
                                         </p:cTn>
                                         <p:tgtEl>
-                                          <p:spTgt spid="223"/>
+                                          <p:spTgt spid="226"/>
                                         </p:tgtEl>
                                         <p:attrNameLst>
                                           <p:attrName>style.visibility</p:attrName>
@@ -24600,7 +24705,7 @@
                         <p:par>
                           <p:cTn id="586" fill="hold">
                             <p:stCondLst>
-                              <p:cond delay="14325"/>
+                              <p:cond delay="14550"/>
                             </p:stCondLst>
                             <p:childTnLst>
                               <p:par>
@@ -24617,7 +24722,7 @@
                                           </p:stCondLst>
                                         </p:cTn>
                                         <p:tgtEl>
-                                          <p:spTgt spid="224"/>
+                                          <p:spTgt spid="227"/>
                                         </p:tgtEl>
                                         <p:attrNameLst>
                                           <p:attrName>style.visibility</p:attrName>
@@ -24639,7 +24744,7 @@
                                           </p:stCondLst>
                                         </p:cTn>
                                         <p:tgtEl>
-                                          <p:spTgt spid="224"/>
+                                          <p:spTgt spid="227"/>
                                         </p:tgtEl>
                                         <p:attrNameLst>
                                           <p:attrName>style.visibility</p:attrName>
@@ -24658,7 +24763,7 @@
                         <p:par>
                           <p:cTn id="589" fill="hold">
                             <p:stCondLst>
-                              <p:cond delay="14400"/>
+                              <p:cond delay="14625"/>
                             </p:stCondLst>
                             <p:childTnLst>
                               <p:par>
@@ -24675,7 +24780,7 @@
                                           </p:stCondLst>
                                         </p:cTn>
                                         <p:tgtEl>
-                                          <p:spTgt spid="225"/>
+                                          <p:spTgt spid="228"/>
                                         </p:tgtEl>
                                         <p:attrNameLst>
                                           <p:attrName>style.visibility</p:attrName>
@@ -24697,7 +24802,7 @@
                                           </p:stCondLst>
                                         </p:cTn>
                                         <p:tgtEl>
-                                          <p:spTgt spid="225"/>
+                                          <p:spTgt spid="228"/>
                                         </p:tgtEl>
                                         <p:attrNameLst>
                                           <p:attrName>style.visibility</p:attrName>
@@ -24716,7 +24821,7 @@
                         <p:par>
                           <p:cTn id="592" fill="hold">
                             <p:stCondLst>
-                              <p:cond delay="14475"/>
+                              <p:cond delay="14700"/>
                             </p:stCondLst>
                             <p:childTnLst>
                               <p:par>
@@ -24733,7 +24838,7 @@
                                           </p:stCondLst>
                                         </p:cTn>
                                         <p:tgtEl>
-                                          <p:spTgt spid="226"/>
+                                          <p:spTgt spid="229"/>
                                         </p:tgtEl>
                                         <p:attrNameLst>
                                           <p:attrName>style.visibility</p:attrName>
@@ -24755,7 +24860,7 @@
                                           </p:stCondLst>
                                         </p:cTn>
                                         <p:tgtEl>
-                                          <p:spTgt spid="226"/>
+                                          <p:spTgt spid="229"/>
                                         </p:tgtEl>
                                         <p:attrNameLst>
                                           <p:attrName>style.visibility</p:attrName>
@@ -24774,7 +24879,7 @@
                         <p:par>
                           <p:cTn id="595" fill="hold">
                             <p:stCondLst>
-                              <p:cond delay="14550"/>
+                              <p:cond delay="14775"/>
                             </p:stCondLst>
                             <p:childTnLst>
                               <p:par>
@@ -24791,7 +24896,7 @@
                                           </p:stCondLst>
                                         </p:cTn>
                                         <p:tgtEl>
-                                          <p:spTgt spid="227"/>
+                                          <p:spTgt spid="230"/>
                                         </p:tgtEl>
                                         <p:attrNameLst>
                                           <p:attrName>style.visibility</p:attrName>
@@ -24813,7 +24918,7 @@
                                           </p:stCondLst>
                                         </p:cTn>
                                         <p:tgtEl>
-                                          <p:spTgt spid="227"/>
+                                          <p:spTgt spid="230"/>
                                         </p:tgtEl>
                                         <p:attrNameLst>
                                           <p:attrName>style.visibility</p:attrName>
@@ -24832,7 +24937,7 @@
                         <p:par>
                           <p:cTn id="598" fill="hold">
                             <p:stCondLst>
-                              <p:cond delay="14625"/>
+                              <p:cond delay="14850"/>
                             </p:stCondLst>
                             <p:childTnLst>
                               <p:par>
@@ -24849,7 +24954,7 @@
                                           </p:stCondLst>
                                         </p:cTn>
                                         <p:tgtEl>
-                                          <p:spTgt spid="228"/>
+                                          <p:spTgt spid="231"/>
                                         </p:tgtEl>
                                         <p:attrNameLst>
                                           <p:attrName>style.visibility</p:attrName>
@@ -24871,7 +24976,7 @@
                                           </p:stCondLst>
                                         </p:cTn>
                                         <p:tgtEl>
-                                          <p:spTgt spid="228"/>
+                                          <p:spTgt spid="231"/>
                                         </p:tgtEl>
                                         <p:attrNameLst>
                                           <p:attrName>style.visibility</p:attrName>
@@ -24890,7 +24995,7 @@
                         <p:par>
                           <p:cTn id="601" fill="hold">
                             <p:stCondLst>
-                              <p:cond delay="14700"/>
+                              <p:cond delay="14925"/>
                             </p:stCondLst>
                             <p:childTnLst>
                               <p:par>
@@ -24907,7 +25012,7 @@
                                           </p:stCondLst>
                                         </p:cTn>
                                         <p:tgtEl>
-                                          <p:spTgt spid="229"/>
+                                          <p:spTgt spid="232"/>
                                         </p:tgtEl>
                                         <p:attrNameLst>
                                           <p:attrName>style.visibility</p:attrName>
@@ -24929,7 +25034,7 @@
                                           </p:stCondLst>
                                         </p:cTn>
                                         <p:tgtEl>
-                                          <p:spTgt spid="229"/>
+                                          <p:spTgt spid="232"/>
                                         </p:tgtEl>
                                         <p:attrNameLst>
                                           <p:attrName>style.visibility</p:attrName>
@@ -24948,7 +25053,7 @@
                         <p:par>
                           <p:cTn id="604" fill="hold">
                             <p:stCondLst>
-                              <p:cond delay="14775"/>
+                              <p:cond delay="15000"/>
                             </p:stCondLst>
                             <p:childTnLst>
                               <p:par>
@@ -24965,7 +25070,7 @@
                                           </p:stCondLst>
                                         </p:cTn>
                                         <p:tgtEl>
-                                          <p:spTgt spid="230"/>
+                                          <p:spTgt spid="233"/>
                                         </p:tgtEl>
                                         <p:attrNameLst>
                                           <p:attrName>style.visibility</p:attrName>
@@ -24987,7 +25092,7 @@
                                           </p:stCondLst>
                                         </p:cTn>
                                         <p:tgtEl>
-                                          <p:spTgt spid="230"/>
+                                          <p:spTgt spid="233"/>
                                         </p:tgtEl>
                                         <p:attrNameLst>
                                           <p:attrName>style.visibility</p:attrName>
@@ -25006,7 +25111,7 @@
                         <p:par>
                           <p:cTn id="607" fill="hold">
                             <p:stCondLst>
-                              <p:cond delay="14850"/>
+                              <p:cond delay="15075"/>
                             </p:stCondLst>
                             <p:childTnLst>
                               <p:par>
@@ -25023,7 +25128,7 @@
                                           </p:stCondLst>
                                         </p:cTn>
                                         <p:tgtEl>
-                                          <p:spTgt spid="231"/>
+                                          <p:spTgt spid="234"/>
                                         </p:tgtEl>
                                         <p:attrNameLst>
                                           <p:attrName>style.visibility</p:attrName>
@@ -25045,7 +25150,7 @@
                                           </p:stCondLst>
                                         </p:cTn>
                                         <p:tgtEl>
-                                          <p:spTgt spid="231"/>
+                                          <p:spTgt spid="234"/>
                                         </p:tgtEl>
                                         <p:attrNameLst>
                                           <p:attrName>style.visibility</p:attrName>
@@ -25064,7 +25169,7 @@
                         <p:par>
                           <p:cTn id="610" fill="hold">
                             <p:stCondLst>
-                              <p:cond delay="14925"/>
+                              <p:cond delay="15150"/>
                             </p:stCondLst>
                             <p:childTnLst>
                               <p:par>
@@ -25081,7 +25186,7 @@
                                           </p:stCondLst>
                                         </p:cTn>
                                         <p:tgtEl>
-                                          <p:spTgt spid="232"/>
+                                          <p:spTgt spid="235"/>
                                         </p:tgtEl>
                                         <p:attrNameLst>
                                           <p:attrName>style.visibility</p:attrName>
@@ -25103,7 +25208,7 @@
                                           </p:stCondLst>
                                         </p:cTn>
                                         <p:tgtEl>
-                                          <p:spTgt spid="232"/>
+                                          <p:spTgt spid="235"/>
                                         </p:tgtEl>
                                         <p:attrNameLst>
                                           <p:attrName>style.visibility</p:attrName>
@@ -25122,7 +25227,7 @@
                         <p:par>
                           <p:cTn id="613" fill="hold">
                             <p:stCondLst>
-                              <p:cond delay="15000"/>
+                              <p:cond delay="15225"/>
                             </p:stCondLst>
                             <p:childTnLst>
                               <p:par>
@@ -25139,7 +25244,7 @@
                                           </p:stCondLst>
                                         </p:cTn>
                                         <p:tgtEl>
-                                          <p:spTgt spid="233"/>
+                                          <p:spTgt spid="236"/>
                                         </p:tgtEl>
                                         <p:attrNameLst>
                                           <p:attrName>style.visibility</p:attrName>
@@ -25161,7 +25266,7 @@
                                           </p:stCondLst>
                                         </p:cTn>
                                         <p:tgtEl>
-                                          <p:spTgt spid="233"/>
+                                          <p:spTgt spid="236"/>
                                         </p:tgtEl>
                                         <p:attrNameLst>
                                           <p:attrName>style.visibility</p:attrName>
@@ -25180,7 +25285,7 @@
                         <p:par>
                           <p:cTn id="616" fill="hold">
                             <p:stCondLst>
-                              <p:cond delay="15075"/>
+                              <p:cond delay="15300"/>
                             </p:stCondLst>
                             <p:childTnLst>
                               <p:par>
@@ -25197,7 +25302,7 @@
                                           </p:stCondLst>
                                         </p:cTn>
                                         <p:tgtEl>
-                                          <p:spTgt spid="234"/>
+                                          <p:spTgt spid="237"/>
                                         </p:tgtEl>
                                         <p:attrNameLst>
                                           <p:attrName>style.visibility</p:attrName>
@@ -25219,7 +25324,7 @@
                                           </p:stCondLst>
                                         </p:cTn>
                                         <p:tgtEl>
-                                          <p:spTgt spid="234"/>
+                                          <p:spTgt spid="237"/>
                                         </p:tgtEl>
                                         <p:attrNameLst>
                                           <p:attrName>style.visibility</p:attrName>
@@ -25238,7 +25343,7 @@
                         <p:par>
                           <p:cTn id="619" fill="hold">
                             <p:stCondLst>
-                              <p:cond delay="15150"/>
+                              <p:cond delay="15375"/>
                             </p:stCondLst>
                             <p:childTnLst>
                               <p:par>
@@ -25255,7 +25360,7 @@
                                           </p:stCondLst>
                                         </p:cTn>
                                         <p:tgtEl>
-                                          <p:spTgt spid="235"/>
+                                          <p:spTgt spid="238"/>
                                         </p:tgtEl>
                                         <p:attrNameLst>
                                           <p:attrName>style.visibility</p:attrName>
@@ -25277,7 +25382,7 @@
                                           </p:stCondLst>
                                         </p:cTn>
                                         <p:tgtEl>
-                                          <p:spTgt spid="235"/>
+                                          <p:spTgt spid="238"/>
                                         </p:tgtEl>
                                         <p:attrNameLst>
                                           <p:attrName>style.visibility</p:attrName>
@@ -25296,7 +25401,7 @@
                         <p:par>
                           <p:cTn id="622" fill="hold">
                             <p:stCondLst>
-                              <p:cond delay="15225"/>
+                              <p:cond delay="15450"/>
                             </p:stCondLst>
                             <p:childTnLst>
                               <p:par>
@@ -25313,7 +25418,7 @@
                                           </p:stCondLst>
                                         </p:cTn>
                                         <p:tgtEl>
-                                          <p:spTgt spid="236"/>
+                                          <p:spTgt spid="239"/>
                                         </p:tgtEl>
                                         <p:attrNameLst>
                                           <p:attrName>style.visibility</p:attrName>
@@ -25335,7 +25440,7 @@
                                           </p:stCondLst>
                                         </p:cTn>
                                         <p:tgtEl>
-                                          <p:spTgt spid="236"/>
+                                          <p:spTgt spid="239"/>
                                         </p:tgtEl>
                                         <p:attrNameLst>
                                           <p:attrName>style.visibility</p:attrName>
@@ -25354,7 +25459,7 @@
                         <p:par>
                           <p:cTn id="625" fill="hold">
                             <p:stCondLst>
-                              <p:cond delay="15300"/>
+                              <p:cond delay="15525"/>
                             </p:stCondLst>
                             <p:childTnLst>
                               <p:par>
@@ -25371,7 +25476,7 @@
                                           </p:stCondLst>
                                         </p:cTn>
                                         <p:tgtEl>
-                                          <p:spTgt spid="237"/>
+                                          <p:spTgt spid="240"/>
                                         </p:tgtEl>
                                         <p:attrNameLst>
                                           <p:attrName>style.visibility</p:attrName>
@@ -25393,7 +25498,7 @@
                                           </p:stCondLst>
                                         </p:cTn>
                                         <p:tgtEl>
-                                          <p:spTgt spid="237"/>
+                                          <p:spTgt spid="240"/>
                                         </p:tgtEl>
                                         <p:attrNameLst>
                                           <p:attrName>style.visibility</p:attrName>
@@ -25412,7 +25517,7 @@
                         <p:par>
                           <p:cTn id="628" fill="hold">
                             <p:stCondLst>
-                              <p:cond delay="15375"/>
+                              <p:cond delay="15600"/>
                             </p:stCondLst>
                             <p:childTnLst>
                               <p:par>
@@ -25429,7 +25534,7 @@
                                           </p:stCondLst>
                                         </p:cTn>
                                         <p:tgtEl>
-                                          <p:spTgt spid="238"/>
+                                          <p:spTgt spid="241"/>
                                         </p:tgtEl>
                                         <p:attrNameLst>
                                           <p:attrName>style.visibility</p:attrName>
@@ -25451,7 +25556,7 @@
                                           </p:stCondLst>
                                         </p:cTn>
                                         <p:tgtEl>
-                                          <p:spTgt spid="238"/>
+                                          <p:spTgt spid="241"/>
                                         </p:tgtEl>
                                         <p:attrNameLst>
                                           <p:attrName>style.visibility</p:attrName>
@@ -25470,7 +25575,7 @@
                         <p:par>
                           <p:cTn id="631" fill="hold">
                             <p:stCondLst>
-                              <p:cond delay="15450"/>
+                              <p:cond delay="15675"/>
                             </p:stCondLst>
                             <p:childTnLst>
                               <p:par>
@@ -25487,7 +25592,7 @@
                                           </p:stCondLst>
                                         </p:cTn>
                                         <p:tgtEl>
-                                          <p:spTgt spid="239"/>
+                                          <p:spTgt spid="242"/>
                                         </p:tgtEl>
                                         <p:attrNameLst>
                                           <p:attrName>style.visibility</p:attrName>
@@ -25509,7 +25614,7 @@
                                           </p:stCondLst>
                                         </p:cTn>
                                         <p:tgtEl>
-                                          <p:spTgt spid="239"/>
+                                          <p:spTgt spid="242"/>
                                         </p:tgtEl>
                                         <p:attrNameLst>
                                           <p:attrName>style.visibility</p:attrName>
@@ -25528,7 +25633,7 @@
                         <p:par>
                           <p:cTn id="634" fill="hold">
                             <p:stCondLst>
-                              <p:cond delay="15525"/>
+                              <p:cond delay="15750"/>
                             </p:stCondLst>
                             <p:childTnLst>
                               <p:par>
@@ -25545,7 +25650,7 @@
                                           </p:stCondLst>
                                         </p:cTn>
                                         <p:tgtEl>
-                                          <p:spTgt spid="240"/>
+                                          <p:spTgt spid="243"/>
                                         </p:tgtEl>
                                         <p:attrNameLst>
                                           <p:attrName>style.visibility</p:attrName>
@@ -25567,7 +25672,7 @@
                                           </p:stCondLst>
                                         </p:cTn>
                                         <p:tgtEl>
-                                          <p:spTgt spid="240"/>
+                                          <p:spTgt spid="243"/>
                                         </p:tgtEl>
                                         <p:attrNameLst>
                                           <p:attrName>style.visibility</p:attrName>
@@ -25586,7 +25691,7 @@
                         <p:par>
                           <p:cTn id="637" fill="hold">
                             <p:stCondLst>
-                              <p:cond delay="15600"/>
+                              <p:cond delay="15825"/>
                             </p:stCondLst>
                             <p:childTnLst>
                               <p:par>
@@ -25603,7 +25708,7 @@
                                           </p:stCondLst>
                                         </p:cTn>
                                         <p:tgtEl>
-                                          <p:spTgt spid="241"/>
+                                          <p:spTgt spid="244"/>
                                         </p:tgtEl>
                                         <p:attrNameLst>
                                           <p:attrName>style.visibility</p:attrName>
@@ -25625,7 +25730,7 @@
                                           </p:stCondLst>
                                         </p:cTn>
                                         <p:tgtEl>
-                                          <p:spTgt spid="241"/>
+                                          <p:spTgt spid="244"/>
                                         </p:tgtEl>
                                         <p:attrNameLst>
                                           <p:attrName>style.visibility</p:attrName>
@@ -25644,7 +25749,7 @@
                         <p:par>
                           <p:cTn id="640" fill="hold">
                             <p:stCondLst>
-                              <p:cond delay="15675"/>
+                              <p:cond delay="15900"/>
                             </p:stCondLst>
                             <p:childTnLst>
                               <p:par>
@@ -25661,7 +25766,7 @@
                                           </p:stCondLst>
                                         </p:cTn>
                                         <p:tgtEl>
-                                          <p:spTgt spid="242"/>
+                                          <p:spTgt spid="245"/>
                                         </p:tgtEl>
                                         <p:attrNameLst>
                                           <p:attrName>style.visibility</p:attrName>
@@ -25683,7 +25788,7 @@
                                           </p:stCondLst>
                                         </p:cTn>
                                         <p:tgtEl>
-                                          <p:spTgt spid="242"/>
+                                          <p:spTgt spid="245"/>
                                         </p:tgtEl>
                                         <p:attrNameLst>
                                           <p:attrName>style.visibility</p:attrName>
@@ -25702,7 +25807,7 @@
                         <p:par>
                           <p:cTn id="643" fill="hold">
                             <p:stCondLst>
-                              <p:cond delay="15750"/>
+                              <p:cond delay="15975"/>
                             </p:stCondLst>
                             <p:childTnLst>
                               <p:par>
@@ -25719,7 +25824,7 @@
                                           </p:stCondLst>
                                         </p:cTn>
                                         <p:tgtEl>
-                                          <p:spTgt spid="243"/>
+                                          <p:spTgt spid="246"/>
                                         </p:tgtEl>
                                         <p:attrNameLst>
                                           <p:attrName>style.visibility</p:attrName>
@@ -25741,7 +25846,7 @@
                                           </p:stCondLst>
                                         </p:cTn>
                                         <p:tgtEl>
-                                          <p:spTgt spid="243"/>
+                                          <p:spTgt spid="246"/>
                                         </p:tgtEl>
                                         <p:attrNameLst>
                                           <p:attrName>style.visibility</p:attrName>
@@ -25760,7 +25865,7 @@
                         <p:par>
                           <p:cTn id="646" fill="hold">
                             <p:stCondLst>
-                              <p:cond delay="15825"/>
+                              <p:cond delay="16050"/>
                             </p:stCondLst>
                             <p:childTnLst>
                               <p:par>
@@ -25777,7 +25882,7 @@
                                           </p:stCondLst>
                                         </p:cTn>
                                         <p:tgtEl>
-                                          <p:spTgt spid="244"/>
+                                          <p:spTgt spid="247"/>
                                         </p:tgtEl>
                                         <p:attrNameLst>
                                           <p:attrName>style.visibility</p:attrName>
@@ -25799,7 +25904,7 @@
                                           </p:stCondLst>
                                         </p:cTn>
                                         <p:tgtEl>
-                                          <p:spTgt spid="244"/>
+                                          <p:spTgt spid="247"/>
                                         </p:tgtEl>
                                         <p:attrNameLst>
                                           <p:attrName>style.visibility</p:attrName>
@@ -25818,7 +25923,7 @@
                         <p:par>
                           <p:cTn id="649" fill="hold">
                             <p:stCondLst>
-                              <p:cond delay="15900"/>
+                              <p:cond delay="16125"/>
                             </p:stCondLst>
                             <p:childTnLst>
                               <p:par>
@@ -25835,7 +25940,7 @@
                                           </p:stCondLst>
                                         </p:cTn>
                                         <p:tgtEl>
-                                          <p:spTgt spid="245"/>
+                                          <p:spTgt spid="248"/>
                                         </p:tgtEl>
                                         <p:attrNameLst>
                                           <p:attrName>style.visibility</p:attrName>
@@ -25857,7 +25962,7 @@
                                           </p:stCondLst>
                                         </p:cTn>
                                         <p:tgtEl>
-                                          <p:spTgt spid="245"/>
+                                          <p:spTgt spid="248"/>
                                         </p:tgtEl>
                                         <p:attrNameLst>
                                           <p:attrName>style.visibility</p:attrName>
@@ -25876,7 +25981,7 @@
                         <p:par>
                           <p:cTn id="652" fill="hold">
                             <p:stCondLst>
-                              <p:cond delay="15975"/>
+                              <p:cond delay="16200"/>
                             </p:stCondLst>
                             <p:childTnLst>
                               <p:par>
@@ -25893,7 +25998,7 @@
                                           </p:stCondLst>
                                         </p:cTn>
                                         <p:tgtEl>
-                                          <p:spTgt spid="246"/>
+                                          <p:spTgt spid="249"/>
                                         </p:tgtEl>
                                         <p:attrNameLst>
                                           <p:attrName>style.visibility</p:attrName>
@@ -25915,7 +26020,7 @@
                                           </p:stCondLst>
                                         </p:cTn>
                                         <p:tgtEl>
-                                          <p:spTgt spid="246"/>
+                                          <p:spTgt spid="249"/>
                                         </p:tgtEl>
                                         <p:attrNameLst>
                                           <p:attrName>style.visibility</p:attrName>
@@ -25934,7 +26039,7 @@
                         <p:par>
                           <p:cTn id="655" fill="hold">
                             <p:stCondLst>
-                              <p:cond delay="16050"/>
+                              <p:cond delay="16275"/>
                             </p:stCondLst>
                             <p:childTnLst>
                               <p:par>
@@ -25951,7 +26056,7 @@
                                           </p:stCondLst>
                                         </p:cTn>
                                         <p:tgtEl>
-                                          <p:spTgt spid="247"/>
+                                          <p:spTgt spid="250"/>
                                         </p:tgtEl>
                                         <p:attrNameLst>
                                           <p:attrName>style.visibility</p:attrName>
@@ -25973,7 +26078,7 @@
                                           </p:stCondLst>
                                         </p:cTn>
                                         <p:tgtEl>
-                                          <p:spTgt spid="247"/>
+                                          <p:spTgt spid="250"/>
                                         </p:tgtEl>
                                         <p:attrNameLst>
                                           <p:attrName>style.visibility</p:attrName>
@@ -25992,7 +26097,7 @@
                         <p:par>
                           <p:cTn id="658" fill="hold">
                             <p:stCondLst>
-                              <p:cond delay="16125"/>
+                              <p:cond delay="16350"/>
                             </p:stCondLst>
                             <p:childTnLst>
                               <p:par>
@@ -26009,7 +26114,7 @@
                                           </p:stCondLst>
                                         </p:cTn>
                                         <p:tgtEl>
-                                          <p:spTgt spid="248"/>
+                                          <p:spTgt spid="251"/>
                                         </p:tgtEl>
                                         <p:attrNameLst>
                                           <p:attrName>style.visibility</p:attrName>
@@ -26031,7 +26136,7 @@
                                           </p:stCondLst>
                                         </p:cTn>
                                         <p:tgtEl>
-                                          <p:spTgt spid="248"/>
+                                          <p:spTgt spid="251"/>
                                         </p:tgtEl>
                                         <p:attrNameLst>
                                           <p:attrName>style.visibility</p:attrName>
@@ -26050,7 +26155,7 @@
                         <p:par>
                           <p:cTn id="661" fill="hold">
                             <p:stCondLst>
-                              <p:cond delay="16200"/>
+                              <p:cond delay="16425"/>
                             </p:stCondLst>
                             <p:childTnLst>
                               <p:par>
@@ -26067,7 +26172,7 @@
                                           </p:stCondLst>
                                         </p:cTn>
                                         <p:tgtEl>
-                                          <p:spTgt spid="249"/>
+                                          <p:spTgt spid="252"/>
                                         </p:tgtEl>
                                         <p:attrNameLst>
                                           <p:attrName>style.visibility</p:attrName>
@@ -26089,7 +26194,7 @@
                                           </p:stCondLst>
                                         </p:cTn>
                                         <p:tgtEl>
-                                          <p:spTgt spid="249"/>
+                                          <p:spTgt spid="252"/>
                                         </p:tgtEl>
                                         <p:attrNameLst>
                                           <p:attrName>style.visibility</p:attrName>
@@ -26108,7 +26213,7 @@
                         <p:par>
                           <p:cTn id="664" fill="hold">
                             <p:stCondLst>
-                              <p:cond delay="16275"/>
+                              <p:cond delay="16500"/>
                             </p:stCondLst>
                             <p:childTnLst>
                               <p:par>
@@ -26125,7 +26230,7 @@
                                           </p:stCondLst>
                                         </p:cTn>
                                         <p:tgtEl>
-                                          <p:spTgt spid="250"/>
+                                          <p:spTgt spid="253"/>
                                         </p:tgtEl>
                                         <p:attrNameLst>
                                           <p:attrName>style.visibility</p:attrName>
@@ -26147,7 +26252,7 @@
                                           </p:stCondLst>
                                         </p:cTn>
                                         <p:tgtEl>
-                                          <p:spTgt spid="250"/>
+                                          <p:spTgt spid="253"/>
                                         </p:tgtEl>
                                         <p:attrNameLst>
                                           <p:attrName>style.visibility</p:attrName>
@@ -26166,7 +26271,7 @@
                         <p:par>
                           <p:cTn id="667" fill="hold">
                             <p:stCondLst>
-                              <p:cond delay="16350"/>
+                              <p:cond delay="16575"/>
                             </p:stCondLst>
                             <p:childTnLst>
                               <p:par>
@@ -26183,7 +26288,7 @@
                                           </p:stCondLst>
                                         </p:cTn>
                                         <p:tgtEl>
-                                          <p:spTgt spid="251"/>
+                                          <p:spTgt spid="254"/>
                                         </p:tgtEl>
                                         <p:attrNameLst>
                                           <p:attrName>style.visibility</p:attrName>
@@ -26205,7 +26310,7 @@
                                           </p:stCondLst>
                                         </p:cTn>
                                         <p:tgtEl>
-                                          <p:spTgt spid="251"/>
+                                          <p:spTgt spid="254"/>
                                         </p:tgtEl>
                                         <p:attrNameLst>
                                           <p:attrName>style.visibility</p:attrName>
@@ -26224,7 +26329,7 @@
                         <p:par>
                           <p:cTn id="670" fill="hold">
                             <p:stCondLst>
-                              <p:cond delay="16425"/>
+                              <p:cond delay="16650"/>
                             </p:stCondLst>
                             <p:childTnLst>
                               <p:par>
@@ -26241,7 +26346,7 @@
                                           </p:stCondLst>
                                         </p:cTn>
                                         <p:tgtEl>
-                                          <p:spTgt spid="252"/>
+                                          <p:spTgt spid="255"/>
                                         </p:tgtEl>
                                         <p:attrNameLst>
                                           <p:attrName>style.visibility</p:attrName>
@@ -26263,7 +26368,7 @@
                                           </p:stCondLst>
                                         </p:cTn>
                                         <p:tgtEl>
-                                          <p:spTgt spid="252"/>
+                                          <p:spTgt spid="255"/>
                                         </p:tgtEl>
                                         <p:attrNameLst>
                                           <p:attrName>style.visibility</p:attrName>
@@ -26282,7 +26387,7 @@
                         <p:par>
                           <p:cTn id="673" fill="hold">
                             <p:stCondLst>
-                              <p:cond delay="16500"/>
+                              <p:cond delay="16725"/>
                             </p:stCondLst>
                             <p:childTnLst>
                               <p:par>
@@ -26299,7 +26404,7 @@
                                           </p:stCondLst>
                                         </p:cTn>
                                         <p:tgtEl>
-                                          <p:spTgt spid="253"/>
+                                          <p:spTgt spid="256"/>
                                         </p:tgtEl>
                                         <p:attrNameLst>
                                           <p:attrName>style.visibility</p:attrName>
@@ -26321,7 +26426,7 @@
                                           </p:stCondLst>
                                         </p:cTn>
                                         <p:tgtEl>
-                                          <p:spTgt spid="253"/>
+                                          <p:spTgt spid="256"/>
                                         </p:tgtEl>
                                         <p:attrNameLst>
                                           <p:attrName>style.visibility</p:attrName>
@@ -26340,7 +26445,7 @@
                         <p:par>
                           <p:cTn id="676" fill="hold">
                             <p:stCondLst>
-                              <p:cond delay="16575"/>
+                              <p:cond delay="16800"/>
                             </p:stCondLst>
                             <p:childTnLst>
                               <p:par>
@@ -26357,7 +26462,7 @@
                                           </p:stCondLst>
                                         </p:cTn>
                                         <p:tgtEl>
-                                          <p:spTgt spid="254"/>
+                                          <p:spTgt spid="257"/>
                                         </p:tgtEl>
                                         <p:attrNameLst>
                                           <p:attrName>style.visibility</p:attrName>
@@ -26379,7 +26484,7 @@
                                           </p:stCondLst>
                                         </p:cTn>
                                         <p:tgtEl>
-                                          <p:spTgt spid="254"/>
+                                          <p:spTgt spid="257"/>
                                         </p:tgtEl>
                                         <p:attrNameLst>
                                           <p:attrName>style.visibility</p:attrName>
@@ -26398,7 +26503,7 @@
                         <p:par>
                           <p:cTn id="679" fill="hold">
                             <p:stCondLst>
-                              <p:cond delay="16650"/>
+                              <p:cond delay="16875"/>
                             </p:stCondLst>
                             <p:childTnLst>
                               <p:par>
@@ -26415,7 +26520,7 @@
                                           </p:stCondLst>
                                         </p:cTn>
                                         <p:tgtEl>
-                                          <p:spTgt spid="255"/>
+                                          <p:spTgt spid="258"/>
                                         </p:tgtEl>
                                         <p:attrNameLst>
                                           <p:attrName>style.visibility</p:attrName>
@@ -26437,7 +26542,7 @@
                                           </p:stCondLst>
                                         </p:cTn>
                                         <p:tgtEl>
-                                          <p:spTgt spid="255"/>
+                                          <p:spTgt spid="258"/>
                                         </p:tgtEl>
                                         <p:attrNameLst>
                                           <p:attrName>style.visibility</p:attrName>
@@ -26456,24 +26561,24 @@
                         <p:par>
                           <p:cTn id="682" fill="hold">
                             <p:stCondLst>
-                              <p:cond delay="16725"/>
+                              <p:cond delay="16950"/>
                             </p:stCondLst>
                             <p:childTnLst>
                               <p:par>
-                                <p:cTn id="683" presetID="1" presetClass="entr" presetSubtype="0" fill="hold" nodeType="afterEffect">
+                                <p:cTn id="683" presetID="11" presetClass="entr" presetSubtype="0" fill="hold" grpId="0" nodeType="afterEffect">
                                   <p:stCondLst>
                                     <p:cond delay="0"/>
                                   </p:stCondLst>
                                   <p:childTnLst>
                                     <p:set>
                                       <p:cBhvr>
-                                        <p:cTn id="684" dur="1" fill="hold">
+                                        <p:cTn id="684" dur="75">
                                           <p:stCondLst>
                                             <p:cond delay="0"/>
                                           </p:stCondLst>
                                         </p:cTn>
                                         <p:tgtEl>
-                                          <p:spTgt spid="265"/>
+                                          <p:spTgt spid="259"/>
                                         </p:tgtEl>
                                         <p:attrNameLst>
                                           <p:attrName>style.visibility</p:attrName>
@@ -26484,6 +26589,28 @@
                                       </p:to>
                                     </p:set>
                                   </p:childTnLst>
+                                  <p:subTnLst>
+                                    <p:set>
+                                      <p:cBhvr override="childStyle">
+                                        <p:cTn dur="1" fill="hold" display="0" masterRel="sameClick" afterEffect="1">
+                                          <p:stCondLst>
+                                            <p:cond evt="end" delay="0">
+                                              <p:tn val="683"/>
+                                            </p:cond>
+                                          </p:stCondLst>
+                                        </p:cTn>
+                                        <p:tgtEl>
+                                          <p:spTgt spid="259"/>
+                                        </p:tgtEl>
+                                        <p:attrNameLst>
+                                          <p:attrName>style.visibility</p:attrName>
+                                        </p:attrNameLst>
+                                      </p:cBhvr>
+                                      <p:to>
+                                        <p:strVal val="hidden"/>
+                                      </p:to>
+                                    </p:set>
+                                  </p:subTnLst>
                                 </p:cTn>
                               </p:par>
                             </p:childTnLst>
@@ -26492,7 +26619,7 @@
                         <p:par>
                           <p:cTn id="685" fill="hold">
                             <p:stCondLst>
-                              <p:cond delay="16725"/>
+                              <p:cond delay="17025"/>
                             </p:stCondLst>
                             <p:childTnLst>
                               <p:par>
@@ -26509,7 +26636,7 @@
                                           </p:stCondLst>
                                         </p:cTn>
                                         <p:tgtEl>
-                                          <p:spTgt spid="256"/>
+                                          <p:spTgt spid="260"/>
                                         </p:tgtEl>
                                         <p:attrNameLst>
                                           <p:attrName>style.visibility</p:attrName>
@@ -26531,7 +26658,7 @@
                                           </p:stCondLst>
                                         </p:cTn>
                                         <p:tgtEl>
-                                          <p:spTgt spid="256"/>
+                                          <p:spTgt spid="260"/>
                                         </p:tgtEl>
                                         <p:attrNameLst>
                                           <p:attrName>style.visibility</p:attrName>
@@ -26550,24 +26677,24 @@
                         <p:par>
                           <p:cTn id="688" fill="hold">
                             <p:stCondLst>
-                              <p:cond delay="16800"/>
+                              <p:cond delay="17100"/>
                             </p:stCondLst>
                             <p:childTnLst>
                               <p:par>
-                                <p:cTn id="689" presetID="11" presetClass="entr" presetSubtype="0" fill="hold" grpId="0" nodeType="afterEffect">
+                                <p:cTn id="689" presetID="1" presetClass="entr" presetSubtype="0" fill="hold" nodeType="afterEffect">
                                   <p:stCondLst>
                                     <p:cond delay="0"/>
                                   </p:stCondLst>
                                   <p:childTnLst>
                                     <p:set>
                                       <p:cBhvr>
-                                        <p:cTn id="690" dur="75">
+                                        <p:cTn id="690" dur="1" fill="hold">
                                           <p:stCondLst>
                                             <p:cond delay="0"/>
                                           </p:stCondLst>
                                         </p:cTn>
                                         <p:tgtEl>
-                                          <p:spTgt spid="257"/>
+                                          <p:spTgt spid="276"/>
                                         </p:tgtEl>
                                         <p:attrNameLst>
                                           <p:attrName>style.visibility</p:attrName>
@@ -26578,28 +26705,6 @@
                                       </p:to>
                                     </p:set>
                                   </p:childTnLst>
-                                  <p:subTnLst>
-                                    <p:set>
-                                      <p:cBhvr override="childStyle">
-                                        <p:cTn dur="1" fill="hold" display="0" masterRel="sameClick" afterEffect="1">
-                                          <p:stCondLst>
-                                            <p:cond evt="end" delay="0">
-                                              <p:tn val="689"/>
-                                            </p:cond>
-                                          </p:stCondLst>
-                                        </p:cTn>
-                                        <p:tgtEl>
-                                          <p:spTgt spid="257"/>
-                                        </p:tgtEl>
-                                        <p:attrNameLst>
-                                          <p:attrName>style.visibility</p:attrName>
-                                        </p:attrNameLst>
-                                      </p:cBhvr>
-                                      <p:to>
-                                        <p:strVal val="hidden"/>
-                                      </p:to>
-                                    </p:set>
-                                  </p:subTnLst>
                                 </p:cTn>
                               </p:par>
                             </p:childTnLst>
@@ -26608,24 +26713,24 @@
                         <p:par>
                           <p:cTn id="691" fill="hold">
                             <p:stCondLst>
-                              <p:cond delay="16875"/>
+                              <p:cond delay="17100"/>
                             </p:stCondLst>
                             <p:childTnLst>
                               <p:par>
-                                <p:cTn id="692" presetID="11" presetClass="entr" presetSubtype="0" fill="hold" grpId="0" nodeType="afterEffect">
+                                <p:cTn id="692" presetID="1" presetClass="entr" presetSubtype="0" fill="hold" nodeType="afterEffect">
                                   <p:stCondLst>
                                     <p:cond delay="0"/>
                                   </p:stCondLst>
                                   <p:childTnLst>
                                     <p:set>
                                       <p:cBhvr>
-                                        <p:cTn id="693" dur="75">
+                                        <p:cTn id="693" dur="1" fill="hold">
                                           <p:stCondLst>
                                             <p:cond delay="0"/>
                                           </p:stCondLst>
                                         </p:cTn>
                                         <p:tgtEl>
-                                          <p:spTgt spid="258"/>
+                                          <p:spTgt spid="277"/>
                                         </p:tgtEl>
                                         <p:attrNameLst>
                                           <p:attrName>style.visibility</p:attrName>
@@ -26636,28 +26741,6 @@
                                       </p:to>
                                     </p:set>
                                   </p:childTnLst>
-                                  <p:subTnLst>
-                                    <p:set>
-                                      <p:cBhvr override="childStyle">
-                                        <p:cTn dur="1" fill="hold" display="0" masterRel="sameClick" afterEffect="1">
-                                          <p:stCondLst>
-                                            <p:cond evt="end" delay="0">
-                                              <p:tn val="692"/>
-                                            </p:cond>
-                                          </p:stCondLst>
-                                        </p:cTn>
-                                        <p:tgtEl>
-                                          <p:spTgt spid="258"/>
-                                        </p:tgtEl>
-                                        <p:attrNameLst>
-                                          <p:attrName>style.visibility</p:attrName>
-                                        </p:attrNameLst>
-                                      </p:cBhvr>
-                                      <p:to>
-                                        <p:strVal val="hidden"/>
-                                      </p:to>
-                                    </p:set>
-                                  </p:subTnLst>
                                 </p:cTn>
                               </p:par>
                             </p:childTnLst>
@@ -26666,24 +26749,24 @@
                         <p:par>
                           <p:cTn id="694" fill="hold">
                             <p:stCondLst>
-                              <p:cond delay="16950"/>
+                              <p:cond delay="17100"/>
                             </p:stCondLst>
                             <p:childTnLst>
                               <p:par>
-                                <p:cTn id="695" presetID="11" presetClass="entr" presetSubtype="0" fill="hold" grpId="0" nodeType="afterEffect">
+                                <p:cTn id="695" presetID="1" presetClass="entr" presetSubtype="0" fill="hold" nodeType="afterEffect">
                                   <p:stCondLst>
                                     <p:cond delay="0"/>
                                   </p:stCondLst>
                                   <p:childTnLst>
                                     <p:set>
                                       <p:cBhvr>
-                                        <p:cTn id="696" dur="75">
+                                        <p:cTn id="696" dur="1" fill="hold">
                                           <p:stCondLst>
                                             <p:cond delay="0"/>
                                           </p:stCondLst>
                                         </p:cTn>
                                         <p:tgtEl>
-                                          <p:spTgt spid="259"/>
+                                          <p:spTgt spid="278"/>
                                         </p:tgtEl>
                                         <p:attrNameLst>
                                           <p:attrName>style.visibility</p:attrName>
@@ -26694,28 +26777,6 @@
                                       </p:to>
                                     </p:set>
                                   </p:childTnLst>
-                                  <p:subTnLst>
-                                    <p:set>
-                                      <p:cBhvr override="childStyle">
-                                        <p:cTn dur="1" fill="hold" display="0" masterRel="sameClick" afterEffect="1">
-                                          <p:stCondLst>
-                                            <p:cond evt="end" delay="0">
-                                              <p:tn val="695"/>
-                                            </p:cond>
-                                          </p:stCondLst>
-                                        </p:cTn>
-                                        <p:tgtEl>
-                                          <p:spTgt spid="259"/>
-                                        </p:tgtEl>
-                                        <p:attrNameLst>
-                                          <p:attrName>style.visibility</p:attrName>
-                                        </p:attrNameLst>
-                                      </p:cBhvr>
-                                      <p:to>
-                                        <p:strVal val="hidden"/>
-                                      </p:to>
-                                    </p:set>
-                                  </p:subTnLst>
                                 </p:cTn>
                               </p:par>
                             </p:childTnLst>
@@ -26724,24 +26785,24 @@
                         <p:par>
                           <p:cTn id="697" fill="hold">
                             <p:stCondLst>
-                              <p:cond delay="17025"/>
+                              <p:cond delay="17100"/>
                             </p:stCondLst>
                             <p:childTnLst>
                               <p:par>
-                                <p:cTn id="698" presetID="11" presetClass="entr" presetSubtype="0" fill="hold" grpId="0" nodeType="afterEffect">
+                                <p:cTn id="698" presetID="1" presetClass="entr" presetSubtype="0" fill="hold" nodeType="afterEffect">
                                   <p:stCondLst>
                                     <p:cond delay="0"/>
                                   </p:stCondLst>
                                   <p:childTnLst>
                                     <p:set>
                                       <p:cBhvr>
-                                        <p:cTn id="699" dur="75">
+                                        <p:cTn id="699" dur="1" fill="hold">
                                           <p:stCondLst>
                                             <p:cond delay="0"/>
                                           </p:stCondLst>
                                         </p:cTn>
                                         <p:tgtEl>
-                                          <p:spTgt spid="260"/>
+                                          <p:spTgt spid="275"/>
                                         </p:tgtEl>
                                         <p:attrNameLst>
                                           <p:attrName>style.visibility</p:attrName>
@@ -26752,28 +26813,6 @@
                                       </p:to>
                                     </p:set>
                                   </p:childTnLst>
-                                  <p:subTnLst>
-                                    <p:set>
-                                      <p:cBhvr override="childStyle">
-                                        <p:cTn dur="1" fill="hold" display="0" masterRel="sameClick" afterEffect="1">
-                                          <p:stCondLst>
-                                            <p:cond evt="end" delay="0">
-                                              <p:tn val="698"/>
-                                            </p:cond>
-                                          </p:stCondLst>
-                                        </p:cTn>
-                                        <p:tgtEl>
-                                          <p:spTgt spid="260"/>
-                                        </p:tgtEl>
-                                        <p:attrNameLst>
-                                          <p:attrName>style.visibility</p:attrName>
-                                        </p:attrNameLst>
-                                      </p:cBhvr>
-                                      <p:to>
-                                        <p:strVal val="hidden"/>
-                                      </p:to>
-                                    </p:set>
-                                  </p:subTnLst>
                                 </p:cTn>
                               </p:par>
                             </p:childTnLst>
@@ -26953,7 +26992,6 @@
       <p:bldP spid="181" grpId="0" animBg="1" autoUpdateAnimBg="0"/>
       <p:bldP spid="182" grpId="0" animBg="1" autoUpdateAnimBg="0"/>
       <p:bldP spid="183" grpId="0" animBg="1" autoUpdateAnimBg="0"/>
-      <p:bldP spid="184" grpId="0" animBg="1" autoUpdateAnimBg="0"/>
       <p:bldP spid="185" grpId="0" animBg="1" autoUpdateAnimBg="0"/>
       <p:bldP spid="186" grpId="0" animBg="1" autoUpdateAnimBg="0"/>
       <p:bldP spid="187" grpId="0" animBg="1" autoUpdateAnimBg="0"/>
@@ -27981,7 +28019,9 @@
         </p:grpSpPr>
         <p:sp>
           <p:nvSpPr>
-            <p:cNvPr id="28" name="Retângulo 27"/>
+            <p:cNvPr id="28" name="Retângulo 27">
+              <a:hlinkClick r:id="rId3" action="ppaction://hlinksldjump"/>
+            </p:cNvPr>
             <p:cNvSpPr/>
             <p:nvPr/>
           </p:nvSpPr>
@@ -29092,38 +29132,3245 @@
           <a:chExt cx="0" cy="0"/>
         </a:xfrm>
       </p:grpSpPr>
-      <p:pic>
-        <p:nvPicPr>
-          <p:cNvPr id="2" name="Título 1"/>
-          <p:cNvPicPr>
-            <a:picLocks noChangeArrowheads="1"/>
-          </p:cNvPicPr>
+      <p:sp>
+        <p:nvSpPr>
+          <p:cNvPr id="78" name="Retângulo 77"/>
+          <p:cNvSpPr/>
           <p:nvPr/>
-        </p:nvPicPr>
-        <p:blipFill>
-          <a:blip r:embed="rId2"/>
-          <a:srcRect/>
-          <a:stretch>
-            <a:fillRect/>
-          </a:stretch>
-        </p:blipFill>
-        <p:spPr bwMode="auto">
+        </p:nvSpPr>
+        <p:spPr>
           <a:xfrm>
-            <a:off x="838200" y="188913"/>
-            <a:ext cx="7783513" cy="1639887"/>
+            <a:off x="500034" y="1785926"/>
+            <a:ext cx="714380" cy="1143008"/>
           </a:xfrm>
           <a:prstGeom prst="rect">
             <a:avLst/>
           </a:prstGeom>
-          <a:noFill/>
-          <a:ln w="9525">
-            <a:noFill/>
-            <a:miter lim="800000"/>
-            <a:headEnd/>
-            <a:tailEnd/>
+          <a:ln/>
+        </p:spPr>
+        <p:style>
+          <a:lnRef idx="1">
+            <a:schemeClr val="dk1"/>
+          </a:lnRef>
+          <a:fillRef idx="2">
+            <a:schemeClr val="dk1"/>
+          </a:fillRef>
+          <a:effectRef idx="1">
+            <a:schemeClr val="dk1"/>
+          </a:effectRef>
+          <a:fontRef idx="minor">
+            <a:schemeClr val="dk1"/>
+          </a:fontRef>
+        </p:style>
+        <p:txBody>
+          <a:bodyPr rtlCol="0" anchor="ctr"/>
+          <a:lstStyle/>
+          <a:p>
+            <a:pPr algn="ctr"/>
+            <a:r>
+              <a:rPr lang="pt-BR" sz="1400" u="none" dirty="0" smtClean="0">
+                <a:solidFill>
+                  <a:schemeClr val="bg1"/>
+                </a:solidFill>
+              </a:rPr>
+              <a:t>Frame 1</a:t>
+            </a:r>
+            <a:endParaRPr lang="pt-BR" sz="1400" u="none" dirty="0">
+              <a:solidFill>
+                <a:schemeClr val="bg1"/>
+              </a:solidFill>
+            </a:endParaRPr>
+          </a:p>
+        </p:txBody>
+      </p:sp>
+      <p:sp>
+        <p:nvSpPr>
+          <p:cNvPr id="79" name="Retângulo 78"/>
+          <p:cNvSpPr/>
+          <p:nvPr/>
+        </p:nvSpPr>
+        <p:spPr>
+          <a:xfrm>
+            <a:off x="1214414" y="1785926"/>
+            <a:ext cx="714380" cy="1143008"/>
+          </a:xfrm>
+          <a:prstGeom prst="rect">
+            <a:avLst/>
+          </a:prstGeom>
+          <a:ln/>
+        </p:spPr>
+        <p:style>
+          <a:lnRef idx="1">
+            <a:schemeClr val="dk1"/>
+          </a:lnRef>
+          <a:fillRef idx="2">
+            <a:schemeClr val="dk1"/>
+          </a:fillRef>
+          <a:effectRef idx="1">
+            <a:schemeClr val="dk1"/>
+          </a:effectRef>
+          <a:fontRef idx="minor">
+            <a:schemeClr val="dk1"/>
+          </a:fontRef>
+        </p:style>
+        <p:txBody>
+          <a:bodyPr rtlCol="0" anchor="ctr"/>
+          <a:lstStyle/>
+          <a:p>
+            <a:pPr algn="ctr"/>
+            <a:r>
+              <a:rPr lang="pt-BR" sz="1400" u="none" dirty="0" smtClean="0">
+                <a:solidFill>
+                  <a:schemeClr val="bg1"/>
+                </a:solidFill>
+              </a:rPr>
+              <a:t>Frame 2</a:t>
+            </a:r>
+            <a:endParaRPr lang="pt-BR" sz="1400" u="none" dirty="0">
+              <a:solidFill>
+                <a:schemeClr val="bg1"/>
+              </a:solidFill>
+            </a:endParaRPr>
+          </a:p>
+        </p:txBody>
+      </p:sp>
+      <p:sp>
+        <p:nvSpPr>
+          <p:cNvPr id="80" name="Retângulo 79"/>
+          <p:cNvSpPr/>
+          <p:nvPr/>
+        </p:nvSpPr>
+        <p:spPr>
+          <a:xfrm>
+            <a:off x="1928794" y="1785926"/>
+            <a:ext cx="714380" cy="1143008"/>
+          </a:xfrm>
+          <a:prstGeom prst="rect">
+            <a:avLst/>
+          </a:prstGeom>
+          <a:ln/>
+        </p:spPr>
+        <p:style>
+          <a:lnRef idx="1">
+            <a:schemeClr val="dk1"/>
+          </a:lnRef>
+          <a:fillRef idx="2">
+            <a:schemeClr val="dk1"/>
+          </a:fillRef>
+          <a:effectRef idx="1">
+            <a:schemeClr val="dk1"/>
+          </a:effectRef>
+          <a:fontRef idx="minor">
+            <a:schemeClr val="dk1"/>
+          </a:fontRef>
+        </p:style>
+        <p:txBody>
+          <a:bodyPr rtlCol="0" anchor="ctr"/>
+          <a:lstStyle/>
+          <a:p>
+            <a:pPr algn="ctr"/>
+            <a:r>
+              <a:rPr lang="pt-BR" sz="1400" u="none" dirty="0" smtClean="0">
+                <a:solidFill>
+                  <a:schemeClr val="bg1"/>
+                </a:solidFill>
+              </a:rPr>
+              <a:t>Frame 3</a:t>
+            </a:r>
+            <a:endParaRPr lang="pt-BR" sz="1400" u="none" dirty="0">
+              <a:solidFill>
+                <a:schemeClr val="bg1"/>
+              </a:solidFill>
+            </a:endParaRPr>
+          </a:p>
+        </p:txBody>
+      </p:sp>
+      <p:sp>
+        <p:nvSpPr>
+          <p:cNvPr id="81" name="Retângulo 80"/>
+          <p:cNvSpPr/>
+          <p:nvPr/>
+        </p:nvSpPr>
+        <p:spPr>
+          <a:xfrm>
+            <a:off x="2643174" y="1785926"/>
+            <a:ext cx="714380" cy="1143008"/>
+          </a:xfrm>
+          <a:prstGeom prst="rect">
+            <a:avLst/>
+          </a:prstGeom>
+          <a:ln/>
+        </p:spPr>
+        <p:style>
+          <a:lnRef idx="1">
+            <a:schemeClr val="dk1"/>
+          </a:lnRef>
+          <a:fillRef idx="2">
+            <a:schemeClr val="dk1"/>
+          </a:fillRef>
+          <a:effectRef idx="1">
+            <a:schemeClr val="dk1"/>
+          </a:effectRef>
+          <a:fontRef idx="minor">
+            <a:schemeClr val="dk1"/>
+          </a:fontRef>
+        </p:style>
+        <p:txBody>
+          <a:bodyPr rtlCol="0" anchor="ctr"/>
+          <a:lstStyle/>
+          <a:p>
+            <a:pPr algn="ctr"/>
+            <a:r>
+              <a:rPr lang="pt-BR" sz="1400" u="none" dirty="0" smtClean="0">
+                <a:solidFill>
+                  <a:schemeClr val="bg1"/>
+                </a:solidFill>
+              </a:rPr>
+              <a:t>Frame 4</a:t>
+            </a:r>
+            <a:endParaRPr lang="pt-BR" sz="1400" u="none" dirty="0">
+              <a:solidFill>
+                <a:schemeClr val="bg1"/>
+              </a:solidFill>
+            </a:endParaRPr>
+          </a:p>
+        </p:txBody>
+      </p:sp>
+      <p:sp>
+        <p:nvSpPr>
+          <p:cNvPr id="82" name="Retângulo 81"/>
+          <p:cNvSpPr/>
+          <p:nvPr/>
+        </p:nvSpPr>
+        <p:spPr>
+          <a:xfrm>
+            <a:off x="3357554" y="1785926"/>
+            <a:ext cx="714380" cy="1143008"/>
+          </a:xfrm>
+          <a:prstGeom prst="rect">
+            <a:avLst/>
+          </a:prstGeom>
+          <a:ln/>
+        </p:spPr>
+        <p:style>
+          <a:lnRef idx="1">
+            <a:schemeClr val="dk1"/>
+          </a:lnRef>
+          <a:fillRef idx="2">
+            <a:schemeClr val="dk1"/>
+          </a:fillRef>
+          <a:effectRef idx="1">
+            <a:schemeClr val="dk1"/>
+          </a:effectRef>
+          <a:fontRef idx="minor">
+            <a:schemeClr val="dk1"/>
+          </a:fontRef>
+        </p:style>
+        <p:txBody>
+          <a:bodyPr rtlCol="0" anchor="ctr"/>
+          <a:lstStyle/>
+          <a:p>
+            <a:pPr algn="ctr"/>
+            <a:r>
+              <a:rPr lang="pt-BR" sz="1400" u="none" dirty="0" smtClean="0">
+                <a:solidFill>
+                  <a:schemeClr val="bg1"/>
+                </a:solidFill>
+              </a:rPr>
+              <a:t>Frame 5</a:t>
+            </a:r>
+            <a:endParaRPr lang="pt-BR" sz="1400" u="none" dirty="0">
+              <a:solidFill>
+                <a:schemeClr val="bg1"/>
+              </a:solidFill>
+            </a:endParaRPr>
+          </a:p>
+        </p:txBody>
+      </p:sp>
+      <p:sp>
+        <p:nvSpPr>
+          <p:cNvPr id="83" name="Retângulo 82"/>
+          <p:cNvSpPr/>
+          <p:nvPr/>
+        </p:nvSpPr>
+        <p:spPr>
+          <a:xfrm>
+            <a:off x="4071934" y="1785926"/>
+            <a:ext cx="714380" cy="1143008"/>
+          </a:xfrm>
+          <a:prstGeom prst="rect">
+            <a:avLst/>
+          </a:prstGeom>
+          <a:ln/>
+        </p:spPr>
+        <p:style>
+          <a:lnRef idx="1">
+            <a:schemeClr val="dk1"/>
+          </a:lnRef>
+          <a:fillRef idx="2">
+            <a:schemeClr val="dk1"/>
+          </a:fillRef>
+          <a:effectRef idx="1">
+            <a:schemeClr val="dk1"/>
+          </a:effectRef>
+          <a:fontRef idx="minor">
+            <a:schemeClr val="dk1"/>
+          </a:fontRef>
+        </p:style>
+        <p:txBody>
+          <a:bodyPr rtlCol="0" anchor="ctr"/>
+          <a:lstStyle/>
+          <a:p>
+            <a:pPr algn="ctr"/>
+            <a:r>
+              <a:rPr lang="pt-BR" sz="1400" u="none" dirty="0" smtClean="0">
+                <a:solidFill>
+                  <a:schemeClr val="bg1"/>
+                </a:solidFill>
+              </a:rPr>
+              <a:t>Frame 6</a:t>
+            </a:r>
+            <a:endParaRPr lang="pt-BR" sz="1400" u="none" dirty="0">
+              <a:solidFill>
+                <a:schemeClr val="bg1"/>
+              </a:solidFill>
+            </a:endParaRPr>
+          </a:p>
+        </p:txBody>
+      </p:sp>
+      <p:sp>
+        <p:nvSpPr>
+          <p:cNvPr id="84" name="Retângulo 83"/>
+          <p:cNvSpPr/>
+          <p:nvPr/>
+        </p:nvSpPr>
+        <p:spPr>
+          <a:xfrm>
+            <a:off x="4786314" y="1785926"/>
+            <a:ext cx="714380" cy="1143008"/>
+          </a:xfrm>
+          <a:prstGeom prst="rect">
+            <a:avLst/>
+          </a:prstGeom>
+          <a:ln/>
+        </p:spPr>
+        <p:style>
+          <a:lnRef idx="1">
+            <a:schemeClr val="dk1"/>
+          </a:lnRef>
+          <a:fillRef idx="2">
+            <a:schemeClr val="dk1"/>
+          </a:fillRef>
+          <a:effectRef idx="1">
+            <a:schemeClr val="dk1"/>
+          </a:effectRef>
+          <a:fontRef idx="minor">
+            <a:schemeClr val="dk1"/>
+          </a:fontRef>
+        </p:style>
+        <p:txBody>
+          <a:bodyPr rtlCol="0" anchor="ctr"/>
+          <a:lstStyle/>
+          <a:p>
+            <a:pPr algn="ctr"/>
+            <a:r>
+              <a:rPr lang="pt-BR" sz="1400" u="none" dirty="0" smtClean="0">
+                <a:solidFill>
+                  <a:schemeClr val="bg1"/>
+                </a:solidFill>
+              </a:rPr>
+              <a:t>Frame 7</a:t>
+            </a:r>
+            <a:endParaRPr lang="pt-BR" sz="1400" u="none" dirty="0">
+              <a:solidFill>
+                <a:schemeClr val="bg1"/>
+              </a:solidFill>
+            </a:endParaRPr>
+          </a:p>
+        </p:txBody>
+      </p:sp>
+      <p:sp>
+        <p:nvSpPr>
+          <p:cNvPr id="85" name="Retângulo 84"/>
+          <p:cNvSpPr/>
+          <p:nvPr/>
+        </p:nvSpPr>
+        <p:spPr>
+          <a:xfrm>
+            <a:off x="5500694" y="1785926"/>
+            <a:ext cx="714380" cy="1143008"/>
+          </a:xfrm>
+          <a:prstGeom prst="rect">
+            <a:avLst/>
+          </a:prstGeom>
+          <a:ln/>
+        </p:spPr>
+        <p:style>
+          <a:lnRef idx="1">
+            <a:schemeClr val="dk1"/>
+          </a:lnRef>
+          <a:fillRef idx="2">
+            <a:schemeClr val="dk1"/>
+          </a:fillRef>
+          <a:effectRef idx="1">
+            <a:schemeClr val="dk1"/>
+          </a:effectRef>
+          <a:fontRef idx="minor">
+            <a:schemeClr val="dk1"/>
+          </a:fontRef>
+        </p:style>
+        <p:txBody>
+          <a:bodyPr rtlCol="0" anchor="ctr"/>
+          <a:lstStyle/>
+          <a:p>
+            <a:pPr algn="ctr"/>
+            <a:r>
+              <a:rPr lang="pt-BR" sz="1400" u="none" dirty="0" smtClean="0">
+                <a:solidFill>
+                  <a:schemeClr val="bg1"/>
+                </a:solidFill>
+              </a:rPr>
+              <a:t>Frame 8</a:t>
+            </a:r>
+            <a:endParaRPr lang="pt-BR" sz="1400" u="none" dirty="0">
+              <a:solidFill>
+                <a:schemeClr val="bg1"/>
+              </a:solidFill>
+            </a:endParaRPr>
+          </a:p>
+        </p:txBody>
+      </p:sp>
+      <p:sp>
+        <p:nvSpPr>
+          <p:cNvPr id="86" name="Retângulo 85"/>
+          <p:cNvSpPr/>
+          <p:nvPr/>
+        </p:nvSpPr>
+        <p:spPr>
+          <a:xfrm>
+            <a:off x="6215074" y="1785926"/>
+            <a:ext cx="714380" cy="1143008"/>
+          </a:xfrm>
+          <a:prstGeom prst="rect">
+            <a:avLst/>
+          </a:prstGeom>
+          <a:ln/>
+        </p:spPr>
+        <p:style>
+          <a:lnRef idx="1">
+            <a:schemeClr val="dk1"/>
+          </a:lnRef>
+          <a:fillRef idx="2">
+            <a:schemeClr val="dk1"/>
+          </a:fillRef>
+          <a:effectRef idx="1">
+            <a:schemeClr val="dk1"/>
+          </a:effectRef>
+          <a:fontRef idx="minor">
+            <a:schemeClr val="dk1"/>
+          </a:fontRef>
+        </p:style>
+        <p:txBody>
+          <a:bodyPr rtlCol="0" anchor="ctr"/>
+          <a:lstStyle/>
+          <a:p>
+            <a:pPr algn="ctr"/>
+            <a:r>
+              <a:rPr lang="pt-BR" sz="1400" u="none" dirty="0" smtClean="0">
+                <a:solidFill>
+                  <a:schemeClr val="bg1"/>
+                </a:solidFill>
+              </a:rPr>
+              <a:t>Frame 9</a:t>
+            </a:r>
+            <a:endParaRPr lang="pt-BR" sz="1400" u="none" dirty="0">
+              <a:solidFill>
+                <a:schemeClr val="bg1"/>
+              </a:solidFill>
+            </a:endParaRPr>
+          </a:p>
+        </p:txBody>
+      </p:sp>
+      <p:sp>
+        <p:nvSpPr>
+          <p:cNvPr id="87" name="Retângulo 86"/>
+          <p:cNvSpPr/>
+          <p:nvPr/>
+        </p:nvSpPr>
+        <p:spPr>
+          <a:xfrm>
+            <a:off x="6929454" y="1785926"/>
+            <a:ext cx="714380" cy="1143008"/>
+          </a:xfrm>
+          <a:prstGeom prst="rect">
+            <a:avLst/>
+          </a:prstGeom>
+          <a:ln/>
+        </p:spPr>
+        <p:style>
+          <a:lnRef idx="1">
+            <a:schemeClr val="dk1"/>
+          </a:lnRef>
+          <a:fillRef idx="2">
+            <a:schemeClr val="dk1"/>
+          </a:fillRef>
+          <a:effectRef idx="1">
+            <a:schemeClr val="dk1"/>
+          </a:effectRef>
+          <a:fontRef idx="minor">
+            <a:schemeClr val="dk1"/>
+          </a:fontRef>
+        </p:style>
+        <p:txBody>
+          <a:bodyPr rtlCol="0" anchor="ctr"/>
+          <a:lstStyle/>
+          <a:p>
+            <a:pPr algn="ctr"/>
+            <a:r>
+              <a:rPr lang="pt-BR" sz="1400" u="none" dirty="0" smtClean="0">
+                <a:solidFill>
+                  <a:schemeClr val="bg1"/>
+                </a:solidFill>
+              </a:rPr>
+              <a:t>Frame 10</a:t>
+            </a:r>
+            <a:endParaRPr lang="pt-BR" sz="1400" u="none" dirty="0">
+              <a:solidFill>
+                <a:schemeClr val="bg1"/>
+              </a:solidFill>
+            </a:endParaRPr>
+          </a:p>
+        </p:txBody>
+      </p:sp>
+      <p:sp>
+        <p:nvSpPr>
+          <p:cNvPr id="88" name="Retângulo 87"/>
+          <p:cNvSpPr/>
+          <p:nvPr/>
+        </p:nvSpPr>
+        <p:spPr>
+          <a:xfrm>
+            <a:off x="7643834" y="1785926"/>
+            <a:ext cx="714380" cy="1143008"/>
+          </a:xfrm>
+          <a:prstGeom prst="rect">
+            <a:avLst/>
+          </a:prstGeom>
+          <a:ln/>
+        </p:spPr>
+        <p:style>
+          <a:lnRef idx="1">
+            <a:schemeClr val="dk1"/>
+          </a:lnRef>
+          <a:fillRef idx="2">
+            <a:schemeClr val="dk1"/>
+          </a:fillRef>
+          <a:effectRef idx="1">
+            <a:schemeClr val="dk1"/>
+          </a:effectRef>
+          <a:fontRef idx="minor">
+            <a:schemeClr val="dk1"/>
+          </a:fontRef>
+        </p:style>
+        <p:txBody>
+          <a:bodyPr rtlCol="0" anchor="ctr"/>
+          <a:lstStyle/>
+          <a:p>
+            <a:pPr algn="ctr"/>
+            <a:r>
+              <a:rPr lang="pt-BR" sz="1400" u="none" dirty="0" smtClean="0">
+                <a:solidFill>
+                  <a:schemeClr val="bg1"/>
+                </a:solidFill>
+              </a:rPr>
+              <a:t>Frame 11</a:t>
+            </a:r>
+            <a:endParaRPr lang="pt-BR" sz="1400" u="none" dirty="0">
+              <a:solidFill>
+                <a:schemeClr val="bg1"/>
+              </a:solidFill>
+            </a:endParaRPr>
+          </a:p>
+        </p:txBody>
+      </p:sp>
+      <p:sp>
+        <p:nvSpPr>
+          <p:cNvPr id="89" name="Retângulo 88"/>
+          <p:cNvSpPr/>
+          <p:nvPr/>
+        </p:nvSpPr>
+        <p:spPr>
+          <a:xfrm>
+            <a:off x="8358214" y="1785926"/>
+            <a:ext cx="714380" cy="1143008"/>
+          </a:xfrm>
+          <a:prstGeom prst="rect">
+            <a:avLst/>
+          </a:prstGeom>
+          <a:ln/>
+        </p:spPr>
+        <p:style>
+          <a:lnRef idx="1">
+            <a:schemeClr val="dk1"/>
+          </a:lnRef>
+          <a:fillRef idx="2">
+            <a:schemeClr val="dk1"/>
+          </a:fillRef>
+          <a:effectRef idx="1">
+            <a:schemeClr val="dk1"/>
+          </a:effectRef>
+          <a:fontRef idx="minor">
+            <a:schemeClr val="dk1"/>
+          </a:fontRef>
+        </p:style>
+        <p:txBody>
+          <a:bodyPr rtlCol="0" anchor="ctr"/>
+          <a:lstStyle/>
+          <a:p>
+            <a:pPr algn="ctr"/>
+            <a:r>
+              <a:rPr lang="pt-BR" sz="1400" u="none" dirty="0" smtClean="0">
+                <a:solidFill>
+                  <a:schemeClr val="bg1"/>
+                </a:solidFill>
+              </a:rPr>
+              <a:t>Frame 12</a:t>
+            </a:r>
+            <a:endParaRPr lang="pt-BR" sz="1400" u="none" dirty="0">
+              <a:solidFill>
+                <a:schemeClr val="bg1"/>
+              </a:solidFill>
+            </a:endParaRPr>
+          </a:p>
+        </p:txBody>
+      </p:sp>
+      <p:sp>
+        <p:nvSpPr>
+          <p:cNvPr id="5" name="Título 1"/>
+          <p:cNvSpPr txBox="1">
+            <a:spLocks/>
+          </p:cNvSpPr>
+          <p:nvPr/>
+        </p:nvSpPr>
+        <p:spPr>
+          <a:xfrm>
+            <a:off x="857224" y="214290"/>
+            <a:ext cx="7772400" cy="914400"/>
+          </a:xfrm>
+          <a:prstGeom prst="rect">
+            <a:avLst/>
+          </a:prstGeom>
+        </p:spPr>
+        <p:txBody>
+          <a:bodyPr/>
+          <a:lstStyle/>
+          <a:p>
+            <a:pPr marL="0" marR="0" lvl="0" indent="0" algn="ctr" defTabSz="914400" rtl="0" eaLnBrk="1" fontAlgn="auto" latinLnBrk="0" hangingPunct="1">
+              <a:lnSpc>
+                <a:spcPct val="100000"/>
+              </a:lnSpc>
+              <a:spcBef>
+                <a:spcPct val="0"/>
+              </a:spcBef>
+              <a:spcAft>
+                <a:spcPts val="0"/>
+              </a:spcAft>
+              <a:buClrTx/>
+              <a:buSzTx/>
+              <a:buFontTx/>
+              <a:buNone/>
+              <a:tabLst/>
+              <a:defRPr/>
+            </a:pPr>
+            <a:r>
+              <a:rPr kumimoji="0" lang="pt-BR" sz="6000" b="1" i="0" u="none" strike="noStrike" kern="1200" cap="all" spc="0" normalizeH="0" baseline="0" noProof="0" dirty="0" smtClean="0">
+                <a:ln>
+                  <a:noFill/>
+                </a:ln>
+                <a:solidFill>
+                  <a:schemeClr val="tx2">
+                    <a:satMod val="200000"/>
+                  </a:schemeClr>
+                </a:solidFill>
+                <a:effectLst>
+                  <a:reflection blurRad="12700" stA="34000" endA="740" endPos="53000" dir="5400000" sy="-100000" algn="bl" rotWithShape="0"/>
+                </a:effectLst>
+                <a:uLnTx/>
+                <a:uFillTx/>
+                <a:latin typeface="Tahoma" pitchFamily="34" charset="0"/>
+                <a:ea typeface="+mj-ea"/>
+                <a:cs typeface="Tahoma" pitchFamily="34" charset="0"/>
+              </a:rPr>
+              <a:t>Ritmo Visual</a:t>
+            </a:r>
+          </a:p>
+        </p:txBody>
+      </p:sp>
+      <p:sp>
+        <p:nvSpPr>
+          <p:cNvPr id="6" name="Seta em curva para baixo 5">
+            <a:hlinkClick r:id="rId2" action="ppaction://hlinksldjump"/>
+          </p:cNvPr>
+          <p:cNvSpPr/>
+          <p:nvPr/>
+        </p:nvSpPr>
+        <p:spPr>
+          <a:xfrm flipH="1">
+            <a:off x="714348" y="6143644"/>
+            <a:ext cx="714380" cy="500066"/>
+          </a:xfrm>
+          <a:prstGeom prst="curvedDownArrow">
+            <a:avLst/>
+          </a:prstGeom>
+          <a:solidFill>
+            <a:schemeClr val="tx2"/>
+          </a:solidFill>
+          <a:ln>
+            <a:solidFill>
+              <a:schemeClr val="tx2"/>
+            </a:solidFill>
           </a:ln>
         </p:spPr>
-      </p:pic>
+        <p:style>
+          <a:lnRef idx="2">
+            <a:schemeClr val="accent1">
+              <a:shade val="50000"/>
+            </a:schemeClr>
+          </a:lnRef>
+          <a:fillRef idx="1">
+            <a:schemeClr val="accent1"/>
+          </a:fillRef>
+          <a:effectRef idx="0">
+            <a:schemeClr val="accent1"/>
+          </a:effectRef>
+          <a:fontRef idx="minor">
+            <a:schemeClr val="lt1"/>
+          </a:fontRef>
+        </p:style>
+        <p:txBody>
+          <a:bodyPr rtlCol="0" anchor="ctr"/>
+          <a:lstStyle/>
+          <a:p>
+            <a:pPr algn="ctr"/>
+            <a:endParaRPr lang="pt-BR">
+              <a:solidFill>
+                <a:schemeClr val="tx1"/>
+              </a:solidFill>
+            </a:endParaRPr>
+          </a:p>
+        </p:txBody>
+      </p:sp>
+      <p:sp>
+        <p:nvSpPr>
+          <p:cNvPr id="90" name="Retângulo 89"/>
+          <p:cNvSpPr/>
+          <p:nvPr/>
+        </p:nvSpPr>
+        <p:spPr>
+          <a:xfrm>
+            <a:off x="2428860" y="3286124"/>
+            <a:ext cx="428628" cy="3357586"/>
+          </a:xfrm>
+          <a:prstGeom prst="rect">
+            <a:avLst/>
+          </a:prstGeom>
+          <a:ln>
+            <a:solidFill>
+              <a:schemeClr val="tx1"/>
+            </a:solidFill>
+          </a:ln>
+        </p:spPr>
+        <p:style>
+          <a:lnRef idx="2">
+            <a:schemeClr val="accent1">
+              <a:shade val="50000"/>
+            </a:schemeClr>
+          </a:lnRef>
+          <a:fillRef idx="1003">
+            <a:schemeClr val="lt1"/>
+          </a:fillRef>
+          <a:effectRef idx="0">
+            <a:schemeClr val="accent1"/>
+          </a:effectRef>
+          <a:fontRef idx="minor">
+            <a:schemeClr val="lt1"/>
+          </a:fontRef>
+        </p:style>
+        <p:txBody>
+          <a:bodyPr vert="vert270" rtlCol="0" anchor="ctr"/>
+          <a:lstStyle/>
+          <a:p>
+            <a:pPr algn="ctr"/>
+            <a:r>
+              <a:rPr lang="pt-BR" u="none" dirty="0" smtClean="0">
+                <a:solidFill>
+                  <a:schemeClr val="bg1"/>
+                </a:solidFill>
+              </a:rPr>
+              <a:t>Coluna 1</a:t>
+            </a:r>
+            <a:endParaRPr lang="pt-BR" u="none" dirty="0">
+              <a:solidFill>
+                <a:schemeClr val="bg1"/>
+              </a:solidFill>
+            </a:endParaRPr>
+          </a:p>
+        </p:txBody>
+      </p:sp>
+      <p:sp>
+        <p:nvSpPr>
+          <p:cNvPr id="91" name="Retângulo 90"/>
+          <p:cNvSpPr/>
+          <p:nvPr/>
+        </p:nvSpPr>
+        <p:spPr>
+          <a:xfrm>
+            <a:off x="2857488" y="3286124"/>
+            <a:ext cx="428628" cy="3357586"/>
+          </a:xfrm>
+          <a:prstGeom prst="rect">
+            <a:avLst/>
+          </a:prstGeom>
+          <a:ln>
+            <a:solidFill>
+              <a:schemeClr val="tx1"/>
+            </a:solidFill>
+          </a:ln>
+        </p:spPr>
+        <p:style>
+          <a:lnRef idx="2">
+            <a:schemeClr val="accent1">
+              <a:shade val="50000"/>
+            </a:schemeClr>
+          </a:lnRef>
+          <a:fillRef idx="1003">
+            <a:schemeClr val="lt1"/>
+          </a:fillRef>
+          <a:effectRef idx="0">
+            <a:schemeClr val="accent1"/>
+          </a:effectRef>
+          <a:fontRef idx="minor">
+            <a:schemeClr val="lt1"/>
+          </a:fontRef>
+        </p:style>
+        <p:txBody>
+          <a:bodyPr vert="vert270" rtlCol="0" anchor="ctr"/>
+          <a:lstStyle/>
+          <a:p>
+            <a:pPr algn="ctr"/>
+            <a:r>
+              <a:rPr lang="pt-BR" u="none" dirty="0" smtClean="0">
+                <a:solidFill>
+                  <a:schemeClr val="bg1"/>
+                </a:solidFill>
+              </a:rPr>
+              <a:t>Coluna 2</a:t>
+            </a:r>
+            <a:endParaRPr lang="pt-BR" u="none" dirty="0">
+              <a:solidFill>
+                <a:schemeClr val="bg1"/>
+              </a:solidFill>
+            </a:endParaRPr>
+          </a:p>
+        </p:txBody>
+      </p:sp>
+      <p:sp>
+        <p:nvSpPr>
+          <p:cNvPr id="92" name="Retângulo 91"/>
+          <p:cNvSpPr/>
+          <p:nvPr/>
+        </p:nvSpPr>
+        <p:spPr>
+          <a:xfrm>
+            <a:off x="3286116" y="3286124"/>
+            <a:ext cx="428628" cy="3357586"/>
+          </a:xfrm>
+          <a:prstGeom prst="rect">
+            <a:avLst/>
+          </a:prstGeom>
+          <a:ln>
+            <a:solidFill>
+              <a:schemeClr val="tx1"/>
+            </a:solidFill>
+          </a:ln>
+        </p:spPr>
+        <p:style>
+          <a:lnRef idx="2">
+            <a:schemeClr val="accent1">
+              <a:shade val="50000"/>
+            </a:schemeClr>
+          </a:lnRef>
+          <a:fillRef idx="1003">
+            <a:schemeClr val="lt1"/>
+          </a:fillRef>
+          <a:effectRef idx="0">
+            <a:schemeClr val="accent1"/>
+          </a:effectRef>
+          <a:fontRef idx="minor">
+            <a:schemeClr val="lt1"/>
+          </a:fontRef>
+        </p:style>
+        <p:txBody>
+          <a:bodyPr vert="vert270" rtlCol="0" anchor="ctr"/>
+          <a:lstStyle/>
+          <a:p>
+            <a:pPr algn="ctr"/>
+            <a:r>
+              <a:rPr lang="pt-BR" u="none" dirty="0" smtClean="0">
+                <a:solidFill>
+                  <a:schemeClr val="bg1"/>
+                </a:solidFill>
+              </a:rPr>
+              <a:t>Coluna 3</a:t>
+            </a:r>
+            <a:endParaRPr lang="pt-BR" u="none" dirty="0">
+              <a:solidFill>
+                <a:schemeClr val="bg1"/>
+              </a:solidFill>
+            </a:endParaRPr>
+          </a:p>
+        </p:txBody>
+      </p:sp>
+      <p:sp>
+        <p:nvSpPr>
+          <p:cNvPr id="93" name="Retângulo 92"/>
+          <p:cNvSpPr/>
+          <p:nvPr/>
+        </p:nvSpPr>
+        <p:spPr>
+          <a:xfrm>
+            <a:off x="3714744" y="3286124"/>
+            <a:ext cx="428628" cy="3357586"/>
+          </a:xfrm>
+          <a:prstGeom prst="rect">
+            <a:avLst/>
+          </a:prstGeom>
+          <a:ln>
+            <a:solidFill>
+              <a:schemeClr val="tx1"/>
+            </a:solidFill>
+          </a:ln>
+        </p:spPr>
+        <p:style>
+          <a:lnRef idx="2">
+            <a:schemeClr val="accent1">
+              <a:shade val="50000"/>
+            </a:schemeClr>
+          </a:lnRef>
+          <a:fillRef idx="1003">
+            <a:schemeClr val="lt1"/>
+          </a:fillRef>
+          <a:effectRef idx="0">
+            <a:schemeClr val="accent1"/>
+          </a:effectRef>
+          <a:fontRef idx="minor">
+            <a:schemeClr val="lt1"/>
+          </a:fontRef>
+        </p:style>
+        <p:txBody>
+          <a:bodyPr vert="vert270" rtlCol="0" anchor="ctr"/>
+          <a:lstStyle/>
+          <a:p>
+            <a:pPr algn="ctr"/>
+            <a:r>
+              <a:rPr lang="pt-BR" u="none" dirty="0" smtClean="0">
+                <a:solidFill>
+                  <a:schemeClr val="bg1"/>
+                </a:solidFill>
+              </a:rPr>
+              <a:t>Coluna 4</a:t>
+            </a:r>
+            <a:endParaRPr lang="pt-BR" u="none" dirty="0">
+              <a:solidFill>
+                <a:schemeClr val="bg1"/>
+              </a:solidFill>
+            </a:endParaRPr>
+          </a:p>
+        </p:txBody>
+      </p:sp>
+      <p:sp>
+        <p:nvSpPr>
+          <p:cNvPr id="94" name="Retângulo 93"/>
+          <p:cNvSpPr/>
+          <p:nvPr/>
+        </p:nvSpPr>
+        <p:spPr>
+          <a:xfrm>
+            <a:off x="4143372" y="3286124"/>
+            <a:ext cx="428628" cy="3357586"/>
+          </a:xfrm>
+          <a:prstGeom prst="rect">
+            <a:avLst/>
+          </a:prstGeom>
+          <a:ln>
+            <a:solidFill>
+              <a:schemeClr val="tx1"/>
+            </a:solidFill>
+          </a:ln>
+        </p:spPr>
+        <p:style>
+          <a:lnRef idx="2">
+            <a:schemeClr val="accent1">
+              <a:shade val="50000"/>
+            </a:schemeClr>
+          </a:lnRef>
+          <a:fillRef idx="1003">
+            <a:schemeClr val="lt1"/>
+          </a:fillRef>
+          <a:effectRef idx="0">
+            <a:schemeClr val="accent1"/>
+          </a:effectRef>
+          <a:fontRef idx="minor">
+            <a:schemeClr val="lt1"/>
+          </a:fontRef>
+        </p:style>
+        <p:txBody>
+          <a:bodyPr vert="vert270" rtlCol="0" anchor="ctr"/>
+          <a:lstStyle/>
+          <a:p>
+            <a:pPr algn="ctr"/>
+            <a:r>
+              <a:rPr lang="pt-BR" u="none" dirty="0" smtClean="0">
+                <a:solidFill>
+                  <a:schemeClr val="bg1"/>
+                </a:solidFill>
+              </a:rPr>
+              <a:t>Coluna 5</a:t>
+            </a:r>
+            <a:endParaRPr lang="pt-BR" u="none" dirty="0">
+              <a:solidFill>
+                <a:schemeClr val="bg1"/>
+              </a:solidFill>
+            </a:endParaRPr>
+          </a:p>
+        </p:txBody>
+      </p:sp>
+      <p:sp>
+        <p:nvSpPr>
+          <p:cNvPr id="95" name="Retângulo 94"/>
+          <p:cNvSpPr/>
+          <p:nvPr/>
+        </p:nvSpPr>
+        <p:spPr>
+          <a:xfrm>
+            <a:off x="4572000" y="3286124"/>
+            <a:ext cx="428628" cy="3357586"/>
+          </a:xfrm>
+          <a:prstGeom prst="rect">
+            <a:avLst/>
+          </a:prstGeom>
+          <a:ln>
+            <a:solidFill>
+              <a:schemeClr val="tx1"/>
+            </a:solidFill>
+          </a:ln>
+        </p:spPr>
+        <p:style>
+          <a:lnRef idx="2">
+            <a:schemeClr val="accent1">
+              <a:shade val="50000"/>
+            </a:schemeClr>
+          </a:lnRef>
+          <a:fillRef idx="1003">
+            <a:schemeClr val="lt1"/>
+          </a:fillRef>
+          <a:effectRef idx="0">
+            <a:schemeClr val="accent1"/>
+          </a:effectRef>
+          <a:fontRef idx="minor">
+            <a:schemeClr val="lt1"/>
+          </a:fontRef>
+        </p:style>
+        <p:txBody>
+          <a:bodyPr vert="vert270" rtlCol="0" anchor="ctr"/>
+          <a:lstStyle/>
+          <a:p>
+            <a:pPr algn="ctr"/>
+            <a:r>
+              <a:rPr lang="pt-BR" u="none" dirty="0" smtClean="0">
+                <a:solidFill>
+                  <a:schemeClr val="bg1"/>
+                </a:solidFill>
+              </a:rPr>
+              <a:t>Coluna 6</a:t>
+            </a:r>
+            <a:endParaRPr lang="pt-BR" u="none" dirty="0">
+              <a:solidFill>
+                <a:schemeClr val="bg1"/>
+              </a:solidFill>
+            </a:endParaRPr>
+          </a:p>
+        </p:txBody>
+      </p:sp>
+      <p:sp>
+        <p:nvSpPr>
+          <p:cNvPr id="96" name="Retângulo 95"/>
+          <p:cNvSpPr/>
+          <p:nvPr/>
+        </p:nvSpPr>
+        <p:spPr>
+          <a:xfrm>
+            <a:off x="5000628" y="3286124"/>
+            <a:ext cx="428628" cy="3357586"/>
+          </a:xfrm>
+          <a:prstGeom prst="rect">
+            <a:avLst/>
+          </a:prstGeom>
+          <a:ln>
+            <a:solidFill>
+              <a:schemeClr val="tx1"/>
+            </a:solidFill>
+          </a:ln>
+        </p:spPr>
+        <p:style>
+          <a:lnRef idx="2">
+            <a:schemeClr val="accent1">
+              <a:shade val="50000"/>
+            </a:schemeClr>
+          </a:lnRef>
+          <a:fillRef idx="1003">
+            <a:schemeClr val="lt1"/>
+          </a:fillRef>
+          <a:effectRef idx="0">
+            <a:schemeClr val="accent1"/>
+          </a:effectRef>
+          <a:fontRef idx="minor">
+            <a:schemeClr val="lt1"/>
+          </a:fontRef>
+        </p:style>
+        <p:txBody>
+          <a:bodyPr vert="vert270" rtlCol="0" anchor="ctr"/>
+          <a:lstStyle/>
+          <a:p>
+            <a:pPr algn="ctr"/>
+            <a:r>
+              <a:rPr lang="pt-BR" u="none" dirty="0" smtClean="0">
+                <a:solidFill>
+                  <a:schemeClr val="bg1"/>
+                </a:solidFill>
+              </a:rPr>
+              <a:t>Coluna 7</a:t>
+            </a:r>
+            <a:endParaRPr lang="pt-BR" u="none" dirty="0">
+              <a:solidFill>
+                <a:schemeClr val="bg1"/>
+              </a:solidFill>
+            </a:endParaRPr>
+          </a:p>
+        </p:txBody>
+      </p:sp>
+      <p:sp>
+        <p:nvSpPr>
+          <p:cNvPr id="97" name="Retângulo 96"/>
+          <p:cNvSpPr/>
+          <p:nvPr/>
+        </p:nvSpPr>
+        <p:spPr>
+          <a:xfrm>
+            <a:off x="5429256" y="3286124"/>
+            <a:ext cx="428628" cy="3357586"/>
+          </a:xfrm>
+          <a:prstGeom prst="rect">
+            <a:avLst/>
+          </a:prstGeom>
+          <a:ln>
+            <a:solidFill>
+              <a:schemeClr val="tx1"/>
+            </a:solidFill>
+          </a:ln>
+        </p:spPr>
+        <p:style>
+          <a:lnRef idx="2">
+            <a:schemeClr val="accent1">
+              <a:shade val="50000"/>
+            </a:schemeClr>
+          </a:lnRef>
+          <a:fillRef idx="1003">
+            <a:schemeClr val="lt1"/>
+          </a:fillRef>
+          <a:effectRef idx="0">
+            <a:schemeClr val="accent1"/>
+          </a:effectRef>
+          <a:fontRef idx="minor">
+            <a:schemeClr val="lt1"/>
+          </a:fontRef>
+        </p:style>
+        <p:txBody>
+          <a:bodyPr vert="vert270" rtlCol="0" anchor="ctr"/>
+          <a:lstStyle/>
+          <a:p>
+            <a:pPr algn="ctr"/>
+            <a:r>
+              <a:rPr lang="pt-BR" u="none" dirty="0" smtClean="0">
+                <a:solidFill>
+                  <a:schemeClr val="bg1"/>
+                </a:solidFill>
+              </a:rPr>
+              <a:t>Coluna 8</a:t>
+            </a:r>
+            <a:endParaRPr lang="pt-BR" u="none" dirty="0">
+              <a:solidFill>
+                <a:schemeClr val="bg1"/>
+              </a:solidFill>
+            </a:endParaRPr>
+          </a:p>
+        </p:txBody>
+      </p:sp>
+      <p:sp>
+        <p:nvSpPr>
+          <p:cNvPr id="98" name="Retângulo 97"/>
+          <p:cNvSpPr/>
+          <p:nvPr/>
+        </p:nvSpPr>
+        <p:spPr>
+          <a:xfrm>
+            <a:off x="5857884" y="3286124"/>
+            <a:ext cx="428628" cy="3357586"/>
+          </a:xfrm>
+          <a:prstGeom prst="rect">
+            <a:avLst/>
+          </a:prstGeom>
+          <a:ln>
+            <a:solidFill>
+              <a:schemeClr val="tx1"/>
+            </a:solidFill>
+          </a:ln>
+        </p:spPr>
+        <p:style>
+          <a:lnRef idx="2">
+            <a:schemeClr val="accent1">
+              <a:shade val="50000"/>
+            </a:schemeClr>
+          </a:lnRef>
+          <a:fillRef idx="1003">
+            <a:schemeClr val="lt1"/>
+          </a:fillRef>
+          <a:effectRef idx="0">
+            <a:schemeClr val="accent1"/>
+          </a:effectRef>
+          <a:fontRef idx="minor">
+            <a:schemeClr val="lt1"/>
+          </a:fontRef>
+        </p:style>
+        <p:txBody>
+          <a:bodyPr vert="vert270" rtlCol="0" anchor="ctr"/>
+          <a:lstStyle/>
+          <a:p>
+            <a:pPr algn="ctr"/>
+            <a:r>
+              <a:rPr lang="pt-BR" u="none" dirty="0" smtClean="0">
+                <a:solidFill>
+                  <a:schemeClr val="bg1"/>
+                </a:solidFill>
+              </a:rPr>
+              <a:t>Coluna 9</a:t>
+            </a:r>
+            <a:endParaRPr lang="pt-BR" u="none" dirty="0">
+              <a:solidFill>
+                <a:schemeClr val="bg1"/>
+              </a:solidFill>
+            </a:endParaRPr>
+          </a:p>
+        </p:txBody>
+      </p:sp>
+      <p:sp>
+        <p:nvSpPr>
+          <p:cNvPr id="99" name="Retângulo 98"/>
+          <p:cNvSpPr/>
+          <p:nvPr/>
+        </p:nvSpPr>
+        <p:spPr>
+          <a:xfrm>
+            <a:off x="6286512" y="3286124"/>
+            <a:ext cx="428628" cy="3357586"/>
+          </a:xfrm>
+          <a:prstGeom prst="rect">
+            <a:avLst/>
+          </a:prstGeom>
+          <a:ln>
+            <a:solidFill>
+              <a:schemeClr val="tx1"/>
+            </a:solidFill>
+          </a:ln>
+        </p:spPr>
+        <p:style>
+          <a:lnRef idx="2">
+            <a:schemeClr val="accent1">
+              <a:shade val="50000"/>
+            </a:schemeClr>
+          </a:lnRef>
+          <a:fillRef idx="1003">
+            <a:schemeClr val="lt1"/>
+          </a:fillRef>
+          <a:effectRef idx="0">
+            <a:schemeClr val="accent1"/>
+          </a:effectRef>
+          <a:fontRef idx="minor">
+            <a:schemeClr val="lt1"/>
+          </a:fontRef>
+        </p:style>
+        <p:txBody>
+          <a:bodyPr vert="vert270" rtlCol="0" anchor="ctr"/>
+          <a:lstStyle/>
+          <a:p>
+            <a:pPr algn="ctr"/>
+            <a:r>
+              <a:rPr lang="pt-BR" u="none" dirty="0" smtClean="0">
+                <a:solidFill>
+                  <a:schemeClr val="bg1"/>
+                </a:solidFill>
+              </a:rPr>
+              <a:t>Coluna 10</a:t>
+            </a:r>
+            <a:endParaRPr lang="pt-BR" u="none" dirty="0">
+              <a:solidFill>
+                <a:schemeClr val="bg1"/>
+              </a:solidFill>
+            </a:endParaRPr>
+          </a:p>
+        </p:txBody>
+      </p:sp>
+      <p:sp>
+        <p:nvSpPr>
+          <p:cNvPr id="100" name="Retângulo 99"/>
+          <p:cNvSpPr/>
+          <p:nvPr/>
+        </p:nvSpPr>
+        <p:spPr>
+          <a:xfrm>
+            <a:off x="6715140" y="3286124"/>
+            <a:ext cx="428628" cy="3357586"/>
+          </a:xfrm>
+          <a:prstGeom prst="rect">
+            <a:avLst/>
+          </a:prstGeom>
+          <a:ln>
+            <a:solidFill>
+              <a:schemeClr val="tx1"/>
+            </a:solidFill>
+          </a:ln>
+        </p:spPr>
+        <p:style>
+          <a:lnRef idx="2">
+            <a:schemeClr val="accent1">
+              <a:shade val="50000"/>
+            </a:schemeClr>
+          </a:lnRef>
+          <a:fillRef idx="1003">
+            <a:schemeClr val="lt1"/>
+          </a:fillRef>
+          <a:effectRef idx="0">
+            <a:schemeClr val="accent1"/>
+          </a:effectRef>
+          <a:fontRef idx="minor">
+            <a:schemeClr val="lt1"/>
+          </a:fontRef>
+        </p:style>
+        <p:txBody>
+          <a:bodyPr vert="vert270" rtlCol="0" anchor="ctr"/>
+          <a:lstStyle/>
+          <a:p>
+            <a:pPr algn="ctr"/>
+            <a:r>
+              <a:rPr lang="pt-BR" u="none" dirty="0" smtClean="0">
+                <a:solidFill>
+                  <a:schemeClr val="bg1"/>
+                </a:solidFill>
+              </a:rPr>
+              <a:t>Coluna 11</a:t>
+            </a:r>
+            <a:endParaRPr lang="pt-BR" u="none" dirty="0">
+              <a:solidFill>
+                <a:schemeClr val="bg1"/>
+              </a:solidFill>
+            </a:endParaRPr>
+          </a:p>
+        </p:txBody>
+      </p:sp>
+      <p:sp>
+        <p:nvSpPr>
+          <p:cNvPr id="101" name="Retângulo 100"/>
+          <p:cNvSpPr/>
+          <p:nvPr/>
+        </p:nvSpPr>
+        <p:spPr>
+          <a:xfrm>
+            <a:off x="7143768" y="3286124"/>
+            <a:ext cx="428628" cy="3357586"/>
+          </a:xfrm>
+          <a:prstGeom prst="rect">
+            <a:avLst/>
+          </a:prstGeom>
+          <a:ln>
+            <a:solidFill>
+              <a:schemeClr val="tx1"/>
+            </a:solidFill>
+          </a:ln>
+        </p:spPr>
+        <p:style>
+          <a:lnRef idx="2">
+            <a:schemeClr val="accent1">
+              <a:shade val="50000"/>
+            </a:schemeClr>
+          </a:lnRef>
+          <a:fillRef idx="1003">
+            <a:schemeClr val="lt1"/>
+          </a:fillRef>
+          <a:effectRef idx="0">
+            <a:schemeClr val="accent1"/>
+          </a:effectRef>
+          <a:fontRef idx="minor">
+            <a:schemeClr val="lt1"/>
+          </a:fontRef>
+        </p:style>
+        <p:txBody>
+          <a:bodyPr vert="vert270" rtlCol="0" anchor="ctr"/>
+          <a:lstStyle/>
+          <a:p>
+            <a:pPr algn="ctr"/>
+            <a:r>
+              <a:rPr lang="pt-BR" u="none" dirty="0" smtClean="0">
+                <a:solidFill>
+                  <a:schemeClr val="bg1"/>
+                </a:solidFill>
+              </a:rPr>
+              <a:t>Coluna 12</a:t>
+            </a:r>
+            <a:endParaRPr lang="pt-BR" u="none" dirty="0">
+              <a:solidFill>
+                <a:schemeClr val="bg1"/>
+              </a:solidFill>
+            </a:endParaRPr>
+          </a:p>
+        </p:txBody>
+      </p:sp>
+      <p:cxnSp>
+        <p:nvCxnSpPr>
+          <p:cNvPr id="103" name="Conector reto 102"/>
+          <p:cNvCxnSpPr/>
+          <p:nvPr/>
+        </p:nvCxnSpPr>
+        <p:spPr>
+          <a:xfrm rot="16200000" flipH="1">
+            <a:off x="250001" y="2035959"/>
+            <a:ext cx="1214446" cy="714380"/>
+          </a:xfrm>
+          <a:prstGeom prst="line">
+            <a:avLst/>
+          </a:prstGeom>
+          <a:ln w="92075">
+            <a:solidFill>
+              <a:schemeClr val="bg1"/>
+            </a:solidFill>
+          </a:ln>
+        </p:spPr>
+        <p:style>
+          <a:lnRef idx="1">
+            <a:schemeClr val="accent1"/>
+          </a:lnRef>
+          <a:fillRef idx="0">
+            <a:schemeClr val="accent1"/>
+          </a:fillRef>
+          <a:effectRef idx="0">
+            <a:schemeClr val="accent1"/>
+          </a:effectRef>
+          <a:fontRef idx="minor">
+            <a:schemeClr val="tx1"/>
+          </a:fontRef>
+        </p:style>
+      </p:cxnSp>
+      <p:cxnSp>
+        <p:nvCxnSpPr>
+          <p:cNvPr id="108" name="Conector reto 107"/>
+          <p:cNvCxnSpPr/>
+          <p:nvPr/>
+        </p:nvCxnSpPr>
+        <p:spPr>
+          <a:xfrm rot="16200000" flipH="1">
+            <a:off x="964381" y="2035959"/>
+            <a:ext cx="1214446" cy="714380"/>
+          </a:xfrm>
+          <a:prstGeom prst="line">
+            <a:avLst/>
+          </a:prstGeom>
+          <a:ln w="92075">
+            <a:solidFill>
+              <a:schemeClr val="bg1"/>
+            </a:solidFill>
+          </a:ln>
+        </p:spPr>
+        <p:style>
+          <a:lnRef idx="1">
+            <a:schemeClr val="accent1"/>
+          </a:lnRef>
+          <a:fillRef idx="0">
+            <a:schemeClr val="accent1"/>
+          </a:fillRef>
+          <a:effectRef idx="0">
+            <a:schemeClr val="accent1"/>
+          </a:effectRef>
+          <a:fontRef idx="minor">
+            <a:schemeClr val="tx1"/>
+          </a:fontRef>
+        </p:style>
+      </p:cxnSp>
+      <p:cxnSp>
+        <p:nvCxnSpPr>
+          <p:cNvPr id="109" name="Conector reto 108"/>
+          <p:cNvCxnSpPr/>
+          <p:nvPr/>
+        </p:nvCxnSpPr>
+        <p:spPr>
+          <a:xfrm rot="16200000" flipH="1">
+            <a:off x="1678761" y="2035959"/>
+            <a:ext cx="1214446" cy="714380"/>
+          </a:xfrm>
+          <a:prstGeom prst="line">
+            <a:avLst/>
+          </a:prstGeom>
+          <a:ln w="92075">
+            <a:solidFill>
+              <a:schemeClr val="bg1"/>
+            </a:solidFill>
+          </a:ln>
+        </p:spPr>
+        <p:style>
+          <a:lnRef idx="1">
+            <a:schemeClr val="accent1"/>
+          </a:lnRef>
+          <a:fillRef idx="0">
+            <a:schemeClr val="accent1"/>
+          </a:fillRef>
+          <a:effectRef idx="0">
+            <a:schemeClr val="accent1"/>
+          </a:effectRef>
+          <a:fontRef idx="minor">
+            <a:schemeClr val="tx1"/>
+          </a:fontRef>
+        </p:style>
+      </p:cxnSp>
+      <p:cxnSp>
+        <p:nvCxnSpPr>
+          <p:cNvPr id="110" name="Conector reto 109"/>
+          <p:cNvCxnSpPr/>
+          <p:nvPr/>
+        </p:nvCxnSpPr>
+        <p:spPr>
+          <a:xfrm rot="16200000" flipH="1">
+            <a:off x="2393141" y="2035959"/>
+            <a:ext cx="1214446" cy="714380"/>
+          </a:xfrm>
+          <a:prstGeom prst="line">
+            <a:avLst/>
+          </a:prstGeom>
+          <a:ln w="92075">
+            <a:solidFill>
+              <a:schemeClr val="bg1"/>
+            </a:solidFill>
+          </a:ln>
+        </p:spPr>
+        <p:style>
+          <a:lnRef idx="1">
+            <a:schemeClr val="accent1"/>
+          </a:lnRef>
+          <a:fillRef idx="0">
+            <a:schemeClr val="accent1"/>
+          </a:fillRef>
+          <a:effectRef idx="0">
+            <a:schemeClr val="accent1"/>
+          </a:effectRef>
+          <a:fontRef idx="minor">
+            <a:schemeClr val="tx1"/>
+          </a:fontRef>
+        </p:style>
+      </p:cxnSp>
+      <p:cxnSp>
+        <p:nvCxnSpPr>
+          <p:cNvPr id="111" name="Conector reto 110"/>
+          <p:cNvCxnSpPr/>
+          <p:nvPr/>
+        </p:nvCxnSpPr>
+        <p:spPr>
+          <a:xfrm rot="16200000" flipH="1">
+            <a:off x="3107521" y="2035959"/>
+            <a:ext cx="1214446" cy="714380"/>
+          </a:xfrm>
+          <a:prstGeom prst="line">
+            <a:avLst/>
+          </a:prstGeom>
+          <a:ln w="92075">
+            <a:solidFill>
+              <a:schemeClr val="bg1"/>
+            </a:solidFill>
+          </a:ln>
+        </p:spPr>
+        <p:style>
+          <a:lnRef idx="1">
+            <a:schemeClr val="accent1"/>
+          </a:lnRef>
+          <a:fillRef idx="0">
+            <a:schemeClr val="accent1"/>
+          </a:fillRef>
+          <a:effectRef idx="0">
+            <a:schemeClr val="accent1"/>
+          </a:effectRef>
+          <a:fontRef idx="minor">
+            <a:schemeClr val="tx1"/>
+          </a:fontRef>
+        </p:style>
+      </p:cxnSp>
+      <p:cxnSp>
+        <p:nvCxnSpPr>
+          <p:cNvPr id="112" name="Conector reto 111"/>
+          <p:cNvCxnSpPr/>
+          <p:nvPr/>
+        </p:nvCxnSpPr>
+        <p:spPr>
+          <a:xfrm rot="16200000" flipH="1">
+            <a:off x="3821901" y="2035959"/>
+            <a:ext cx="1214446" cy="714380"/>
+          </a:xfrm>
+          <a:prstGeom prst="line">
+            <a:avLst/>
+          </a:prstGeom>
+          <a:ln w="92075">
+            <a:solidFill>
+              <a:schemeClr val="bg1"/>
+            </a:solidFill>
+          </a:ln>
+        </p:spPr>
+        <p:style>
+          <a:lnRef idx="1">
+            <a:schemeClr val="accent1"/>
+          </a:lnRef>
+          <a:fillRef idx="0">
+            <a:schemeClr val="accent1"/>
+          </a:fillRef>
+          <a:effectRef idx="0">
+            <a:schemeClr val="accent1"/>
+          </a:effectRef>
+          <a:fontRef idx="minor">
+            <a:schemeClr val="tx1"/>
+          </a:fontRef>
+        </p:style>
+      </p:cxnSp>
+      <p:cxnSp>
+        <p:nvCxnSpPr>
+          <p:cNvPr id="113" name="Conector reto 112"/>
+          <p:cNvCxnSpPr/>
+          <p:nvPr/>
+        </p:nvCxnSpPr>
+        <p:spPr>
+          <a:xfrm rot="16200000" flipH="1">
+            <a:off x="4536281" y="2035959"/>
+            <a:ext cx="1214446" cy="714380"/>
+          </a:xfrm>
+          <a:prstGeom prst="line">
+            <a:avLst/>
+          </a:prstGeom>
+          <a:ln w="92075">
+            <a:solidFill>
+              <a:schemeClr val="bg1"/>
+            </a:solidFill>
+          </a:ln>
+        </p:spPr>
+        <p:style>
+          <a:lnRef idx="1">
+            <a:schemeClr val="accent1"/>
+          </a:lnRef>
+          <a:fillRef idx="0">
+            <a:schemeClr val="accent1"/>
+          </a:fillRef>
+          <a:effectRef idx="0">
+            <a:schemeClr val="accent1"/>
+          </a:effectRef>
+          <a:fontRef idx="minor">
+            <a:schemeClr val="tx1"/>
+          </a:fontRef>
+        </p:style>
+      </p:cxnSp>
+      <p:cxnSp>
+        <p:nvCxnSpPr>
+          <p:cNvPr id="114" name="Conector reto 113"/>
+          <p:cNvCxnSpPr/>
+          <p:nvPr/>
+        </p:nvCxnSpPr>
+        <p:spPr>
+          <a:xfrm rot="16200000" flipH="1">
+            <a:off x="5250661" y="2035959"/>
+            <a:ext cx="1214446" cy="714380"/>
+          </a:xfrm>
+          <a:prstGeom prst="line">
+            <a:avLst/>
+          </a:prstGeom>
+          <a:ln w="92075">
+            <a:solidFill>
+              <a:schemeClr val="bg1"/>
+            </a:solidFill>
+          </a:ln>
+        </p:spPr>
+        <p:style>
+          <a:lnRef idx="1">
+            <a:schemeClr val="accent1"/>
+          </a:lnRef>
+          <a:fillRef idx="0">
+            <a:schemeClr val="accent1"/>
+          </a:fillRef>
+          <a:effectRef idx="0">
+            <a:schemeClr val="accent1"/>
+          </a:effectRef>
+          <a:fontRef idx="minor">
+            <a:schemeClr val="tx1"/>
+          </a:fontRef>
+        </p:style>
+      </p:cxnSp>
+      <p:cxnSp>
+        <p:nvCxnSpPr>
+          <p:cNvPr id="115" name="Conector reto 114"/>
+          <p:cNvCxnSpPr/>
+          <p:nvPr/>
+        </p:nvCxnSpPr>
+        <p:spPr>
+          <a:xfrm rot="16200000" flipH="1">
+            <a:off x="5965041" y="2035959"/>
+            <a:ext cx="1214446" cy="714380"/>
+          </a:xfrm>
+          <a:prstGeom prst="line">
+            <a:avLst/>
+          </a:prstGeom>
+          <a:ln w="92075">
+            <a:solidFill>
+              <a:schemeClr val="bg1"/>
+            </a:solidFill>
+          </a:ln>
+        </p:spPr>
+        <p:style>
+          <a:lnRef idx="1">
+            <a:schemeClr val="accent1"/>
+          </a:lnRef>
+          <a:fillRef idx="0">
+            <a:schemeClr val="accent1"/>
+          </a:fillRef>
+          <a:effectRef idx="0">
+            <a:schemeClr val="accent1"/>
+          </a:effectRef>
+          <a:fontRef idx="minor">
+            <a:schemeClr val="tx1"/>
+          </a:fontRef>
+        </p:style>
+      </p:cxnSp>
+      <p:cxnSp>
+        <p:nvCxnSpPr>
+          <p:cNvPr id="116" name="Conector reto 115"/>
+          <p:cNvCxnSpPr/>
+          <p:nvPr/>
+        </p:nvCxnSpPr>
+        <p:spPr>
+          <a:xfrm rot="16200000" flipH="1">
+            <a:off x="6643702" y="2000240"/>
+            <a:ext cx="1285884" cy="714380"/>
+          </a:xfrm>
+          <a:prstGeom prst="line">
+            <a:avLst/>
+          </a:prstGeom>
+          <a:ln w="92075">
+            <a:solidFill>
+              <a:schemeClr val="bg1"/>
+            </a:solidFill>
+          </a:ln>
+        </p:spPr>
+        <p:style>
+          <a:lnRef idx="1">
+            <a:schemeClr val="accent1"/>
+          </a:lnRef>
+          <a:fillRef idx="0">
+            <a:schemeClr val="accent1"/>
+          </a:fillRef>
+          <a:effectRef idx="0">
+            <a:schemeClr val="accent1"/>
+          </a:effectRef>
+          <a:fontRef idx="minor">
+            <a:schemeClr val="tx1"/>
+          </a:fontRef>
+        </p:style>
+      </p:cxnSp>
+      <p:cxnSp>
+        <p:nvCxnSpPr>
+          <p:cNvPr id="118" name="Conector reto 117"/>
+          <p:cNvCxnSpPr/>
+          <p:nvPr/>
+        </p:nvCxnSpPr>
+        <p:spPr>
+          <a:xfrm rot="16200000" flipH="1">
+            <a:off x="7358082" y="2000240"/>
+            <a:ext cx="1285884" cy="714380"/>
+          </a:xfrm>
+          <a:prstGeom prst="line">
+            <a:avLst/>
+          </a:prstGeom>
+          <a:ln w="92075">
+            <a:solidFill>
+              <a:schemeClr val="bg1"/>
+            </a:solidFill>
+          </a:ln>
+        </p:spPr>
+        <p:style>
+          <a:lnRef idx="1">
+            <a:schemeClr val="accent1"/>
+          </a:lnRef>
+          <a:fillRef idx="0">
+            <a:schemeClr val="accent1"/>
+          </a:fillRef>
+          <a:effectRef idx="0">
+            <a:schemeClr val="accent1"/>
+          </a:effectRef>
+          <a:fontRef idx="minor">
+            <a:schemeClr val="tx1"/>
+          </a:fontRef>
+        </p:style>
+      </p:cxnSp>
+      <p:cxnSp>
+        <p:nvCxnSpPr>
+          <p:cNvPr id="119" name="Conector reto 118"/>
+          <p:cNvCxnSpPr/>
+          <p:nvPr/>
+        </p:nvCxnSpPr>
+        <p:spPr>
+          <a:xfrm rot="16200000" flipH="1">
+            <a:off x="8108181" y="2035959"/>
+            <a:ext cx="1143008" cy="642942"/>
+          </a:xfrm>
+          <a:prstGeom prst="line">
+            <a:avLst/>
+          </a:prstGeom>
+          <a:ln w="92075">
+            <a:solidFill>
+              <a:schemeClr val="bg1"/>
+            </a:solidFill>
+          </a:ln>
+        </p:spPr>
+        <p:style>
+          <a:lnRef idx="1">
+            <a:schemeClr val="accent1"/>
+          </a:lnRef>
+          <a:fillRef idx="0">
+            <a:schemeClr val="accent1"/>
+          </a:fillRef>
+          <a:effectRef idx="0">
+            <a:schemeClr val="accent1"/>
+          </a:effectRef>
+          <a:fontRef idx="minor">
+            <a:schemeClr val="tx1"/>
+          </a:fontRef>
+        </p:style>
+      </p:cxnSp>
+      <p:cxnSp>
+        <p:nvCxnSpPr>
+          <p:cNvPr id="126" name="Conector reto 125"/>
+          <p:cNvCxnSpPr/>
+          <p:nvPr/>
+        </p:nvCxnSpPr>
+        <p:spPr>
+          <a:xfrm rot="5400000">
+            <a:off x="3321835" y="4964917"/>
+            <a:ext cx="3357586" cy="1588"/>
+          </a:xfrm>
+          <a:prstGeom prst="line">
+            <a:avLst/>
+          </a:prstGeom>
+          <a:ln>
+            <a:solidFill>
+              <a:schemeClr val="bg1"/>
+            </a:solidFill>
+          </a:ln>
+        </p:spPr>
+        <p:style>
+          <a:lnRef idx="1">
+            <a:schemeClr val="accent1"/>
+          </a:lnRef>
+          <a:fillRef idx="1003">
+            <a:schemeClr val="lt1"/>
+          </a:fillRef>
+          <a:effectRef idx="0">
+            <a:schemeClr val="accent1"/>
+          </a:effectRef>
+          <a:fontRef idx="minor">
+            <a:schemeClr val="tx1"/>
+          </a:fontRef>
+        </p:style>
+      </p:cxnSp>
+      <p:cxnSp>
+        <p:nvCxnSpPr>
+          <p:cNvPr id="127" name="Conector reto 126"/>
+          <p:cNvCxnSpPr/>
+          <p:nvPr/>
+        </p:nvCxnSpPr>
+        <p:spPr>
+          <a:xfrm rot="5400000">
+            <a:off x="5250661" y="5607859"/>
+            <a:ext cx="2071702" cy="1588"/>
+          </a:xfrm>
+          <a:prstGeom prst="line">
+            <a:avLst/>
+          </a:prstGeom>
+          <a:ln>
+            <a:solidFill>
+              <a:schemeClr val="bg1"/>
+            </a:solidFill>
+          </a:ln>
+        </p:spPr>
+        <p:style>
+          <a:lnRef idx="1">
+            <a:schemeClr val="accent1"/>
+          </a:lnRef>
+          <a:fillRef idx="1003">
+            <a:schemeClr val="lt1"/>
+          </a:fillRef>
+          <a:effectRef idx="0">
+            <a:schemeClr val="accent1"/>
+          </a:effectRef>
+          <a:fontRef idx="minor">
+            <a:schemeClr val="tx1"/>
+          </a:fontRef>
+        </p:style>
+      </p:cxnSp>
+      <p:cxnSp>
+        <p:nvCxnSpPr>
+          <p:cNvPr id="129" name="Conector reto 128"/>
+          <p:cNvCxnSpPr/>
+          <p:nvPr/>
+        </p:nvCxnSpPr>
+        <p:spPr>
+          <a:xfrm rot="5400000">
+            <a:off x="3250397" y="6179363"/>
+            <a:ext cx="928694" cy="1588"/>
+          </a:xfrm>
+          <a:prstGeom prst="line">
+            <a:avLst/>
+          </a:prstGeom>
+          <a:ln>
+            <a:solidFill>
+              <a:schemeClr val="bg1"/>
+            </a:solidFill>
+          </a:ln>
+        </p:spPr>
+        <p:style>
+          <a:lnRef idx="1">
+            <a:schemeClr val="accent1"/>
+          </a:lnRef>
+          <a:fillRef idx="1003">
+            <a:schemeClr val="lt1"/>
+          </a:fillRef>
+          <a:effectRef idx="0">
+            <a:schemeClr val="accent1"/>
+          </a:effectRef>
+          <a:fontRef idx="minor">
+            <a:schemeClr val="tx1"/>
+          </a:fontRef>
+        </p:style>
+      </p:cxnSp>
+    </p:spTree>
+  </p:cSld>
+  <p:clrMapOvr>
+    <a:masterClrMapping/>
+  </p:clrMapOvr>
+  <p:transition/>
+  <p:timing>
+    <p:tnLst>
+      <p:par>
+        <p:cTn id="1" dur="indefinite" restart="never" nodeType="tmRoot">
+          <p:childTnLst>
+            <p:seq concurrent="1" nextAc="seek">
+              <p:cTn id="2" dur="indefinite" nodeType="mainSeq">
+                <p:childTnLst>
+                  <p:par>
+                    <p:cTn id="3" fill="hold">
+                      <p:stCondLst>
+                        <p:cond delay="indefinite"/>
+                      </p:stCondLst>
+                      <p:childTnLst>
+                        <p:par>
+                          <p:cTn id="4" fill="hold">
+                            <p:stCondLst>
+                              <p:cond delay="0"/>
+                            </p:stCondLst>
+                            <p:childTnLst>
+                              <p:par>
+                                <p:cTn id="5" presetID="8" presetClass="entr" presetSubtype="16" fill="hold" nodeType="clickEffect">
+                                  <p:stCondLst>
+                                    <p:cond delay="0"/>
+                                  </p:stCondLst>
+                                  <p:childTnLst>
+                                    <p:set>
+                                      <p:cBhvr>
+                                        <p:cTn id="6" dur="1" fill="hold">
+                                          <p:stCondLst>
+                                            <p:cond delay="0"/>
+                                          </p:stCondLst>
+                                        </p:cTn>
+                                        <p:tgtEl>
+                                          <p:spTgt spid="103"/>
+                                        </p:tgtEl>
+                                        <p:attrNameLst>
+                                          <p:attrName>style.visibility</p:attrName>
+                                        </p:attrNameLst>
+                                      </p:cBhvr>
+                                      <p:to>
+                                        <p:strVal val="visible"/>
+                                      </p:to>
+                                    </p:set>
+                                    <p:animEffect transition="in" filter="diamond(in)">
+                                      <p:cBhvr>
+                                        <p:cTn id="7" dur="500"/>
+                                        <p:tgtEl>
+                                          <p:spTgt spid="103"/>
+                                        </p:tgtEl>
+                                      </p:cBhvr>
+                                    </p:animEffect>
+                                  </p:childTnLst>
+                                </p:cTn>
+                              </p:par>
+                            </p:childTnLst>
+                          </p:cTn>
+                        </p:par>
+                        <p:par>
+                          <p:cTn id="8" fill="hold">
+                            <p:stCondLst>
+                              <p:cond delay="500"/>
+                            </p:stCondLst>
+                            <p:childTnLst>
+                              <p:par>
+                                <p:cTn id="9" presetID="18" presetClass="entr" presetSubtype="12" fill="hold" grpId="0" nodeType="afterEffect">
+                                  <p:stCondLst>
+                                    <p:cond delay="0"/>
+                                  </p:stCondLst>
+                                  <p:childTnLst>
+                                    <p:set>
+                                      <p:cBhvr>
+                                        <p:cTn id="10" dur="1" fill="hold">
+                                          <p:stCondLst>
+                                            <p:cond delay="0"/>
+                                          </p:stCondLst>
+                                        </p:cTn>
+                                        <p:tgtEl>
+                                          <p:spTgt spid="90"/>
+                                        </p:tgtEl>
+                                        <p:attrNameLst>
+                                          <p:attrName>style.visibility</p:attrName>
+                                        </p:attrNameLst>
+                                      </p:cBhvr>
+                                      <p:to>
+                                        <p:strVal val="visible"/>
+                                      </p:to>
+                                    </p:set>
+                                    <p:animEffect transition="in" filter="strips(downLeft)">
+                                      <p:cBhvr>
+                                        <p:cTn id="11" dur="500"/>
+                                        <p:tgtEl>
+                                          <p:spTgt spid="90"/>
+                                        </p:tgtEl>
+                                      </p:cBhvr>
+                                    </p:animEffect>
+                                  </p:childTnLst>
+                                </p:cTn>
+                              </p:par>
+                            </p:childTnLst>
+                          </p:cTn>
+                        </p:par>
+                        <p:par>
+                          <p:cTn id="12" fill="hold">
+                            <p:stCondLst>
+                              <p:cond delay="1000"/>
+                            </p:stCondLst>
+                            <p:childTnLst>
+                              <p:par>
+                                <p:cTn id="13" presetID="8" presetClass="entr" presetSubtype="16" fill="hold" nodeType="afterEffect">
+                                  <p:stCondLst>
+                                    <p:cond delay="0"/>
+                                  </p:stCondLst>
+                                  <p:childTnLst>
+                                    <p:set>
+                                      <p:cBhvr>
+                                        <p:cTn id="14" dur="1" fill="hold">
+                                          <p:stCondLst>
+                                            <p:cond delay="0"/>
+                                          </p:stCondLst>
+                                        </p:cTn>
+                                        <p:tgtEl>
+                                          <p:spTgt spid="108"/>
+                                        </p:tgtEl>
+                                        <p:attrNameLst>
+                                          <p:attrName>style.visibility</p:attrName>
+                                        </p:attrNameLst>
+                                      </p:cBhvr>
+                                      <p:to>
+                                        <p:strVal val="visible"/>
+                                      </p:to>
+                                    </p:set>
+                                    <p:animEffect transition="in" filter="diamond(in)">
+                                      <p:cBhvr>
+                                        <p:cTn id="15" dur="500"/>
+                                        <p:tgtEl>
+                                          <p:spTgt spid="108"/>
+                                        </p:tgtEl>
+                                      </p:cBhvr>
+                                    </p:animEffect>
+                                  </p:childTnLst>
+                                </p:cTn>
+                              </p:par>
+                            </p:childTnLst>
+                          </p:cTn>
+                        </p:par>
+                        <p:par>
+                          <p:cTn id="16" fill="hold">
+                            <p:stCondLst>
+                              <p:cond delay="1500"/>
+                            </p:stCondLst>
+                            <p:childTnLst>
+                              <p:par>
+                                <p:cTn id="17" presetID="18" presetClass="entr" presetSubtype="12" fill="hold" grpId="0" nodeType="afterEffect">
+                                  <p:stCondLst>
+                                    <p:cond delay="0"/>
+                                  </p:stCondLst>
+                                  <p:childTnLst>
+                                    <p:set>
+                                      <p:cBhvr>
+                                        <p:cTn id="18" dur="1" fill="hold">
+                                          <p:stCondLst>
+                                            <p:cond delay="0"/>
+                                          </p:stCondLst>
+                                        </p:cTn>
+                                        <p:tgtEl>
+                                          <p:spTgt spid="91"/>
+                                        </p:tgtEl>
+                                        <p:attrNameLst>
+                                          <p:attrName>style.visibility</p:attrName>
+                                        </p:attrNameLst>
+                                      </p:cBhvr>
+                                      <p:to>
+                                        <p:strVal val="visible"/>
+                                      </p:to>
+                                    </p:set>
+                                    <p:animEffect transition="in" filter="strips(downLeft)">
+                                      <p:cBhvr>
+                                        <p:cTn id="19" dur="500"/>
+                                        <p:tgtEl>
+                                          <p:spTgt spid="91"/>
+                                        </p:tgtEl>
+                                      </p:cBhvr>
+                                    </p:animEffect>
+                                  </p:childTnLst>
+                                </p:cTn>
+                              </p:par>
+                            </p:childTnLst>
+                          </p:cTn>
+                        </p:par>
+                        <p:par>
+                          <p:cTn id="20" fill="hold">
+                            <p:stCondLst>
+                              <p:cond delay="2000"/>
+                            </p:stCondLst>
+                            <p:childTnLst>
+                              <p:par>
+                                <p:cTn id="21" presetID="8" presetClass="entr" presetSubtype="16" fill="hold" nodeType="afterEffect">
+                                  <p:stCondLst>
+                                    <p:cond delay="0"/>
+                                  </p:stCondLst>
+                                  <p:childTnLst>
+                                    <p:set>
+                                      <p:cBhvr>
+                                        <p:cTn id="22" dur="1" fill="hold">
+                                          <p:stCondLst>
+                                            <p:cond delay="0"/>
+                                          </p:stCondLst>
+                                        </p:cTn>
+                                        <p:tgtEl>
+                                          <p:spTgt spid="109"/>
+                                        </p:tgtEl>
+                                        <p:attrNameLst>
+                                          <p:attrName>style.visibility</p:attrName>
+                                        </p:attrNameLst>
+                                      </p:cBhvr>
+                                      <p:to>
+                                        <p:strVal val="visible"/>
+                                      </p:to>
+                                    </p:set>
+                                    <p:animEffect transition="in" filter="diamond(in)">
+                                      <p:cBhvr>
+                                        <p:cTn id="23" dur="500"/>
+                                        <p:tgtEl>
+                                          <p:spTgt spid="109"/>
+                                        </p:tgtEl>
+                                      </p:cBhvr>
+                                    </p:animEffect>
+                                  </p:childTnLst>
+                                </p:cTn>
+                              </p:par>
+                            </p:childTnLst>
+                          </p:cTn>
+                        </p:par>
+                        <p:par>
+                          <p:cTn id="24" fill="hold">
+                            <p:stCondLst>
+                              <p:cond delay="2500"/>
+                            </p:stCondLst>
+                            <p:childTnLst>
+                              <p:par>
+                                <p:cTn id="25" presetID="18" presetClass="entr" presetSubtype="12" fill="hold" grpId="0" nodeType="afterEffect">
+                                  <p:stCondLst>
+                                    <p:cond delay="0"/>
+                                  </p:stCondLst>
+                                  <p:childTnLst>
+                                    <p:set>
+                                      <p:cBhvr>
+                                        <p:cTn id="26" dur="1" fill="hold">
+                                          <p:stCondLst>
+                                            <p:cond delay="0"/>
+                                          </p:stCondLst>
+                                        </p:cTn>
+                                        <p:tgtEl>
+                                          <p:spTgt spid="92"/>
+                                        </p:tgtEl>
+                                        <p:attrNameLst>
+                                          <p:attrName>style.visibility</p:attrName>
+                                        </p:attrNameLst>
+                                      </p:cBhvr>
+                                      <p:to>
+                                        <p:strVal val="visible"/>
+                                      </p:to>
+                                    </p:set>
+                                    <p:animEffect transition="in" filter="strips(downLeft)">
+                                      <p:cBhvr>
+                                        <p:cTn id="27" dur="500"/>
+                                        <p:tgtEl>
+                                          <p:spTgt spid="92"/>
+                                        </p:tgtEl>
+                                      </p:cBhvr>
+                                    </p:animEffect>
+                                  </p:childTnLst>
+                                </p:cTn>
+                              </p:par>
+                              <p:par>
+                                <p:cTn id="28" presetID="18" presetClass="entr" presetSubtype="12" fill="hold" nodeType="withEffect">
+                                  <p:stCondLst>
+                                    <p:cond delay="0"/>
+                                  </p:stCondLst>
+                                  <p:childTnLst>
+                                    <p:set>
+                                      <p:cBhvr>
+                                        <p:cTn id="29" dur="1" fill="hold">
+                                          <p:stCondLst>
+                                            <p:cond delay="0"/>
+                                          </p:stCondLst>
+                                        </p:cTn>
+                                        <p:tgtEl>
+                                          <p:spTgt spid="129"/>
+                                        </p:tgtEl>
+                                        <p:attrNameLst>
+                                          <p:attrName>style.visibility</p:attrName>
+                                        </p:attrNameLst>
+                                      </p:cBhvr>
+                                      <p:to>
+                                        <p:strVal val="visible"/>
+                                      </p:to>
+                                    </p:set>
+                                    <p:animEffect transition="in" filter="strips(downLeft)">
+                                      <p:cBhvr>
+                                        <p:cTn id="30" dur="500"/>
+                                        <p:tgtEl>
+                                          <p:spTgt spid="129"/>
+                                        </p:tgtEl>
+                                      </p:cBhvr>
+                                    </p:animEffect>
+                                  </p:childTnLst>
+                                </p:cTn>
+                              </p:par>
+                            </p:childTnLst>
+                          </p:cTn>
+                        </p:par>
+                        <p:par>
+                          <p:cTn id="31" fill="hold">
+                            <p:stCondLst>
+                              <p:cond delay="3000"/>
+                            </p:stCondLst>
+                            <p:childTnLst>
+                              <p:par>
+                                <p:cTn id="32" presetID="8" presetClass="entr" presetSubtype="16" fill="hold" nodeType="afterEffect">
+                                  <p:stCondLst>
+                                    <p:cond delay="0"/>
+                                  </p:stCondLst>
+                                  <p:childTnLst>
+                                    <p:set>
+                                      <p:cBhvr>
+                                        <p:cTn id="33" dur="1" fill="hold">
+                                          <p:stCondLst>
+                                            <p:cond delay="0"/>
+                                          </p:stCondLst>
+                                        </p:cTn>
+                                        <p:tgtEl>
+                                          <p:spTgt spid="110"/>
+                                        </p:tgtEl>
+                                        <p:attrNameLst>
+                                          <p:attrName>style.visibility</p:attrName>
+                                        </p:attrNameLst>
+                                      </p:cBhvr>
+                                      <p:to>
+                                        <p:strVal val="visible"/>
+                                      </p:to>
+                                    </p:set>
+                                    <p:animEffect transition="in" filter="diamond(in)">
+                                      <p:cBhvr>
+                                        <p:cTn id="34" dur="500"/>
+                                        <p:tgtEl>
+                                          <p:spTgt spid="110"/>
+                                        </p:tgtEl>
+                                      </p:cBhvr>
+                                    </p:animEffect>
+                                  </p:childTnLst>
+                                </p:cTn>
+                              </p:par>
+                            </p:childTnLst>
+                          </p:cTn>
+                        </p:par>
+                        <p:par>
+                          <p:cTn id="35" fill="hold">
+                            <p:stCondLst>
+                              <p:cond delay="3500"/>
+                            </p:stCondLst>
+                            <p:childTnLst>
+                              <p:par>
+                                <p:cTn id="36" presetID="18" presetClass="entr" presetSubtype="12" fill="hold" grpId="0" nodeType="afterEffect">
+                                  <p:stCondLst>
+                                    <p:cond delay="0"/>
+                                  </p:stCondLst>
+                                  <p:childTnLst>
+                                    <p:set>
+                                      <p:cBhvr>
+                                        <p:cTn id="37" dur="1" fill="hold">
+                                          <p:stCondLst>
+                                            <p:cond delay="0"/>
+                                          </p:stCondLst>
+                                        </p:cTn>
+                                        <p:tgtEl>
+                                          <p:spTgt spid="93"/>
+                                        </p:tgtEl>
+                                        <p:attrNameLst>
+                                          <p:attrName>style.visibility</p:attrName>
+                                        </p:attrNameLst>
+                                      </p:cBhvr>
+                                      <p:to>
+                                        <p:strVal val="visible"/>
+                                      </p:to>
+                                    </p:set>
+                                    <p:animEffect transition="in" filter="strips(downLeft)">
+                                      <p:cBhvr>
+                                        <p:cTn id="38" dur="500"/>
+                                        <p:tgtEl>
+                                          <p:spTgt spid="93"/>
+                                        </p:tgtEl>
+                                      </p:cBhvr>
+                                    </p:animEffect>
+                                  </p:childTnLst>
+                                </p:cTn>
+                              </p:par>
+                            </p:childTnLst>
+                          </p:cTn>
+                        </p:par>
+                        <p:par>
+                          <p:cTn id="39" fill="hold">
+                            <p:stCondLst>
+                              <p:cond delay="4000"/>
+                            </p:stCondLst>
+                            <p:childTnLst>
+                              <p:par>
+                                <p:cTn id="40" presetID="8" presetClass="entr" presetSubtype="16" fill="hold" nodeType="afterEffect">
+                                  <p:stCondLst>
+                                    <p:cond delay="0"/>
+                                  </p:stCondLst>
+                                  <p:childTnLst>
+                                    <p:set>
+                                      <p:cBhvr>
+                                        <p:cTn id="41" dur="1" fill="hold">
+                                          <p:stCondLst>
+                                            <p:cond delay="0"/>
+                                          </p:stCondLst>
+                                        </p:cTn>
+                                        <p:tgtEl>
+                                          <p:spTgt spid="111"/>
+                                        </p:tgtEl>
+                                        <p:attrNameLst>
+                                          <p:attrName>style.visibility</p:attrName>
+                                        </p:attrNameLst>
+                                      </p:cBhvr>
+                                      <p:to>
+                                        <p:strVal val="visible"/>
+                                      </p:to>
+                                    </p:set>
+                                    <p:animEffect transition="in" filter="diamond(in)">
+                                      <p:cBhvr>
+                                        <p:cTn id="42" dur="500"/>
+                                        <p:tgtEl>
+                                          <p:spTgt spid="111"/>
+                                        </p:tgtEl>
+                                      </p:cBhvr>
+                                    </p:animEffect>
+                                  </p:childTnLst>
+                                </p:cTn>
+                              </p:par>
+                            </p:childTnLst>
+                          </p:cTn>
+                        </p:par>
+                        <p:par>
+                          <p:cTn id="43" fill="hold">
+                            <p:stCondLst>
+                              <p:cond delay="4500"/>
+                            </p:stCondLst>
+                            <p:childTnLst>
+                              <p:par>
+                                <p:cTn id="44" presetID="18" presetClass="entr" presetSubtype="12" fill="hold" grpId="0" nodeType="afterEffect">
+                                  <p:stCondLst>
+                                    <p:cond delay="0"/>
+                                  </p:stCondLst>
+                                  <p:childTnLst>
+                                    <p:set>
+                                      <p:cBhvr>
+                                        <p:cTn id="45" dur="1" fill="hold">
+                                          <p:stCondLst>
+                                            <p:cond delay="0"/>
+                                          </p:stCondLst>
+                                        </p:cTn>
+                                        <p:tgtEl>
+                                          <p:spTgt spid="94"/>
+                                        </p:tgtEl>
+                                        <p:attrNameLst>
+                                          <p:attrName>style.visibility</p:attrName>
+                                        </p:attrNameLst>
+                                      </p:cBhvr>
+                                      <p:to>
+                                        <p:strVal val="visible"/>
+                                      </p:to>
+                                    </p:set>
+                                    <p:animEffect transition="in" filter="strips(downLeft)">
+                                      <p:cBhvr>
+                                        <p:cTn id="46" dur="500"/>
+                                        <p:tgtEl>
+                                          <p:spTgt spid="94"/>
+                                        </p:tgtEl>
+                                      </p:cBhvr>
+                                    </p:animEffect>
+                                  </p:childTnLst>
+                                </p:cTn>
+                              </p:par>
+                            </p:childTnLst>
+                          </p:cTn>
+                        </p:par>
+                        <p:par>
+                          <p:cTn id="47" fill="hold">
+                            <p:stCondLst>
+                              <p:cond delay="5000"/>
+                            </p:stCondLst>
+                            <p:childTnLst>
+                              <p:par>
+                                <p:cTn id="48" presetID="8" presetClass="entr" presetSubtype="16" fill="hold" nodeType="afterEffect">
+                                  <p:stCondLst>
+                                    <p:cond delay="0"/>
+                                  </p:stCondLst>
+                                  <p:childTnLst>
+                                    <p:set>
+                                      <p:cBhvr>
+                                        <p:cTn id="49" dur="1" fill="hold">
+                                          <p:stCondLst>
+                                            <p:cond delay="0"/>
+                                          </p:stCondLst>
+                                        </p:cTn>
+                                        <p:tgtEl>
+                                          <p:spTgt spid="112"/>
+                                        </p:tgtEl>
+                                        <p:attrNameLst>
+                                          <p:attrName>style.visibility</p:attrName>
+                                        </p:attrNameLst>
+                                      </p:cBhvr>
+                                      <p:to>
+                                        <p:strVal val="visible"/>
+                                      </p:to>
+                                    </p:set>
+                                    <p:animEffect transition="in" filter="diamond(in)">
+                                      <p:cBhvr>
+                                        <p:cTn id="50" dur="500"/>
+                                        <p:tgtEl>
+                                          <p:spTgt spid="112"/>
+                                        </p:tgtEl>
+                                      </p:cBhvr>
+                                    </p:animEffect>
+                                  </p:childTnLst>
+                                </p:cTn>
+                              </p:par>
+                            </p:childTnLst>
+                          </p:cTn>
+                        </p:par>
+                        <p:par>
+                          <p:cTn id="51" fill="hold">
+                            <p:stCondLst>
+                              <p:cond delay="5500"/>
+                            </p:stCondLst>
+                            <p:childTnLst>
+                              <p:par>
+                                <p:cTn id="52" presetID="18" presetClass="entr" presetSubtype="12" fill="hold" grpId="0" nodeType="afterEffect">
+                                  <p:stCondLst>
+                                    <p:cond delay="0"/>
+                                  </p:stCondLst>
+                                  <p:childTnLst>
+                                    <p:set>
+                                      <p:cBhvr>
+                                        <p:cTn id="53" dur="1" fill="hold">
+                                          <p:stCondLst>
+                                            <p:cond delay="0"/>
+                                          </p:stCondLst>
+                                        </p:cTn>
+                                        <p:tgtEl>
+                                          <p:spTgt spid="95"/>
+                                        </p:tgtEl>
+                                        <p:attrNameLst>
+                                          <p:attrName>style.visibility</p:attrName>
+                                        </p:attrNameLst>
+                                      </p:cBhvr>
+                                      <p:to>
+                                        <p:strVal val="visible"/>
+                                      </p:to>
+                                    </p:set>
+                                    <p:animEffect transition="in" filter="strips(downLeft)">
+                                      <p:cBhvr>
+                                        <p:cTn id="54" dur="500"/>
+                                        <p:tgtEl>
+                                          <p:spTgt spid="95"/>
+                                        </p:tgtEl>
+                                      </p:cBhvr>
+                                    </p:animEffect>
+                                  </p:childTnLst>
+                                </p:cTn>
+                              </p:par>
+                            </p:childTnLst>
+                          </p:cTn>
+                        </p:par>
+                        <p:par>
+                          <p:cTn id="55" fill="hold">
+                            <p:stCondLst>
+                              <p:cond delay="6000"/>
+                            </p:stCondLst>
+                            <p:childTnLst>
+                              <p:par>
+                                <p:cTn id="56" presetID="8" presetClass="entr" presetSubtype="16" fill="hold" nodeType="afterEffect">
+                                  <p:stCondLst>
+                                    <p:cond delay="0"/>
+                                  </p:stCondLst>
+                                  <p:childTnLst>
+                                    <p:set>
+                                      <p:cBhvr>
+                                        <p:cTn id="57" dur="1" fill="hold">
+                                          <p:stCondLst>
+                                            <p:cond delay="0"/>
+                                          </p:stCondLst>
+                                        </p:cTn>
+                                        <p:tgtEl>
+                                          <p:spTgt spid="113"/>
+                                        </p:tgtEl>
+                                        <p:attrNameLst>
+                                          <p:attrName>style.visibility</p:attrName>
+                                        </p:attrNameLst>
+                                      </p:cBhvr>
+                                      <p:to>
+                                        <p:strVal val="visible"/>
+                                      </p:to>
+                                    </p:set>
+                                    <p:animEffect transition="in" filter="diamond(in)">
+                                      <p:cBhvr>
+                                        <p:cTn id="58" dur="500"/>
+                                        <p:tgtEl>
+                                          <p:spTgt spid="113"/>
+                                        </p:tgtEl>
+                                      </p:cBhvr>
+                                    </p:animEffect>
+                                  </p:childTnLst>
+                                </p:cTn>
+                              </p:par>
+                            </p:childTnLst>
+                          </p:cTn>
+                        </p:par>
+                        <p:par>
+                          <p:cTn id="59" fill="hold">
+                            <p:stCondLst>
+                              <p:cond delay="6500"/>
+                            </p:stCondLst>
+                            <p:childTnLst>
+                              <p:par>
+                                <p:cTn id="60" presetID="18" presetClass="entr" presetSubtype="12" fill="hold" grpId="0" nodeType="afterEffect">
+                                  <p:stCondLst>
+                                    <p:cond delay="0"/>
+                                  </p:stCondLst>
+                                  <p:childTnLst>
+                                    <p:set>
+                                      <p:cBhvr>
+                                        <p:cTn id="61" dur="1" fill="hold">
+                                          <p:stCondLst>
+                                            <p:cond delay="0"/>
+                                          </p:stCondLst>
+                                        </p:cTn>
+                                        <p:tgtEl>
+                                          <p:spTgt spid="96"/>
+                                        </p:tgtEl>
+                                        <p:attrNameLst>
+                                          <p:attrName>style.visibility</p:attrName>
+                                        </p:attrNameLst>
+                                      </p:cBhvr>
+                                      <p:to>
+                                        <p:strVal val="visible"/>
+                                      </p:to>
+                                    </p:set>
+                                    <p:animEffect transition="in" filter="strips(downLeft)">
+                                      <p:cBhvr>
+                                        <p:cTn id="62" dur="500"/>
+                                        <p:tgtEl>
+                                          <p:spTgt spid="96"/>
+                                        </p:tgtEl>
+                                      </p:cBhvr>
+                                    </p:animEffect>
+                                  </p:childTnLst>
+                                </p:cTn>
+                              </p:par>
+                              <p:par>
+                                <p:cTn id="63" presetID="18" presetClass="entr" presetSubtype="12" fill="hold" nodeType="withEffect">
+                                  <p:stCondLst>
+                                    <p:cond delay="0"/>
+                                  </p:stCondLst>
+                                  <p:childTnLst>
+                                    <p:set>
+                                      <p:cBhvr>
+                                        <p:cTn id="64" dur="1" fill="hold">
+                                          <p:stCondLst>
+                                            <p:cond delay="0"/>
+                                          </p:stCondLst>
+                                        </p:cTn>
+                                        <p:tgtEl>
+                                          <p:spTgt spid="126"/>
+                                        </p:tgtEl>
+                                        <p:attrNameLst>
+                                          <p:attrName>style.visibility</p:attrName>
+                                        </p:attrNameLst>
+                                      </p:cBhvr>
+                                      <p:to>
+                                        <p:strVal val="visible"/>
+                                      </p:to>
+                                    </p:set>
+                                    <p:animEffect transition="in" filter="strips(downLeft)">
+                                      <p:cBhvr>
+                                        <p:cTn id="65" dur="500"/>
+                                        <p:tgtEl>
+                                          <p:spTgt spid="126"/>
+                                        </p:tgtEl>
+                                      </p:cBhvr>
+                                    </p:animEffect>
+                                  </p:childTnLst>
+                                </p:cTn>
+                              </p:par>
+                            </p:childTnLst>
+                          </p:cTn>
+                        </p:par>
+                        <p:par>
+                          <p:cTn id="66" fill="hold">
+                            <p:stCondLst>
+                              <p:cond delay="7000"/>
+                            </p:stCondLst>
+                            <p:childTnLst>
+                              <p:par>
+                                <p:cTn id="67" presetID="8" presetClass="entr" presetSubtype="16" fill="hold" nodeType="afterEffect">
+                                  <p:stCondLst>
+                                    <p:cond delay="0"/>
+                                  </p:stCondLst>
+                                  <p:childTnLst>
+                                    <p:set>
+                                      <p:cBhvr>
+                                        <p:cTn id="68" dur="1" fill="hold">
+                                          <p:stCondLst>
+                                            <p:cond delay="0"/>
+                                          </p:stCondLst>
+                                        </p:cTn>
+                                        <p:tgtEl>
+                                          <p:spTgt spid="114"/>
+                                        </p:tgtEl>
+                                        <p:attrNameLst>
+                                          <p:attrName>style.visibility</p:attrName>
+                                        </p:attrNameLst>
+                                      </p:cBhvr>
+                                      <p:to>
+                                        <p:strVal val="visible"/>
+                                      </p:to>
+                                    </p:set>
+                                    <p:animEffect transition="in" filter="diamond(in)">
+                                      <p:cBhvr>
+                                        <p:cTn id="69" dur="500"/>
+                                        <p:tgtEl>
+                                          <p:spTgt spid="114"/>
+                                        </p:tgtEl>
+                                      </p:cBhvr>
+                                    </p:animEffect>
+                                  </p:childTnLst>
+                                </p:cTn>
+                              </p:par>
+                            </p:childTnLst>
+                          </p:cTn>
+                        </p:par>
+                        <p:par>
+                          <p:cTn id="70" fill="hold">
+                            <p:stCondLst>
+                              <p:cond delay="7500"/>
+                            </p:stCondLst>
+                            <p:childTnLst>
+                              <p:par>
+                                <p:cTn id="71" presetID="18" presetClass="entr" presetSubtype="12" fill="hold" grpId="0" nodeType="afterEffect">
+                                  <p:stCondLst>
+                                    <p:cond delay="0"/>
+                                  </p:stCondLst>
+                                  <p:childTnLst>
+                                    <p:set>
+                                      <p:cBhvr>
+                                        <p:cTn id="72" dur="1" fill="hold">
+                                          <p:stCondLst>
+                                            <p:cond delay="0"/>
+                                          </p:stCondLst>
+                                        </p:cTn>
+                                        <p:tgtEl>
+                                          <p:spTgt spid="97"/>
+                                        </p:tgtEl>
+                                        <p:attrNameLst>
+                                          <p:attrName>style.visibility</p:attrName>
+                                        </p:attrNameLst>
+                                      </p:cBhvr>
+                                      <p:to>
+                                        <p:strVal val="visible"/>
+                                      </p:to>
+                                    </p:set>
+                                    <p:animEffect transition="in" filter="strips(downLeft)">
+                                      <p:cBhvr>
+                                        <p:cTn id="73" dur="500"/>
+                                        <p:tgtEl>
+                                          <p:spTgt spid="97"/>
+                                        </p:tgtEl>
+                                      </p:cBhvr>
+                                    </p:animEffect>
+                                  </p:childTnLst>
+                                </p:cTn>
+                              </p:par>
+                            </p:childTnLst>
+                          </p:cTn>
+                        </p:par>
+                        <p:par>
+                          <p:cTn id="74" fill="hold">
+                            <p:stCondLst>
+                              <p:cond delay="8000"/>
+                            </p:stCondLst>
+                            <p:childTnLst>
+                              <p:par>
+                                <p:cTn id="75" presetID="8" presetClass="entr" presetSubtype="16" fill="hold" nodeType="afterEffect">
+                                  <p:stCondLst>
+                                    <p:cond delay="0"/>
+                                  </p:stCondLst>
+                                  <p:childTnLst>
+                                    <p:set>
+                                      <p:cBhvr>
+                                        <p:cTn id="76" dur="1" fill="hold">
+                                          <p:stCondLst>
+                                            <p:cond delay="0"/>
+                                          </p:stCondLst>
+                                        </p:cTn>
+                                        <p:tgtEl>
+                                          <p:spTgt spid="115"/>
+                                        </p:tgtEl>
+                                        <p:attrNameLst>
+                                          <p:attrName>style.visibility</p:attrName>
+                                        </p:attrNameLst>
+                                      </p:cBhvr>
+                                      <p:to>
+                                        <p:strVal val="visible"/>
+                                      </p:to>
+                                    </p:set>
+                                    <p:animEffect transition="in" filter="diamond(in)">
+                                      <p:cBhvr>
+                                        <p:cTn id="77" dur="500"/>
+                                        <p:tgtEl>
+                                          <p:spTgt spid="115"/>
+                                        </p:tgtEl>
+                                      </p:cBhvr>
+                                    </p:animEffect>
+                                  </p:childTnLst>
+                                </p:cTn>
+                              </p:par>
+                            </p:childTnLst>
+                          </p:cTn>
+                        </p:par>
+                        <p:par>
+                          <p:cTn id="78" fill="hold">
+                            <p:stCondLst>
+                              <p:cond delay="8500"/>
+                            </p:stCondLst>
+                            <p:childTnLst>
+                              <p:par>
+                                <p:cTn id="79" presetID="18" presetClass="entr" presetSubtype="12" fill="hold" grpId="0" nodeType="afterEffect">
+                                  <p:stCondLst>
+                                    <p:cond delay="0"/>
+                                  </p:stCondLst>
+                                  <p:childTnLst>
+                                    <p:set>
+                                      <p:cBhvr>
+                                        <p:cTn id="80" dur="1" fill="hold">
+                                          <p:stCondLst>
+                                            <p:cond delay="0"/>
+                                          </p:stCondLst>
+                                        </p:cTn>
+                                        <p:tgtEl>
+                                          <p:spTgt spid="98"/>
+                                        </p:tgtEl>
+                                        <p:attrNameLst>
+                                          <p:attrName>style.visibility</p:attrName>
+                                        </p:attrNameLst>
+                                      </p:cBhvr>
+                                      <p:to>
+                                        <p:strVal val="visible"/>
+                                      </p:to>
+                                    </p:set>
+                                    <p:animEffect transition="in" filter="strips(downLeft)">
+                                      <p:cBhvr>
+                                        <p:cTn id="81" dur="500"/>
+                                        <p:tgtEl>
+                                          <p:spTgt spid="98"/>
+                                        </p:tgtEl>
+                                      </p:cBhvr>
+                                    </p:animEffect>
+                                  </p:childTnLst>
+                                </p:cTn>
+                              </p:par>
+                            </p:childTnLst>
+                          </p:cTn>
+                        </p:par>
+                        <p:par>
+                          <p:cTn id="82" fill="hold">
+                            <p:stCondLst>
+                              <p:cond delay="9000"/>
+                            </p:stCondLst>
+                            <p:childTnLst>
+                              <p:par>
+                                <p:cTn id="83" presetID="8" presetClass="entr" presetSubtype="16" fill="hold" nodeType="afterEffect">
+                                  <p:stCondLst>
+                                    <p:cond delay="0"/>
+                                  </p:stCondLst>
+                                  <p:childTnLst>
+                                    <p:set>
+                                      <p:cBhvr>
+                                        <p:cTn id="84" dur="1" fill="hold">
+                                          <p:stCondLst>
+                                            <p:cond delay="0"/>
+                                          </p:stCondLst>
+                                        </p:cTn>
+                                        <p:tgtEl>
+                                          <p:spTgt spid="116"/>
+                                        </p:tgtEl>
+                                        <p:attrNameLst>
+                                          <p:attrName>style.visibility</p:attrName>
+                                        </p:attrNameLst>
+                                      </p:cBhvr>
+                                      <p:to>
+                                        <p:strVal val="visible"/>
+                                      </p:to>
+                                    </p:set>
+                                    <p:animEffect transition="in" filter="diamond(in)">
+                                      <p:cBhvr>
+                                        <p:cTn id="85" dur="500"/>
+                                        <p:tgtEl>
+                                          <p:spTgt spid="116"/>
+                                        </p:tgtEl>
+                                      </p:cBhvr>
+                                    </p:animEffect>
+                                  </p:childTnLst>
+                                </p:cTn>
+                              </p:par>
+                            </p:childTnLst>
+                          </p:cTn>
+                        </p:par>
+                        <p:par>
+                          <p:cTn id="86" fill="hold">
+                            <p:stCondLst>
+                              <p:cond delay="9500"/>
+                            </p:stCondLst>
+                            <p:childTnLst>
+                              <p:par>
+                                <p:cTn id="87" presetID="18" presetClass="entr" presetSubtype="12" fill="hold" grpId="0" nodeType="afterEffect">
+                                  <p:stCondLst>
+                                    <p:cond delay="0"/>
+                                  </p:stCondLst>
+                                  <p:childTnLst>
+                                    <p:set>
+                                      <p:cBhvr>
+                                        <p:cTn id="88" dur="1" fill="hold">
+                                          <p:stCondLst>
+                                            <p:cond delay="0"/>
+                                          </p:stCondLst>
+                                        </p:cTn>
+                                        <p:tgtEl>
+                                          <p:spTgt spid="99"/>
+                                        </p:tgtEl>
+                                        <p:attrNameLst>
+                                          <p:attrName>style.visibility</p:attrName>
+                                        </p:attrNameLst>
+                                      </p:cBhvr>
+                                      <p:to>
+                                        <p:strVal val="visible"/>
+                                      </p:to>
+                                    </p:set>
+                                    <p:animEffect transition="in" filter="strips(downLeft)">
+                                      <p:cBhvr>
+                                        <p:cTn id="89" dur="500"/>
+                                        <p:tgtEl>
+                                          <p:spTgt spid="99"/>
+                                        </p:tgtEl>
+                                      </p:cBhvr>
+                                    </p:animEffect>
+                                  </p:childTnLst>
+                                </p:cTn>
+                              </p:par>
+                              <p:par>
+                                <p:cTn id="90" presetID="18" presetClass="entr" presetSubtype="12" fill="hold" nodeType="withEffect">
+                                  <p:stCondLst>
+                                    <p:cond delay="0"/>
+                                  </p:stCondLst>
+                                  <p:childTnLst>
+                                    <p:set>
+                                      <p:cBhvr>
+                                        <p:cTn id="91" dur="1" fill="hold">
+                                          <p:stCondLst>
+                                            <p:cond delay="0"/>
+                                          </p:stCondLst>
+                                        </p:cTn>
+                                        <p:tgtEl>
+                                          <p:spTgt spid="127"/>
+                                        </p:tgtEl>
+                                        <p:attrNameLst>
+                                          <p:attrName>style.visibility</p:attrName>
+                                        </p:attrNameLst>
+                                      </p:cBhvr>
+                                      <p:to>
+                                        <p:strVal val="visible"/>
+                                      </p:to>
+                                    </p:set>
+                                    <p:animEffect transition="in" filter="strips(downLeft)">
+                                      <p:cBhvr>
+                                        <p:cTn id="92" dur="500"/>
+                                        <p:tgtEl>
+                                          <p:spTgt spid="127"/>
+                                        </p:tgtEl>
+                                      </p:cBhvr>
+                                    </p:animEffect>
+                                  </p:childTnLst>
+                                </p:cTn>
+                              </p:par>
+                            </p:childTnLst>
+                          </p:cTn>
+                        </p:par>
+                        <p:par>
+                          <p:cTn id="93" fill="hold">
+                            <p:stCondLst>
+                              <p:cond delay="10000"/>
+                            </p:stCondLst>
+                            <p:childTnLst>
+                              <p:par>
+                                <p:cTn id="94" presetID="8" presetClass="entr" presetSubtype="16" fill="hold" nodeType="afterEffect">
+                                  <p:stCondLst>
+                                    <p:cond delay="0"/>
+                                  </p:stCondLst>
+                                  <p:childTnLst>
+                                    <p:set>
+                                      <p:cBhvr>
+                                        <p:cTn id="95" dur="1" fill="hold">
+                                          <p:stCondLst>
+                                            <p:cond delay="0"/>
+                                          </p:stCondLst>
+                                        </p:cTn>
+                                        <p:tgtEl>
+                                          <p:spTgt spid="118"/>
+                                        </p:tgtEl>
+                                        <p:attrNameLst>
+                                          <p:attrName>style.visibility</p:attrName>
+                                        </p:attrNameLst>
+                                      </p:cBhvr>
+                                      <p:to>
+                                        <p:strVal val="visible"/>
+                                      </p:to>
+                                    </p:set>
+                                    <p:animEffect transition="in" filter="diamond(in)">
+                                      <p:cBhvr>
+                                        <p:cTn id="96" dur="500"/>
+                                        <p:tgtEl>
+                                          <p:spTgt spid="118"/>
+                                        </p:tgtEl>
+                                      </p:cBhvr>
+                                    </p:animEffect>
+                                  </p:childTnLst>
+                                </p:cTn>
+                              </p:par>
+                            </p:childTnLst>
+                          </p:cTn>
+                        </p:par>
+                        <p:par>
+                          <p:cTn id="97" fill="hold">
+                            <p:stCondLst>
+                              <p:cond delay="10500"/>
+                            </p:stCondLst>
+                            <p:childTnLst>
+                              <p:par>
+                                <p:cTn id="98" presetID="18" presetClass="entr" presetSubtype="12" fill="hold" grpId="0" nodeType="afterEffect">
+                                  <p:stCondLst>
+                                    <p:cond delay="0"/>
+                                  </p:stCondLst>
+                                  <p:childTnLst>
+                                    <p:set>
+                                      <p:cBhvr>
+                                        <p:cTn id="99" dur="1" fill="hold">
+                                          <p:stCondLst>
+                                            <p:cond delay="0"/>
+                                          </p:stCondLst>
+                                        </p:cTn>
+                                        <p:tgtEl>
+                                          <p:spTgt spid="100"/>
+                                        </p:tgtEl>
+                                        <p:attrNameLst>
+                                          <p:attrName>style.visibility</p:attrName>
+                                        </p:attrNameLst>
+                                      </p:cBhvr>
+                                      <p:to>
+                                        <p:strVal val="visible"/>
+                                      </p:to>
+                                    </p:set>
+                                    <p:animEffect transition="in" filter="strips(downLeft)">
+                                      <p:cBhvr>
+                                        <p:cTn id="100" dur="500"/>
+                                        <p:tgtEl>
+                                          <p:spTgt spid="100"/>
+                                        </p:tgtEl>
+                                      </p:cBhvr>
+                                    </p:animEffect>
+                                  </p:childTnLst>
+                                </p:cTn>
+                              </p:par>
+                            </p:childTnLst>
+                          </p:cTn>
+                        </p:par>
+                        <p:par>
+                          <p:cTn id="101" fill="hold">
+                            <p:stCondLst>
+                              <p:cond delay="11000"/>
+                            </p:stCondLst>
+                            <p:childTnLst>
+                              <p:par>
+                                <p:cTn id="102" presetID="8" presetClass="entr" presetSubtype="16" fill="hold" nodeType="afterEffect">
+                                  <p:stCondLst>
+                                    <p:cond delay="0"/>
+                                  </p:stCondLst>
+                                  <p:childTnLst>
+                                    <p:set>
+                                      <p:cBhvr>
+                                        <p:cTn id="103" dur="1" fill="hold">
+                                          <p:stCondLst>
+                                            <p:cond delay="0"/>
+                                          </p:stCondLst>
+                                        </p:cTn>
+                                        <p:tgtEl>
+                                          <p:spTgt spid="119"/>
+                                        </p:tgtEl>
+                                        <p:attrNameLst>
+                                          <p:attrName>style.visibility</p:attrName>
+                                        </p:attrNameLst>
+                                      </p:cBhvr>
+                                      <p:to>
+                                        <p:strVal val="visible"/>
+                                      </p:to>
+                                    </p:set>
+                                    <p:animEffect transition="in" filter="diamond(in)">
+                                      <p:cBhvr>
+                                        <p:cTn id="104" dur="500"/>
+                                        <p:tgtEl>
+                                          <p:spTgt spid="119"/>
+                                        </p:tgtEl>
+                                      </p:cBhvr>
+                                    </p:animEffect>
+                                  </p:childTnLst>
+                                </p:cTn>
+                              </p:par>
+                            </p:childTnLst>
+                          </p:cTn>
+                        </p:par>
+                        <p:par>
+                          <p:cTn id="105" fill="hold">
+                            <p:stCondLst>
+                              <p:cond delay="11500"/>
+                            </p:stCondLst>
+                            <p:childTnLst>
+                              <p:par>
+                                <p:cTn id="106" presetID="18" presetClass="entr" presetSubtype="12" fill="hold" grpId="0" nodeType="afterEffect">
+                                  <p:stCondLst>
+                                    <p:cond delay="0"/>
+                                  </p:stCondLst>
+                                  <p:childTnLst>
+                                    <p:set>
+                                      <p:cBhvr>
+                                        <p:cTn id="107" dur="1" fill="hold">
+                                          <p:stCondLst>
+                                            <p:cond delay="0"/>
+                                          </p:stCondLst>
+                                        </p:cTn>
+                                        <p:tgtEl>
+                                          <p:spTgt spid="101"/>
+                                        </p:tgtEl>
+                                        <p:attrNameLst>
+                                          <p:attrName>style.visibility</p:attrName>
+                                        </p:attrNameLst>
+                                      </p:cBhvr>
+                                      <p:to>
+                                        <p:strVal val="visible"/>
+                                      </p:to>
+                                    </p:set>
+                                    <p:animEffect transition="in" filter="strips(downLeft)">
+                                      <p:cBhvr>
+                                        <p:cTn id="108" dur="500"/>
+                                        <p:tgtEl>
+                                          <p:spTgt spid="101"/>
+                                        </p:tgtEl>
+                                      </p:cBhvr>
+                                    </p:animEffect>
+                                  </p:childTnLst>
+                                </p:cTn>
+                              </p:par>
+                            </p:childTnLst>
+                          </p:cTn>
+                        </p:par>
+                      </p:childTnLst>
+                    </p:cTn>
+                  </p:par>
+                </p:childTnLst>
+              </p:cTn>
+              <p:prevCondLst>
+                <p:cond evt="onPrev" delay="0">
+                  <p:tgtEl>
+                    <p:sldTgt/>
+                  </p:tgtEl>
+                </p:cond>
+              </p:prevCondLst>
+              <p:nextCondLst>
+                <p:cond evt="onNext" delay="0">
+                  <p:tgtEl>
+                    <p:sldTgt/>
+                  </p:tgtEl>
+                </p:cond>
+              </p:nextCondLst>
+            </p:seq>
+          </p:childTnLst>
+        </p:cTn>
+      </p:par>
+    </p:tnLst>
+    <p:bldLst>
+      <p:bldP spid="90" grpId="0" animBg="1"/>
+      <p:bldP spid="91" grpId="0" animBg="1"/>
+      <p:bldP spid="92" grpId="0" animBg="1"/>
+      <p:bldP spid="93" grpId="0" animBg="1"/>
+      <p:bldP spid="94" grpId="0" animBg="1"/>
+      <p:bldP spid="95" grpId="0" animBg="1"/>
+      <p:bldP spid="96" grpId="0" animBg="1"/>
+      <p:bldP spid="97" grpId="0" animBg="1"/>
+      <p:bldP spid="98" grpId="0" animBg="1"/>
+      <p:bldP spid="99" grpId="0" animBg="1"/>
+      <p:bldP spid="100" grpId="0" animBg="1"/>
+      <p:bldP spid="101" grpId="0" animBg="1"/>
+    </p:bldLst>
+  </p:timing>
+</p:sld>
+</file>
+
+<file path=ppt/slides/slide8.xml><?xml version="1.0" encoding="utf-8"?>
+<p:sld xmlns:a="http://schemas.openxmlformats.org/drawingml/2006/main" xmlns:r="http://schemas.openxmlformats.org/officeDocument/2006/relationships" xmlns:p="http://schemas.openxmlformats.org/presentationml/2006/main">
+  <p:cSld>
+    <p:spTree>
+      <p:nvGrpSpPr>
+        <p:cNvPr id="1" name=""/>
+        <p:cNvGrpSpPr/>
+        <p:nvPr/>
+      </p:nvGrpSpPr>
+      <p:grpSpPr>
+        <a:xfrm>
+          <a:off x="0" y="0"/>
+          <a:ext cx="0" cy="0"/>
+          <a:chOff x="0" y="0"/>
+          <a:chExt cx="0" cy="0"/>
+        </a:xfrm>
+      </p:grpSpPr>
+      <p:sp>
+        <p:nvSpPr>
+          <p:cNvPr id="3" name="Título 1"/>
+          <p:cNvSpPr txBox="1">
+            <a:spLocks/>
+          </p:cNvSpPr>
+          <p:nvPr/>
+        </p:nvSpPr>
+        <p:spPr>
+          <a:xfrm>
+            <a:off x="857224" y="214290"/>
+            <a:ext cx="7772400" cy="914400"/>
+          </a:xfrm>
+          <a:prstGeom prst="rect">
+            <a:avLst/>
+          </a:prstGeom>
+        </p:spPr>
+        <p:txBody>
+          <a:bodyPr/>
+          <a:lstStyle/>
+          <a:p>
+            <a:pPr marL="0" marR="0" lvl="0" indent="0" algn="ctr" defTabSz="914400" rtl="0" eaLnBrk="1" fontAlgn="auto" latinLnBrk="0" hangingPunct="1">
+              <a:lnSpc>
+                <a:spcPct val="100000"/>
+              </a:lnSpc>
+              <a:spcBef>
+                <a:spcPct val="0"/>
+              </a:spcBef>
+              <a:spcAft>
+                <a:spcPts val="0"/>
+              </a:spcAft>
+              <a:buClrTx/>
+              <a:buSzTx/>
+              <a:buFontTx/>
+              <a:buNone/>
+              <a:tabLst/>
+              <a:defRPr/>
+            </a:pPr>
+            <a:r>
+              <a:rPr kumimoji="0" lang="pt-BR" sz="4400" b="1" i="0" u="none" strike="noStrike" kern="1200" cap="all" spc="0" normalizeH="0" baseline="0" noProof="0" dirty="0" smtClean="0">
+                <a:ln>
+                  <a:noFill/>
+                </a:ln>
+                <a:solidFill>
+                  <a:schemeClr val="tx2">
+                    <a:satMod val="200000"/>
+                  </a:schemeClr>
+                </a:solidFill>
+                <a:effectLst>
+                  <a:reflection blurRad="12700" stA="34000" endA="740" endPos="53000" dir="5400000" sy="-100000" algn="bl" rotWithShape="0"/>
+                </a:effectLst>
+                <a:uLnTx/>
+                <a:uFillTx/>
+                <a:latin typeface="Tahoma" pitchFamily="34" charset="0"/>
+                <a:ea typeface="+mj-ea"/>
+                <a:cs typeface="Tahoma" pitchFamily="34" charset="0"/>
+              </a:rPr>
+              <a:t>Resultados Esperados</a:t>
+            </a:r>
+          </a:p>
+        </p:txBody>
+      </p:sp>
     </p:spTree>
   </p:cSld>
   <p:clrMapOvr>

--- a/trunk/DOCS/Apresentação/ApresentaçãoRP2.pptx
+++ b/trunk/DOCS/Apresentação/ApresentaçãoRP2.pptx
@@ -29116,7 +29116,7 @@
 </file>
 
 <file path=ppt/slides/slide7.xml><?xml version="1.0" encoding="utf-8"?>
-<p:sld xmlns:a="http://schemas.openxmlformats.org/drawingml/2006/main" xmlns:r="http://schemas.openxmlformats.org/officeDocument/2006/relationships" xmlns:p="http://schemas.openxmlformats.org/presentationml/2006/main">
+<p:sld xmlns:a="http://schemas.openxmlformats.org/drawingml/2006/main" xmlns:r="http://schemas.openxmlformats.org/officeDocument/2006/relationships" xmlns:p="http://schemas.openxmlformats.org/presentationml/2006/main" show="0">
   <p:cSld>
     <p:spTree>
       <p:nvGrpSpPr>
